--- a/DDD_A_Missao.pptx
+++ b/DDD_A_Missao.pptx
@@ -5,10 +5,10 @@
     <p:sldMasterId id="2147483660" r:id="rId4"/>
   </p:sldMasterIdLst>
   <p:notesMasterIdLst>
-    <p:notesMasterId r:id="rId12"/>
+    <p:notesMasterId r:id="rId15"/>
   </p:notesMasterIdLst>
   <p:handoutMasterIdLst>
-    <p:handoutMasterId r:id="rId13"/>
+    <p:handoutMasterId r:id="rId16"/>
   </p:handoutMasterIdLst>
   <p:sldIdLst>
     <p:sldId id="265" r:id="rId5"/>
@@ -17,12 +17,15 @@
     <p:sldId id="312" r:id="rId8"/>
     <p:sldId id="314" r:id="rId9"/>
     <p:sldId id="315" r:id="rId10"/>
-    <p:sldId id="313" r:id="rId11"/>
+    <p:sldId id="316" r:id="rId11"/>
+    <p:sldId id="317" r:id="rId12"/>
+    <p:sldId id="318" r:id="rId13"/>
+    <p:sldId id="319" r:id="rId14"/>
   </p:sldIdLst>
   <p:sldSz cx="12188825" cy="6858000"/>
   <p:notesSz cx="6858000" cy="9144000"/>
   <p:custDataLst>
-    <p:tags r:id="rId14"/>
+    <p:tags r:id="rId17"/>
   </p:custDataLst>
   <p:defaultTextStyle>
     <a:defPPr>
@@ -9333,6 +9336,305 @@
 </p:sld>
 </file>
 
+<file path=ppt/slides/slide10.xml><?xml version="1.0" encoding="utf-8"?>
+<p:sld xmlns:a="http://schemas.openxmlformats.org/drawingml/2006/main" xmlns:r="http://schemas.openxmlformats.org/officeDocument/2006/relationships" xmlns:p="http://schemas.openxmlformats.org/presentationml/2006/main">
+  <p:cSld>
+    <p:bg>
+      <p:bgPr>
+        <a:solidFill>
+          <a:schemeClr val="bg1"/>
+        </a:solidFill>
+        <a:effectLst/>
+      </p:bgPr>
+    </p:bg>
+    <p:spTree>
+      <p:nvGrpSpPr>
+        <p:cNvPr id="1" name=""/>
+        <p:cNvGrpSpPr/>
+        <p:nvPr/>
+      </p:nvGrpSpPr>
+      <p:grpSpPr>
+        <a:xfrm>
+          <a:off x="0" y="0"/>
+          <a:ext cx="0" cy="0"/>
+          <a:chOff x="0" y="0"/>
+          <a:chExt cx="0" cy="0"/>
+        </a:xfrm>
+      </p:grpSpPr>
+      <p:sp>
+        <p:nvSpPr>
+          <p:cNvPr id="10" name="Rectangle 9">
+            <a:extLst>
+              <a:ext uri="{FF2B5EF4-FFF2-40B4-BE49-F238E27FC236}">
+                <a16:creationId xmlns:a16="http://schemas.microsoft.com/office/drawing/2014/main" id="{6753252F-4873-4F63-801D-CC719279A7D5}"/>
+              </a:ext>
+              <a:ext uri="{C183D7F6-B498-43B3-948B-1728B52AA6E4}">
+                <adec:decorative xmlns:adec="http://schemas.microsoft.com/office/drawing/2017/decorative" val="1"/>
+              </a:ext>
+            </a:extLst>
+          </p:cNvPr>
+          <p:cNvSpPr>
+            <a:spLocks noGrp="1" noRot="1" noChangeAspect="1" noMove="1" noResize="1" noEditPoints="1" noAdjustHandles="1" noChangeArrowheads="1" noChangeShapeType="1" noTextEdit="1"/>
+          </p:cNvSpPr>
+          <p:nvPr>
+            <p:extLst>
+              <p:ext uri="{386F3935-93C4-4BCD-93E2-E3B085C9AB24}">
+                <p16:designElem xmlns:p16="http://schemas.microsoft.com/office/powerpoint/2015/main" val="1"/>
+              </p:ext>
+            </p:extLst>
+          </p:nvPr>
+        </p:nvSpPr>
+        <p:spPr>
+          <a:xfrm>
+            <a:off x="0" y="0"/>
+            <a:ext cx="12188825" cy="6858000"/>
+          </a:xfrm>
+          <a:prstGeom prst="rect">
+            <a:avLst/>
+          </a:prstGeom>
+          <a:solidFill>
+            <a:srgbClr val="FFFFFF"/>
+          </a:solidFill>
+          <a:ln>
+            <a:noFill/>
+          </a:ln>
+        </p:spPr>
+        <p:style>
+          <a:lnRef idx="2">
+            <a:schemeClr val="accent1">
+              <a:shade val="50000"/>
+            </a:schemeClr>
+          </a:lnRef>
+          <a:fillRef idx="1">
+            <a:schemeClr val="accent1"/>
+          </a:fillRef>
+          <a:effectRef idx="0">
+            <a:schemeClr val="accent1"/>
+          </a:effectRef>
+          <a:fontRef idx="minor">
+            <a:schemeClr val="lt1"/>
+          </a:fontRef>
+        </p:style>
+        <p:txBody>
+          <a:bodyPr rtlCol="0" anchor="ctr"/>
+          <a:lstStyle/>
+          <a:p>
+            <a:pPr algn="ctr"/>
+            <a:endParaRPr lang="en-US"/>
+          </a:p>
+        </p:txBody>
+      </p:sp>
+      <p:sp>
+        <p:nvSpPr>
+          <p:cNvPr id="12" name="Rectangle 11">
+            <a:extLst>
+              <a:ext uri="{FF2B5EF4-FFF2-40B4-BE49-F238E27FC236}">
+                <a16:creationId xmlns:a16="http://schemas.microsoft.com/office/drawing/2014/main" id="{047C8CCB-F95D-4249-92DD-651249D3535A}"/>
+              </a:ext>
+              <a:ext uri="{C183D7F6-B498-43B3-948B-1728B52AA6E4}">
+                <adec:decorative xmlns:adec="http://schemas.microsoft.com/office/drawing/2017/decorative" val="1"/>
+              </a:ext>
+            </a:extLst>
+          </p:cNvPr>
+          <p:cNvSpPr>
+            <a:spLocks noGrp="1" noRot="1" noChangeAspect="1" noMove="1" noResize="1" noEditPoints="1" noAdjustHandles="1" noChangeArrowheads="1" noChangeShapeType="1" noTextEdit="1"/>
+          </p:cNvSpPr>
+          <p:nvPr>
+            <p:extLst>
+              <p:ext uri="{386F3935-93C4-4BCD-93E2-E3B085C9AB24}">
+                <p16:designElem xmlns:p16="http://schemas.microsoft.com/office/powerpoint/2015/main" val="1"/>
+              </p:ext>
+            </p:extLst>
+          </p:nvPr>
+        </p:nvSpPr>
+        <p:spPr>
+          <a:xfrm>
+            <a:off x="0" y="0"/>
+            <a:ext cx="2013032" cy="6858000"/>
+          </a:xfrm>
+          <a:prstGeom prst="rect">
+            <a:avLst/>
+          </a:prstGeom>
+          <a:solidFill>
+            <a:srgbClr val="7F7F7F"/>
+          </a:solidFill>
+          <a:ln>
+            <a:noFill/>
+          </a:ln>
+        </p:spPr>
+        <p:style>
+          <a:lnRef idx="2">
+            <a:schemeClr val="accent1">
+              <a:shade val="50000"/>
+            </a:schemeClr>
+          </a:lnRef>
+          <a:fillRef idx="1">
+            <a:schemeClr val="accent1"/>
+          </a:fillRef>
+          <a:effectRef idx="0">
+            <a:schemeClr val="accent1"/>
+          </a:effectRef>
+          <a:fontRef idx="minor">
+            <a:schemeClr val="lt1"/>
+          </a:fontRef>
+        </p:style>
+        <p:txBody>
+          <a:bodyPr rtlCol="0" anchor="ctr"/>
+          <a:lstStyle/>
+          <a:p>
+            <a:pPr algn="ctr"/>
+            <a:endParaRPr lang="en-US"/>
+          </a:p>
+        </p:txBody>
+      </p:sp>
+      <p:sp>
+        <p:nvSpPr>
+          <p:cNvPr id="2" name="Título 1">
+            <a:extLst>
+              <a:ext uri="{FF2B5EF4-FFF2-40B4-BE49-F238E27FC236}">
+                <a16:creationId xmlns:a16="http://schemas.microsoft.com/office/drawing/2014/main" id="{7D974B34-E950-46DD-B642-B2D19A13ED38}"/>
+              </a:ext>
+            </a:extLst>
+          </p:cNvPr>
+          <p:cNvSpPr>
+            <a:spLocks noGrp="1"/>
+          </p:cNvSpPr>
+          <p:nvPr>
+            <p:ph type="title"/>
+          </p:nvPr>
+        </p:nvSpPr>
+        <p:spPr>
+          <a:xfrm>
+            <a:off x="639913" y="2074363"/>
+            <a:ext cx="2751637" cy="2709275"/>
+          </a:xfrm>
+          <a:prstGeom prst="ellipse">
+            <a:avLst/>
+          </a:prstGeom>
+          <a:solidFill>
+            <a:srgbClr val="262626"/>
+          </a:solidFill>
+          <a:ln w="174625" cmpd="thinThick">
+            <a:solidFill>
+              <a:srgbClr val="262626"/>
+            </a:solidFill>
+          </a:ln>
+        </p:spPr>
+        <p:txBody>
+          <a:bodyPr vert="horz" lIns="91440" tIns="45720" rIns="91440" bIns="45720" rtlCol="0" anchor="ctr">
+            <a:normAutofit/>
+          </a:bodyPr>
+          <a:lstStyle/>
+          <a:p>
+            <a:pPr algn="ctr" defTabSz="914400"/>
+            <a:r>
+              <a:rPr lang="en-US" sz="4000" b="1" kern="1200" dirty="0" err="1">
+                <a:solidFill>
+                  <a:srgbClr val="FFFFFF"/>
+                </a:solidFill>
+                <a:latin typeface="+mj-lt"/>
+                <a:ea typeface="+mj-ea"/>
+                <a:cs typeface="+mj-cs"/>
+              </a:rPr>
+              <a:t>Primeiro</a:t>
+            </a:r>
+            <a:r>
+              <a:rPr lang="en-US" sz="4000" b="1" kern="1200" dirty="0">
+                <a:solidFill>
+                  <a:srgbClr val="FFFFFF"/>
+                </a:solidFill>
+                <a:latin typeface="+mj-lt"/>
+                <a:ea typeface="+mj-ea"/>
+                <a:cs typeface="+mj-cs"/>
+              </a:rPr>
+              <a:t> </a:t>
+            </a:r>
+            <a:r>
+              <a:rPr lang="en-US" sz="4000" b="1" kern="1200" dirty="0" err="1">
+                <a:solidFill>
+                  <a:srgbClr val="FFFFFF"/>
+                </a:solidFill>
+                <a:latin typeface="+mj-lt"/>
+                <a:ea typeface="+mj-ea"/>
+                <a:cs typeface="+mj-cs"/>
+              </a:rPr>
+              <a:t>passo</a:t>
+            </a:r>
+            <a:r>
+              <a:rPr lang="en-US" sz="4000" b="1" kern="1200" dirty="0">
+                <a:solidFill>
+                  <a:srgbClr val="FFFFFF"/>
+                </a:solidFill>
+                <a:latin typeface="+mj-lt"/>
+                <a:ea typeface="+mj-ea"/>
+                <a:cs typeface="+mj-cs"/>
+              </a:rPr>
+              <a:t> para</a:t>
+            </a:r>
+          </a:p>
+        </p:txBody>
+      </p:sp>
+      <p:pic>
+        <p:nvPicPr>
+          <p:cNvPr id="5" name="Imagem 4">
+            <a:extLst>
+              <a:ext uri="{FF2B5EF4-FFF2-40B4-BE49-F238E27FC236}">
+                <a16:creationId xmlns:a16="http://schemas.microsoft.com/office/drawing/2014/main" id="{A2AB275A-4B8A-4FED-BEB4-C6F4D4403340}"/>
+              </a:ext>
+            </a:extLst>
+          </p:cNvPr>
+          <p:cNvPicPr>
+            <a:picLocks noChangeAspect="1"/>
+          </p:cNvPicPr>
+          <p:nvPr/>
+        </p:nvPicPr>
+        <p:blipFill>
+          <a:blip r:embed="rId2">
+            <a:extLst>
+              <a:ext uri="{28A0092B-C50C-407E-A947-70E740481C1C}">
+                <a14:useLocalDpi xmlns:a14="http://schemas.microsoft.com/office/drawing/2010/main" val="0"/>
+              </a:ext>
+            </a:extLst>
+          </a:blip>
+          <a:stretch>
+            <a:fillRect/>
+          </a:stretch>
+        </p:blipFill>
+        <p:spPr>
+          <a:xfrm>
+            <a:off x="4037548" y="1031863"/>
+            <a:ext cx="7186327" cy="4790884"/>
+          </a:xfrm>
+          <a:prstGeom prst="rect">
+            <a:avLst/>
+          </a:prstGeom>
+        </p:spPr>
+      </p:pic>
+    </p:spTree>
+    <p:extLst>
+      <p:ext uri="{BB962C8B-B14F-4D97-AF65-F5344CB8AC3E}">
+        <p14:creationId xmlns:p14="http://schemas.microsoft.com/office/powerpoint/2010/main" val="3192299456"/>
+      </p:ext>
+    </p:extLst>
+  </p:cSld>
+  <p:clrMapOvr>
+    <a:masterClrMapping/>
+  </p:clrMapOvr>
+  <mc:AlternateContent xmlns:mc="http://schemas.openxmlformats.org/markup-compatibility/2006" xmlns:p14="http://schemas.microsoft.com/office/powerpoint/2010/main">
+    <mc:Choice Requires="p14">
+      <p:transition spd="med" p14:dur="700">
+        <p:fade/>
+      </p:transition>
+    </mc:Choice>
+    <mc:Fallback xmlns="">
+      <p:transition spd="med">
+        <p:fade/>
+      </p:transition>
+    </mc:Fallback>
+  </mc:AlternateContent>
+</p:sld>
+</file>
+
 <file path=ppt/slides/slide2.xml><?xml version="1.0" encoding="utf-8"?>
 <p:sld xmlns:a="http://schemas.openxmlformats.org/drawingml/2006/main" xmlns:r="http://schemas.openxmlformats.org/officeDocument/2006/relationships" xmlns:p="http://schemas.openxmlformats.org/presentationml/2006/main">
   <p:cSld>
@@ -11160,6 +11462,17 @@
 <file path=ppt/slides/slide7.xml><?xml version="1.0" encoding="utf-8"?>
 <p:sld xmlns:a="http://schemas.openxmlformats.org/drawingml/2006/main" xmlns:r="http://schemas.openxmlformats.org/officeDocument/2006/relationships" xmlns:p="http://schemas.openxmlformats.org/presentationml/2006/main">
   <p:cSld>
+    <p:bg>
+      <p:bgPr>
+        <a:solidFill>
+          <a:schemeClr val="bg1">
+            <a:tint val="95000"/>
+            <a:satMod val="170000"/>
+          </a:schemeClr>
+        </a:solidFill>
+        <a:effectLst/>
+      </p:bgPr>
+    </p:bg>
     <p:spTree>
       <p:nvGrpSpPr>
         <p:cNvPr id="1" name=""/>
@@ -11179,7 +11492,7 @@
           <p:cNvPr id="2" name="Título 1">
             <a:extLst>
               <a:ext uri="{FF2B5EF4-FFF2-40B4-BE49-F238E27FC236}">
-                <a16:creationId xmlns:a16="http://schemas.microsoft.com/office/drawing/2014/main" id="{8ABD3B0B-EF15-4FD4-A16B-6D943B2D9469}"/>
+                <a16:creationId xmlns:a16="http://schemas.microsoft.com/office/drawing/2014/main" id="{888284DF-3BAF-43EA-86CB-65606C6E0064}"/>
               </a:ext>
             </a:extLst>
           </p:cNvPr>
@@ -11190,21 +11503,486 @@
             <p:ph type="title"/>
           </p:nvPr>
         </p:nvSpPr>
-        <p:spPr/>
+        <p:spPr>
+          <a:xfrm>
+            <a:off x="6744871" y="1783959"/>
+            <a:ext cx="4644040" cy="2889114"/>
+          </a:xfrm>
+        </p:spPr>
         <p:txBody>
-          <a:bodyPr/>
+          <a:bodyPr vert="horz" lIns="91440" tIns="45720" rIns="91440" bIns="45720" rtlCol="0" anchor="b">
+            <a:normAutofit/>
+          </a:bodyPr>
           <a:lstStyle/>
           <a:p>
-            <a:endParaRPr lang="en-US" dirty="0"/>
+            <a:pPr defTabSz="914400"/>
+            <a:r>
+              <a:rPr lang="en-US" sz="6000"/>
+              <a:t>Mas a vida é uma caixa de surpresas</a:t>
+            </a:r>
           </a:p>
         </p:txBody>
       </p:sp>
       <p:sp>
         <p:nvSpPr>
-          <p:cNvPr id="3" name="Espaço Reservado para Conteúdo 2">
+          <p:cNvPr id="10" name="Freeform: Shape 9">
             <a:extLst>
               <a:ext uri="{FF2B5EF4-FFF2-40B4-BE49-F238E27FC236}">
-                <a16:creationId xmlns:a16="http://schemas.microsoft.com/office/drawing/2014/main" id="{0F2DC3E4-E6CB-4478-9163-2192C0D9233C}"/>
+                <a16:creationId xmlns:a16="http://schemas.microsoft.com/office/drawing/2014/main" id="{1DB7C82F-AB7E-4F0C-B829-FA1B9C415180}"/>
+              </a:ext>
+              <a:ext uri="{C183D7F6-B498-43B3-948B-1728B52AA6E4}">
+                <adec:decorative xmlns:adec="http://schemas.microsoft.com/office/drawing/2017/decorative" val="1"/>
+              </a:ext>
+            </a:extLst>
+          </p:cNvPr>
+          <p:cNvSpPr>
+            <a:spLocks noGrp="1" noRot="1" noChangeAspect="1" noMove="1" noResize="1" noEditPoints="1" noAdjustHandles="1" noChangeArrowheads="1" noChangeShapeType="1" noTextEdit="1"/>
+          </p:cNvSpPr>
+          <p:nvPr>
+            <p:extLst>
+              <p:ext uri="{386F3935-93C4-4BCD-93E2-E3B085C9AB24}">
+                <p16:designElem xmlns:p16="http://schemas.microsoft.com/office/powerpoint/2015/main" val="1"/>
+              </p:ext>
+            </p:extLst>
+          </p:nvPr>
+        </p:nvSpPr>
+        <p:spPr>
+          <a:xfrm flipH="1">
+            <a:off x="0" y="0"/>
+            <a:ext cx="6171174" cy="6858000"/>
+          </a:xfrm>
+          <a:custGeom>
+            <a:avLst/>
+            <a:gdLst>
+              <a:gd name="connsiteX0" fmla="*/ 6172782 w 6172782"/>
+              <a:gd name="connsiteY0" fmla="*/ 0 h 6858000"/>
+              <a:gd name="connsiteX1" fmla="*/ 69075 w 6172782"/>
+              <a:gd name="connsiteY1" fmla="*/ 0 h 6858000"/>
+              <a:gd name="connsiteX2" fmla="*/ 35131 w 6172782"/>
+              <a:gd name="connsiteY2" fmla="*/ 267128 h 6858000"/>
+              <a:gd name="connsiteX3" fmla="*/ 0 w 6172782"/>
+              <a:gd name="connsiteY3" fmla="*/ 962845 h 6858000"/>
+              <a:gd name="connsiteX4" fmla="*/ 3276103 w 6172782"/>
+              <a:gd name="connsiteY4" fmla="*/ 6782205 h 6858000"/>
+              <a:gd name="connsiteX5" fmla="*/ 3407923 w 6172782"/>
+              <a:gd name="connsiteY5" fmla="*/ 6858000 h 6858000"/>
+              <a:gd name="connsiteX6" fmla="*/ 6172782 w 6172782"/>
+              <a:gd name="connsiteY6" fmla="*/ 6858000 h 6858000"/>
+            </a:gdLst>
+            <a:ahLst/>
+            <a:cxnLst>
+              <a:cxn ang="0">
+                <a:pos x="connsiteX0" y="connsiteY0"/>
+              </a:cxn>
+              <a:cxn ang="0">
+                <a:pos x="connsiteX1" y="connsiteY1"/>
+              </a:cxn>
+              <a:cxn ang="0">
+                <a:pos x="connsiteX2" y="connsiteY2"/>
+              </a:cxn>
+              <a:cxn ang="0">
+                <a:pos x="connsiteX3" y="connsiteY3"/>
+              </a:cxn>
+              <a:cxn ang="0">
+                <a:pos x="connsiteX4" y="connsiteY4"/>
+              </a:cxn>
+              <a:cxn ang="0">
+                <a:pos x="connsiteX5" y="connsiteY5"/>
+              </a:cxn>
+              <a:cxn ang="0">
+                <a:pos x="connsiteX6" y="connsiteY6"/>
+              </a:cxn>
+            </a:cxnLst>
+            <a:rect l="l" t="t" r="r" b="b"/>
+            <a:pathLst>
+              <a:path w="6172782" h="6858000">
+                <a:moveTo>
+                  <a:pt x="6172782" y="0"/>
+                </a:moveTo>
+                <a:lnTo>
+                  <a:pt x="69075" y="0"/>
+                </a:lnTo>
+                <a:lnTo>
+                  <a:pt x="35131" y="267128"/>
+                </a:lnTo>
+                <a:cubicBezTo>
+                  <a:pt x="11901" y="495874"/>
+                  <a:pt x="0" y="727970"/>
+                  <a:pt x="0" y="962845"/>
+                </a:cubicBezTo>
+                <a:cubicBezTo>
+                  <a:pt x="0" y="3429034"/>
+                  <a:pt x="1312002" y="5588789"/>
+                  <a:pt x="3276103" y="6782205"/>
+                </a:cubicBezTo>
+                <a:lnTo>
+                  <a:pt x="3407923" y="6858000"/>
+                </a:lnTo>
+                <a:lnTo>
+                  <a:pt x="6172782" y="6858000"/>
+                </a:lnTo>
+                <a:close/>
+              </a:path>
+            </a:pathLst>
+          </a:custGeom>
+          <a:solidFill>
+            <a:srgbClr val="FFFFFF">
+              <a:alpha val="80000"/>
+            </a:srgbClr>
+          </a:solidFill>
+          <a:ln>
+            <a:noFill/>
+          </a:ln>
+        </p:spPr>
+        <p:style>
+          <a:lnRef idx="2">
+            <a:schemeClr val="accent1">
+              <a:shade val="50000"/>
+            </a:schemeClr>
+          </a:lnRef>
+          <a:fillRef idx="1">
+            <a:schemeClr val="accent1"/>
+          </a:fillRef>
+          <a:effectRef idx="0">
+            <a:schemeClr val="accent1"/>
+          </a:effectRef>
+          <a:fontRef idx="minor">
+            <a:schemeClr val="lt1"/>
+          </a:fontRef>
+        </p:style>
+        <p:txBody>
+          <a:bodyPr wrap="square" rtlCol="0" anchor="ctr">
+            <a:noAutofit/>
+          </a:bodyPr>
+          <a:lstStyle/>
+          <a:p>
+            <a:pPr marL="0" marR="0" lvl="0" indent="0" algn="ctr" defTabSz="914400" rtl="0" eaLnBrk="1" fontAlgn="auto" latinLnBrk="0" hangingPunct="1">
+              <a:lnSpc>
+                <a:spcPct val="100000"/>
+              </a:lnSpc>
+              <a:spcBef>
+                <a:spcPts val="0"/>
+              </a:spcBef>
+              <a:spcAft>
+                <a:spcPts val="0"/>
+              </a:spcAft>
+              <a:buClrTx/>
+              <a:buSzTx/>
+              <a:buFontTx/>
+              <a:buNone/>
+              <a:tabLst/>
+              <a:defRPr/>
+            </a:pPr>
+            <a:endParaRPr kumimoji="0" lang="en-US" sz="1800" b="0" i="0" u="none" strike="noStrike" kern="1200" cap="none" spc="0" normalizeH="0" baseline="0" noProof="0">
+              <a:ln>
+                <a:noFill/>
+              </a:ln>
+              <a:solidFill>
+                <a:prstClr val="white"/>
+              </a:solidFill>
+              <a:effectLst/>
+              <a:uLnTx/>
+              <a:uFillTx/>
+              <a:latin typeface="Calibri" panose="020F0502020204030204"/>
+              <a:ea typeface="+mn-ea"/>
+              <a:cs typeface="+mn-cs"/>
+            </a:endParaRPr>
+          </a:p>
+        </p:txBody>
+      </p:sp>
+      <p:pic>
+        <p:nvPicPr>
+          <p:cNvPr id="5" name="Imagem 4">
+            <a:extLst>
+              <a:ext uri="{FF2B5EF4-FFF2-40B4-BE49-F238E27FC236}">
+                <a16:creationId xmlns:a16="http://schemas.microsoft.com/office/drawing/2014/main" id="{5DA08552-5422-4499-A6A2-6F9CF5495E86}"/>
+              </a:ext>
+            </a:extLst>
+          </p:cNvPr>
+          <p:cNvPicPr>
+            <a:picLocks noChangeAspect="1"/>
+          </p:cNvPicPr>
+          <p:nvPr/>
+        </p:nvPicPr>
+        <p:blipFill rotWithShape="1">
+          <a:blip r:embed="rId2">
+            <a:extLst>
+              <a:ext uri="{28A0092B-C50C-407E-A947-70E740481C1C}">
+                <a14:useLocalDpi xmlns:a14="http://schemas.microsoft.com/office/drawing/2010/main" val="0"/>
+              </a:ext>
+            </a:extLst>
+          </a:blip>
+          <a:srcRect l="21834" r="25914"/>
+          <a:stretch/>
+        </p:blipFill>
+        <p:spPr>
+          <a:xfrm>
+            <a:off x="20" y="10"/>
+            <a:ext cx="6022565" cy="6857990"/>
+          </a:xfrm>
+          <a:custGeom>
+            <a:avLst/>
+            <a:gdLst>
+              <a:gd name="connsiteX0" fmla="*/ 0 w 6024154"/>
+              <a:gd name="connsiteY0" fmla="*/ 0 h 6858000"/>
+              <a:gd name="connsiteX1" fmla="*/ 5953780 w 6024154"/>
+              <a:gd name="connsiteY1" fmla="*/ 0 h 6858000"/>
+              <a:gd name="connsiteX2" fmla="*/ 5989880 w 6024154"/>
+              <a:gd name="connsiteY2" fmla="*/ 284091 h 6858000"/>
+              <a:gd name="connsiteX3" fmla="*/ 6024154 w 6024154"/>
+              <a:gd name="connsiteY3" fmla="*/ 962844 h 6858000"/>
+              <a:gd name="connsiteX4" fmla="*/ 2549934 w 6024154"/>
+              <a:gd name="connsiteY4" fmla="*/ 6800152 h 6858000"/>
+              <a:gd name="connsiteX5" fmla="*/ 2436987 w 6024154"/>
+              <a:gd name="connsiteY5" fmla="*/ 6858000 h 6858000"/>
+              <a:gd name="connsiteX6" fmla="*/ 0 w 6024154"/>
+              <a:gd name="connsiteY6" fmla="*/ 6858000 h 6858000"/>
+            </a:gdLst>
+            <a:ahLst/>
+            <a:cxnLst>
+              <a:cxn ang="0">
+                <a:pos x="connsiteX0" y="connsiteY0"/>
+              </a:cxn>
+              <a:cxn ang="0">
+                <a:pos x="connsiteX1" y="connsiteY1"/>
+              </a:cxn>
+              <a:cxn ang="0">
+                <a:pos x="connsiteX2" y="connsiteY2"/>
+              </a:cxn>
+              <a:cxn ang="0">
+                <a:pos x="connsiteX3" y="connsiteY3"/>
+              </a:cxn>
+              <a:cxn ang="0">
+                <a:pos x="connsiteX4" y="connsiteY4"/>
+              </a:cxn>
+              <a:cxn ang="0">
+                <a:pos x="connsiteX5" y="connsiteY5"/>
+              </a:cxn>
+              <a:cxn ang="0">
+                <a:pos x="connsiteX6" y="connsiteY6"/>
+              </a:cxn>
+            </a:cxnLst>
+            <a:rect l="l" t="t" r="r" b="b"/>
+            <a:pathLst>
+              <a:path w="6024154" h="6858000">
+                <a:moveTo>
+                  <a:pt x="0" y="0"/>
+                </a:moveTo>
+                <a:lnTo>
+                  <a:pt x="5953780" y="0"/>
+                </a:lnTo>
+                <a:lnTo>
+                  <a:pt x="5989880" y="284091"/>
+                </a:lnTo>
+                <a:cubicBezTo>
+                  <a:pt x="6012544" y="507260"/>
+                  <a:pt x="6024154" y="733696"/>
+                  <a:pt x="6024154" y="962844"/>
+                </a:cubicBezTo>
+                <a:cubicBezTo>
+                  <a:pt x="6024154" y="3483472"/>
+                  <a:pt x="4619336" y="5675986"/>
+                  <a:pt x="2549934" y="6800152"/>
+                </a:cubicBezTo>
+                <a:lnTo>
+                  <a:pt x="2436987" y="6858000"/>
+                </a:lnTo>
+                <a:lnTo>
+                  <a:pt x="0" y="6858000"/>
+                </a:lnTo>
+                <a:close/>
+              </a:path>
+            </a:pathLst>
+          </a:custGeom>
+        </p:spPr>
+      </p:pic>
+    </p:spTree>
+    <p:extLst>
+      <p:ext uri="{BB962C8B-B14F-4D97-AF65-F5344CB8AC3E}">
+        <p14:creationId xmlns:p14="http://schemas.microsoft.com/office/powerpoint/2010/main" val="905834330"/>
+      </p:ext>
+    </p:extLst>
+  </p:cSld>
+  <p:clrMapOvr>
+    <a:overrideClrMapping bg1="dk1" tx1="lt1" bg2="dk2" tx2="lt2" accent1="accent1" accent2="accent2" accent3="accent3" accent4="accent4" accent5="accent5" accent6="accent6" hlink="hlink" folHlink="folHlink"/>
+  </p:clrMapOvr>
+  <mc:AlternateContent xmlns:mc="http://schemas.openxmlformats.org/markup-compatibility/2006" xmlns:p14="http://schemas.microsoft.com/office/powerpoint/2010/main">
+    <mc:Choice Requires="p14">
+      <p:transition spd="med" p14:dur="700">
+        <p:fade/>
+      </p:transition>
+    </mc:Choice>
+    <mc:Fallback xmlns="">
+      <p:transition spd="med">
+        <p:fade/>
+      </p:transition>
+    </mc:Fallback>
+  </mc:AlternateContent>
+</p:sld>
+</file>
+
+<file path=ppt/slides/slide8.xml><?xml version="1.0" encoding="utf-8"?>
+<p:sld xmlns:a="http://schemas.openxmlformats.org/drawingml/2006/main" xmlns:r="http://schemas.openxmlformats.org/officeDocument/2006/relationships" xmlns:p="http://schemas.openxmlformats.org/presentationml/2006/main">
+  <p:cSld>
+    <p:bg>
+      <p:bgPr>
+        <a:solidFill>
+          <a:schemeClr val="bg1"/>
+        </a:solidFill>
+        <a:effectLst/>
+      </p:bgPr>
+    </p:bg>
+    <p:spTree>
+      <p:nvGrpSpPr>
+        <p:cNvPr id="1" name=""/>
+        <p:cNvGrpSpPr/>
+        <p:nvPr/>
+      </p:nvGrpSpPr>
+      <p:grpSpPr>
+        <a:xfrm>
+          <a:off x="0" y="0"/>
+          <a:ext cx="0" cy="0"/>
+          <a:chOff x="0" y="0"/>
+          <a:chExt cx="0" cy="0"/>
+        </a:xfrm>
+      </p:grpSpPr>
+      <p:sp>
+        <p:nvSpPr>
+          <p:cNvPr id="12" name="Rectangle 11">
+            <a:extLst>
+              <a:ext uri="{FF2B5EF4-FFF2-40B4-BE49-F238E27FC236}">
+                <a16:creationId xmlns:a16="http://schemas.microsoft.com/office/drawing/2014/main" id="{35555856-9970-4BC3-9AA9-6A917F53AFBD}"/>
+              </a:ext>
+              <a:ext uri="{C183D7F6-B498-43B3-948B-1728B52AA6E4}">
+                <adec:decorative xmlns:adec="http://schemas.microsoft.com/office/drawing/2017/decorative" val="1"/>
+              </a:ext>
+            </a:extLst>
+          </p:cNvPr>
+          <p:cNvSpPr>
+            <a:spLocks noGrp="1" noRot="1" noChangeAspect="1" noMove="1" noResize="1" noEditPoints="1" noAdjustHandles="1" noChangeArrowheads="1" noChangeShapeType="1" noTextEdit="1"/>
+          </p:cNvSpPr>
+          <p:nvPr>
+            <p:extLst>
+              <p:ext uri="{386F3935-93C4-4BCD-93E2-E3B085C9AB24}">
+                <p16:designElem xmlns:p16="http://schemas.microsoft.com/office/powerpoint/2015/main" val="1"/>
+              </p:ext>
+            </p:extLst>
+          </p:nvPr>
+        </p:nvSpPr>
+        <p:spPr>
+          <a:xfrm>
+            <a:off x="5768469" y="0"/>
+            <a:ext cx="6420049" cy="6858000"/>
+          </a:xfrm>
+          <a:prstGeom prst="rect">
+            <a:avLst/>
+          </a:prstGeom>
+          <a:gradFill>
+            <a:gsLst>
+              <a:gs pos="0">
+                <a:schemeClr val="accent1">
+                  <a:lumMod val="100000"/>
+                  <a:alpha val="82000"/>
+                </a:schemeClr>
+              </a:gs>
+              <a:gs pos="25000">
+                <a:schemeClr val="accent1">
+                  <a:alpha val="60000"/>
+                </a:schemeClr>
+              </a:gs>
+              <a:gs pos="94000">
+                <a:schemeClr val="bg2">
+                  <a:lumMod val="75000"/>
+                </a:schemeClr>
+              </a:gs>
+              <a:gs pos="100000">
+                <a:schemeClr val="bg2">
+                  <a:lumMod val="75000"/>
+                </a:schemeClr>
+              </a:gs>
+            </a:gsLst>
+            <a:lin ang="4200000" scaled="0"/>
+          </a:gradFill>
+          <a:ln>
+            <a:noFill/>
+          </a:ln>
+        </p:spPr>
+        <p:style>
+          <a:lnRef idx="2">
+            <a:schemeClr val="accent1">
+              <a:shade val="50000"/>
+            </a:schemeClr>
+          </a:lnRef>
+          <a:fillRef idx="1">
+            <a:schemeClr val="accent1"/>
+          </a:fillRef>
+          <a:effectRef idx="0">
+            <a:schemeClr val="accent1"/>
+          </a:effectRef>
+          <a:fontRef idx="minor">
+            <a:schemeClr val="lt1"/>
+          </a:fontRef>
+        </p:style>
+        <p:txBody>
+          <a:bodyPr rtlCol="0" anchor="ctr"/>
+          <a:lstStyle/>
+          <a:p>
+            <a:pPr algn="ctr"/>
+            <a:endParaRPr lang="en-US"/>
+          </a:p>
+        </p:txBody>
+      </p:sp>
+      <p:pic>
+        <p:nvPicPr>
+          <p:cNvPr id="14" name="Picture 13">
+            <a:extLst>
+              <a:ext uri="{FF2B5EF4-FFF2-40B4-BE49-F238E27FC236}">
+                <a16:creationId xmlns:a16="http://schemas.microsoft.com/office/drawing/2014/main" id="{7F487851-BFAF-46D8-A1ED-50CAD6E46F59}"/>
+              </a:ext>
+              <a:ext uri="{C183D7F6-B498-43B3-948B-1728B52AA6E4}">
+                <adec:decorative xmlns:adec="http://schemas.microsoft.com/office/drawing/2017/decorative" val="1"/>
+              </a:ext>
+            </a:extLst>
+          </p:cNvPr>
+          <p:cNvPicPr>
+            <a:picLocks noGrp="1" noRot="1" noChangeAspect="1" noMove="1" noResize="1" noEditPoints="1" noAdjustHandles="1" noChangeArrowheads="1" noChangeShapeType="1" noCrop="1"/>
+          </p:cNvPicPr>
+          <p:nvPr>
+            <p:extLst>
+              <p:ext uri="{386F3935-93C4-4BCD-93E2-E3B085C9AB24}">
+                <p16:designElem xmlns:p16="http://schemas.microsoft.com/office/powerpoint/2015/main" val="1"/>
+              </p:ext>
+            </p:extLst>
+          </p:nvPr>
+        </p:nvPicPr>
+        <p:blipFill>
+          <a:blip r:embed="rId2">
+            <a:extLst>
+              <a:ext uri="{28A0092B-C50C-407E-A947-70E740481C1C}">
+                <a14:useLocalDpi xmlns:a14="http://schemas.microsoft.com/office/drawing/2010/main" val="0"/>
+              </a:ext>
+            </a:extLst>
+          </a:blip>
+          <a:stretch>
+            <a:fillRect/>
+          </a:stretch>
+        </p:blipFill>
+        <p:spPr>
+          <a:xfrm flipH="1">
+            <a:off x="0" y="0"/>
+            <a:ext cx="12188825" cy="6858000"/>
+          </a:xfrm>
+          <a:prstGeom prst="rect">
+            <a:avLst/>
+          </a:prstGeom>
+        </p:spPr>
+      </p:pic>
+      <p:sp>
+        <p:nvSpPr>
+          <p:cNvPr id="2" name="Título 1">
+            <a:extLst>
+              <a:ext uri="{FF2B5EF4-FFF2-40B4-BE49-F238E27FC236}">
+                <a16:creationId xmlns:a16="http://schemas.microsoft.com/office/drawing/2014/main" id="{0B88CAF4-5DDA-42BB-BF97-D70593E16C7D}"/>
               </a:ext>
             </a:extLst>
           </p:cNvPr>
@@ -11212,25 +11990,568 @@
             <a:spLocks noGrp="1"/>
           </p:cNvSpPr>
           <p:nvPr>
-            <p:ph idx="1"/>
+            <p:ph type="title"/>
           </p:nvPr>
         </p:nvSpPr>
-        <p:spPr/>
+        <p:spPr>
+          <a:xfrm>
+            <a:off x="503948" y="1524000"/>
+            <a:ext cx="6581064" cy="1524000"/>
+          </a:xfrm>
+        </p:spPr>
         <p:txBody>
-          <a:bodyPr/>
+          <a:bodyPr vert="horz" lIns="91440" tIns="45720" rIns="91440" bIns="45720" rtlCol="0" anchor="t">
+            <a:normAutofit/>
+          </a:bodyPr>
           <a:lstStyle/>
           <a:p>
+            <a:pPr defTabSz="914400"/>
             <a:r>
-              <a:rPr lang="en-US" dirty="0"/>
-              <a:t>https://www.marcelohenrique.net.br/artigo/crud-asp-net-mvc-usando-ado</a:t>
+              <a:rPr lang="en-US" sz="6000" b="1" kern="1200" dirty="0" err="1">
+                <a:solidFill>
+                  <a:srgbClr val="000000"/>
+                </a:solidFill>
+                <a:latin typeface="+mj-lt"/>
+                <a:ea typeface="+mj-ea"/>
+                <a:cs typeface="+mj-cs"/>
+              </a:rPr>
+              <a:t>Isolar</a:t>
+            </a:r>
+            <a:r>
+              <a:rPr lang="en-US" sz="6000" b="1" kern="1200" dirty="0">
+                <a:solidFill>
+                  <a:srgbClr val="000000"/>
+                </a:solidFill>
+                <a:latin typeface="+mj-lt"/>
+                <a:ea typeface="+mj-ea"/>
+                <a:cs typeface="+mj-cs"/>
+              </a:rPr>
+              <a:t> o </a:t>
+            </a:r>
+            <a:r>
+              <a:rPr lang="en-US" sz="6000" b="1" kern="1200" dirty="0" err="1">
+                <a:solidFill>
+                  <a:srgbClr val="000000"/>
+                </a:solidFill>
+                <a:latin typeface="+mj-lt"/>
+                <a:ea typeface="+mj-ea"/>
+                <a:cs typeface="+mj-cs"/>
+              </a:rPr>
+              <a:t>domínio</a:t>
+            </a:r>
+            <a:endParaRPr lang="en-US" sz="6000" b="1" kern="1200" dirty="0">
+              <a:solidFill>
+                <a:srgbClr val="000000"/>
+              </a:solidFill>
+              <a:latin typeface="+mj-lt"/>
+              <a:ea typeface="+mj-ea"/>
+              <a:cs typeface="+mj-cs"/>
+            </a:endParaRPr>
+          </a:p>
+        </p:txBody>
+      </p:sp>
+      <p:sp>
+        <p:nvSpPr>
+          <p:cNvPr id="16" name="Freeform 50">
+            <a:extLst>
+              <a:ext uri="{FF2B5EF4-FFF2-40B4-BE49-F238E27FC236}">
+                <a16:creationId xmlns:a16="http://schemas.microsoft.com/office/drawing/2014/main" id="{13722DD7-BA73-4776-93A3-94491FEF7260}"/>
+              </a:ext>
+              <a:ext uri="{C183D7F6-B498-43B3-948B-1728B52AA6E4}">
+                <adec:decorative xmlns:adec="http://schemas.microsoft.com/office/drawing/2017/decorative" val="1"/>
+              </a:ext>
+            </a:extLst>
+          </p:cNvPr>
+          <p:cNvSpPr>
+            <a:spLocks noGrp="1" noRot="1" noChangeAspect="1" noMove="1" noResize="1" noEditPoints="1" noAdjustHandles="1" noChangeArrowheads="1" noChangeShapeType="1" noTextEdit="1"/>
+          </p:cNvSpPr>
+          <p:nvPr>
+            <p:extLst>
+              <p:ext uri="{386F3935-93C4-4BCD-93E2-E3B085C9AB24}">
+                <p16:designElem xmlns:p16="http://schemas.microsoft.com/office/powerpoint/2015/main" val="1"/>
+              </p:ext>
+            </p:extLst>
+          </p:nvPr>
+        </p:nvSpPr>
+        <p:spPr>
+          <a:xfrm>
+            <a:off x="6725369" y="581159"/>
+            <a:ext cx="5463456" cy="6276841"/>
+          </a:xfrm>
+          <a:custGeom>
+            <a:avLst/>
+            <a:gdLst>
+              <a:gd name="connsiteX0" fmla="*/ 3299930 w 5464879"/>
+              <a:gd name="connsiteY0" fmla="*/ 0 h 6276841"/>
+              <a:gd name="connsiteX1" fmla="*/ 5398992 w 5464879"/>
+              <a:gd name="connsiteY1" fmla="*/ 753544 h 6276841"/>
+              <a:gd name="connsiteX2" fmla="*/ 5464879 w 5464879"/>
+              <a:gd name="connsiteY2" fmla="*/ 813426 h 6276841"/>
+              <a:gd name="connsiteX3" fmla="*/ 5464879 w 5464879"/>
+              <a:gd name="connsiteY3" fmla="*/ 5786434 h 6276841"/>
+              <a:gd name="connsiteX4" fmla="*/ 5398992 w 5464879"/>
+              <a:gd name="connsiteY4" fmla="*/ 5846317 h 6276841"/>
+              <a:gd name="connsiteX5" fmla="*/ 4872873 w 5464879"/>
+              <a:gd name="connsiteY5" fmla="*/ 6201577 h 6276841"/>
+              <a:gd name="connsiteX6" fmla="*/ 4716632 w 5464879"/>
+              <a:gd name="connsiteY6" fmla="*/ 6276841 h 6276841"/>
+              <a:gd name="connsiteX7" fmla="*/ 1883227 w 5464879"/>
+              <a:gd name="connsiteY7" fmla="*/ 6276841 h 6276841"/>
+              <a:gd name="connsiteX8" fmla="*/ 1726987 w 5464879"/>
+              <a:gd name="connsiteY8" fmla="*/ 6201577 h 6276841"/>
+              <a:gd name="connsiteX9" fmla="*/ 0 w 5464879"/>
+              <a:gd name="connsiteY9" fmla="*/ 3299930 h 6276841"/>
+              <a:gd name="connsiteX10" fmla="*/ 3299930 w 5464879"/>
+              <a:gd name="connsiteY10" fmla="*/ 0 h 6276841"/>
+            </a:gdLst>
+            <a:ahLst/>
+            <a:cxnLst>
+              <a:cxn ang="0">
+                <a:pos x="connsiteX0" y="connsiteY0"/>
+              </a:cxn>
+              <a:cxn ang="0">
+                <a:pos x="connsiteX1" y="connsiteY1"/>
+              </a:cxn>
+              <a:cxn ang="0">
+                <a:pos x="connsiteX2" y="connsiteY2"/>
+              </a:cxn>
+              <a:cxn ang="0">
+                <a:pos x="connsiteX3" y="connsiteY3"/>
+              </a:cxn>
+              <a:cxn ang="0">
+                <a:pos x="connsiteX4" y="connsiteY4"/>
+              </a:cxn>
+              <a:cxn ang="0">
+                <a:pos x="connsiteX5" y="connsiteY5"/>
+              </a:cxn>
+              <a:cxn ang="0">
+                <a:pos x="connsiteX6" y="connsiteY6"/>
+              </a:cxn>
+              <a:cxn ang="0">
+                <a:pos x="connsiteX7" y="connsiteY7"/>
+              </a:cxn>
+              <a:cxn ang="0">
+                <a:pos x="connsiteX8" y="connsiteY8"/>
+              </a:cxn>
+              <a:cxn ang="0">
+                <a:pos x="connsiteX9" y="connsiteY9"/>
+              </a:cxn>
+              <a:cxn ang="0">
+                <a:pos x="connsiteX10" y="connsiteY10"/>
+              </a:cxn>
+            </a:cxnLst>
+            <a:rect l="l" t="t" r="r" b="b"/>
+            <a:pathLst>
+              <a:path w="5464879" h="6276841">
+                <a:moveTo>
+                  <a:pt x="3299930" y="0"/>
+                </a:moveTo>
+                <a:cubicBezTo>
+                  <a:pt x="4097274" y="0"/>
+                  <a:pt x="4828569" y="282789"/>
+                  <a:pt x="5398992" y="753544"/>
+                </a:cubicBezTo>
+                <a:lnTo>
+                  <a:pt x="5464879" y="813426"/>
+                </a:lnTo>
+                <a:lnTo>
+                  <a:pt x="5464879" y="5786434"/>
+                </a:lnTo>
+                <a:lnTo>
+                  <a:pt x="5398992" y="5846317"/>
+                </a:lnTo>
+                <a:cubicBezTo>
+                  <a:pt x="5236014" y="5980818"/>
+                  <a:pt x="5059904" y="6099975"/>
+                  <a:pt x="4872873" y="6201577"/>
+                </a:cubicBezTo>
+                <a:lnTo>
+                  <a:pt x="4716632" y="6276841"/>
+                </a:lnTo>
+                <a:lnTo>
+                  <a:pt x="1883227" y="6276841"/>
+                </a:lnTo>
+                <a:lnTo>
+                  <a:pt x="1726987" y="6201577"/>
+                </a:lnTo>
+                <a:cubicBezTo>
+                  <a:pt x="698316" y="5642769"/>
+                  <a:pt x="0" y="4552900"/>
+                  <a:pt x="0" y="3299930"/>
+                </a:cubicBezTo>
+                <a:cubicBezTo>
+                  <a:pt x="0" y="1477429"/>
+                  <a:pt x="1477429" y="0"/>
+                  <a:pt x="3299930" y="0"/>
+                </a:cubicBezTo>
+                <a:close/>
+              </a:path>
+            </a:pathLst>
+          </a:custGeom>
+          <a:solidFill>
+            <a:srgbClr val="FFFFFF"/>
+          </a:solidFill>
+          <a:ln>
+            <a:gradFill>
+              <a:gsLst>
+                <a:gs pos="0">
+                  <a:schemeClr val="accent1">
+                    <a:lumMod val="40000"/>
+                    <a:lumOff val="60000"/>
+                  </a:schemeClr>
+                </a:gs>
+                <a:gs pos="23000">
+                  <a:schemeClr val="accent1">
+                    <a:lumMod val="45000"/>
+                    <a:lumOff val="55000"/>
+                  </a:schemeClr>
+                </a:gs>
+                <a:gs pos="83000">
+                  <a:schemeClr val="bg2">
+                    <a:lumMod val="75000"/>
+                  </a:schemeClr>
+                </a:gs>
+                <a:gs pos="100000">
+                  <a:schemeClr val="bg2">
+                    <a:lumMod val="75000"/>
+                  </a:schemeClr>
+                </a:gs>
+              </a:gsLst>
+              <a:lin ang="5400000" scaled="1"/>
+            </a:gradFill>
+          </a:ln>
+        </p:spPr>
+        <p:style>
+          <a:lnRef idx="2">
+            <a:schemeClr val="accent1">
+              <a:shade val="50000"/>
+            </a:schemeClr>
+          </a:lnRef>
+          <a:fillRef idx="1">
+            <a:schemeClr val="accent1"/>
+          </a:fillRef>
+          <a:effectRef idx="0">
+            <a:schemeClr val="accent1"/>
+          </a:effectRef>
+          <a:fontRef idx="minor">
+            <a:schemeClr val="lt1"/>
+          </a:fontRef>
+        </p:style>
+        <p:txBody>
+          <a:bodyPr wrap="square" rtlCol="0" anchor="ctr">
+            <a:noAutofit/>
+          </a:bodyPr>
+          <a:lstStyle/>
+          <a:p>
+            <a:pPr algn="ctr"/>
+            <a:endParaRPr lang="en-US"/>
+          </a:p>
+        </p:txBody>
+      </p:sp>
+      <p:pic>
+        <p:nvPicPr>
+          <p:cNvPr id="7" name="Gráfico 6" descr="Ferramentas de Mineração">
+            <a:extLst>
+              <a:ext uri="{FF2B5EF4-FFF2-40B4-BE49-F238E27FC236}">
+                <a16:creationId xmlns:a16="http://schemas.microsoft.com/office/drawing/2014/main" id="{DC7CC2F8-283B-406D-9E03-F2C2D7784359}"/>
+              </a:ext>
+            </a:extLst>
+          </p:cNvPr>
+          <p:cNvPicPr>
+            <a:picLocks noChangeAspect="1"/>
+          </p:cNvPicPr>
+          <p:nvPr/>
+        </p:nvPicPr>
+        <p:blipFill>
+          <a:blip r:embed="rId3">
+            <a:extLst>
+              <a:ext uri="{28A0092B-C50C-407E-A947-70E740481C1C}">
+                <a14:useLocalDpi xmlns:a14="http://schemas.microsoft.com/office/drawing/2010/main" val="0"/>
+              </a:ext>
+              <a:ext uri="{96DAC541-7B7A-43D3-8B79-37D633B846F1}">
+                <asvg:svgBlip xmlns:asvg="http://schemas.microsoft.com/office/drawing/2016/SVG/main" r:embed="rId4"/>
+              </a:ext>
+            </a:extLst>
+          </a:blip>
+          <a:stretch>
+            <a:fillRect/>
+          </a:stretch>
+        </p:blipFill>
+        <p:spPr>
+          <a:xfrm>
+            <a:off x="7707762" y="1815859"/>
+            <a:ext cx="4140681" cy="4140681"/>
+          </a:xfrm>
+          <a:prstGeom prst="rect">
+            <a:avLst/>
+          </a:prstGeom>
+        </p:spPr>
+      </p:pic>
+    </p:spTree>
+    <p:extLst>
+      <p:ext uri="{BB962C8B-B14F-4D97-AF65-F5344CB8AC3E}">
+        <p14:creationId xmlns:p14="http://schemas.microsoft.com/office/powerpoint/2010/main" val="1087621282"/>
+      </p:ext>
+    </p:extLst>
+  </p:cSld>
+  <p:clrMapOvr>
+    <a:masterClrMapping/>
+  </p:clrMapOvr>
+  <mc:AlternateContent xmlns:mc="http://schemas.openxmlformats.org/markup-compatibility/2006" xmlns:p14="http://schemas.microsoft.com/office/powerpoint/2010/main">
+    <mc:Choice Requires="p14">
+      <p:transition spd="med" p14:dur="700">
+        <p:fade/>
+      </p:transition>
+    </mc:Choice>
+    <mc:Fallback xmlns="">
+      <p:transition spd="med">
+        <p:fade/>
+      </p:transition>
+    </mc:Fallback>
+  </mc:AlternateContent>
+</p:sld>
+</file>
+
+<file path=ppt/slides/slide9.xml><?xml version="1.0" encoding="utf-8"?>
+<p:sld xmlns:a="http://schemas.openxmlformats.org/drawingml/2006/main" xmlns:r="http://schemas.openxmlformats.org/officeDocument/2006/relationships" xmlns:p="http://schemas.openxmlformats.org/presentationml/2006/main">
+  <p:cSld>
+    <p:bg>
+      <p:bgPr>
+        <a:solidFill>
+          <a:schemeClr val="bg1"/>
+        </a:solidFill>
+        <a:effectLst/>
+      </p:bgPr>
+    </p:bg>
+    <p:spTree>
+      <p:nvGrpSpPr>
+        <p:cNvPr id="1" name=""/>
+        <p:cNvGrpSpPr/>
+        <p:nvPr/>
+      </p:nvGrpSpPr>
+      <p:grpSpPr>
+        <a:xfrm>
+          <a:off x="0" y="0"/>
+          <a:ext cx="0" cy="0"/>
+          <a:chOff x="0" y="0"/>
+          <a:chExt cx="0" cy="0"/>
+        </a:xfrm>
+      </p:grpSpPr>
+      <p:sp>
+        <p:nvSpPr>
+          <p:cNvPr id="10" name="Rectangle 9">
+            <a:extLst>
+              <a:ext uri="{FF2B5EF4-FFF2-40B4-BE49-F238E27FC236}">
+                <a16:creationId xmlns:a16="http://schemas.microsoft.com/office/drawing/2014/main" id="{84867EAF-AE1D-4322-9DE8-383AE3F7BCD9}"/>
+              </a:ext>
+              <a:ext uri="{C183D7F6-B498-43B3-948B-1728B52AA6E4}">
+                <adec:decorative xmlns:adec="http://schemas.microsoft.com/office/drawing/2017/decorative" val="1"/>
+              </a:ext>
+            </a:extLst>
+          </p:cNvPr>
+          <p:cNvSpPr>
+            <a:spLocks noGrp="1" noRot="1" noChangeAspect="1" noMove="1" noResize="1" noEditPoints="1" noAdjustHandles="1" noChangeArrowheads="1" noChangeShapeType="1" noTextEdit="1"/>
+          </p:cNvSpPr>
+          <p:nvPr>
+            <p:extLst>
+              <p:ext uri="{386F3935-93C4-4BCD-93E2-E3B085C9AB24}">
+                <p16:designElem xmlns:p16="http://schemas.microsoft.com/office/powerpoint/2015/main" val="1"/>
+              </p:ext>
+            </p:extLst>
+          </p:nvPr>
+        </p:nvSpPr>
+        <p:spPr>
+          <a:xfrm>
+            <a:off x="6094" y="-4691"/>
+            <a:ext cx="5445501" cy="6858000"/>
+          </a:xfrm>
+          <a:prstGeom prst="rect">
+            <a:avLst/>
+          </a:prstGeom>
+          <a:gradFill>
+            <a:gsLst>
+              <a:gs pos="0">
+                <a:schemeClr val="accent1">
+                  <a:lumMod val="90000"/>
+                </a:schemeClr>
+              </a:gs>
+              <a:gs pos="25000">
+                <a:schemeClr val="accent1">
+                  <a:lumMod val="90000"/>
+                </a:schemeClr>
+              </a:gs>
+              <a:gs pos="94000">
+                <a:schemeClr val="bg2">
+                  <a:lumMod val="25000"/>
+                </a:schemeClr>
+              </a:gs>
+              <a:gs pos="100000">
+                <a:schemeClr val="bg2">
+                  <a:lumMod val="25000"/>
+                </a:schemeClr>
+              </a:gs>
+            </a:gsLst>
+            <a:lin ang="4200000" scaled="0"/>
+          </a:gradFill>
+          <a:ln>
+            <a:noFill/>
+          </a:ln>
+        </p:spPr>
+        <p:style>
+          <a:lnRef idx="2">
+            <a:schemeClr val="accent1">
+              <a:shade val="50000"/>
+            </a:schemeClr>
+          </a:lnRef>
+          <a:fillRef idx="1">
+            <a:schemeClr val="accent1"/>
+          </a:fillRef>
+          <a:effectRef idx="0">
+            <a:schemeClr val="accent1"/>
+          </a:effectRef>
+          <a:fontRef idx="minor">
+            <a:schemeClr val="lt1"/>
+          </a:fontRef>
+        </p:style>
+        <p:txBody>
+          <a:bodyPr rtlCol="0" anchor="ctr"/>
+          <a:lstStyle/>
+          <a:p>
+            <a:pPr algn="ctr"/>
+            <a:endParaRPr lang="en-US"/>
+          </a:p>
+        </p:txBody>
+      </p:sp>
+      <p:pic>
+        <p:nvPicPr>
+          <p:cNvPr id="12" name="Picture 11">
+            <a:extLst>
+              <a:ext uri="{FF2B5EF4-FFF2-40B4-BE49-F238E27FC236}">
+                <a16:creationId xmlns:a16="http://schemas.microsoft.com/office/drawing/2014/main" id="{40676238-7F95-4EEB-836A-7D23927873AD}"/>
+              </a:ext>
+              <a:ext uri="{C183D7F6-B498-43B3-948B-1728B52AA6E4}">
+                <adec:decorative xmlns:adec="http://schemas.microsoft.com/office/drawing/2017/decorative" val="1"/>
+              </a:ext>
+            </a:extLst>
+          </p:cNvPr>
+          <p:cNvPicPr>
+            <a:picLocks noGrp="1" noRot="1" noChangeAspect="1" noMove="1" noResize="1" noEditPoints="1" noAdjustHandles="1" noChangeArrowheads="1" noChangeShapeType="1" noCrop="1"/>
+          </p:cNvPicPr>
+          <p:nvPr>
+            <p:extLst>
+              <p:ext uri="{386F3935-93C4-4BCD-93E2-E3B085C9AB24}">
+                <p16:designElem xmlns:p16="http://schemas.microsoft.com/office/powerpoint/2015/main" val="1"/>
+              </p:ext>
+            </p:extLst>
+          </p:nvPr>
+        </p:nvPicPr>
+        <p:blipFill>
+          <a:blip r:embed="rId2">
+            <a:extLst>
+              <a:ext uri="{28A0092B-C50C-407E-A947-70E740481C1C}">
+                <a14:useLocalDpi xmlns:a14="http://schemas.microsoft.com/office/drawing/2010/main" val="0"/>
+              </a:ext>
+            </a:extLst>
+          </a:blip>
+          <a:stretch>
+            <a:fillRect/>
+          </a:stretch>
+        </p:blipFill>
+        <p:spPr>
+          <a:xfrm>
+            <a:off x="0" y="0"/>
+            <a:ext cx="12188825" cy="6858000"/>
+          </a:xfrm>
+          <a:prstGeom prst="rect">
+            <a:avLst/>
+          </a:prstGeom>
+        </p:spPr>
+      </p:pic>
+      <p:sp>
+        <p:nvSpPr>
+          <p:cNvPr id="2" name="Título 1">
+            <a:extLst>
+              <a:ext uri="{FF2B5EF4-FFF2-40B4-BE49-F238E27FC236}">
+                <a16:creationId xmlns:a16="http://schemas.microsoft.com/office/drawing/2014/main" id="{CA21B1F4-C4B2-4CDA-8A7D-6E1A19E0AD72}"/>
+              </a:ext>
+            </a:extLst>
+          </p:cNvPr>
+          <p:cNvSpPr>
+            <a:spLocks noGrp="1"/>
+          </p:cNvSpPr>
+          <p:nvPr>
+            <p:ph type="title"/>
+          </p:nvPr>
+        </p:nvSpPr>
+        <p:spPr>
+          <a:xfrm>
+            <a:off x="725867" y="3121701"/>
+            <a:ext cx="3657101" cy="1786515"/>
+          </a:xfrm>
+        </p:spPr>
+        <p:txBody>
+          <a:bodyPr vert="horz" lIns="91440" tIns="45720" rIns="91440" bIns="45720" rtlCol="0" anchor="t">
+            <a:normAutofit/>
+          </a:bodyPr>
+          <a:lstStyle/>
+          <a:p>
+            <a:pPr defTabSz="914400"/>
+            <a:r>
+              <a:rPr lang="en-US" sz="4400" kern="1200">
+                <a:solidFill>
+                  <a:srgbClr val="FFFFFF"/>
+                </a:solidFill>
+                <a:latin typeface="+mj-lt"/>
+                <a:ea typeface="+mj-ea"/>
+                <a:cs typeface="+mj-cs"/>
+              </a:rPr>
+              <a:t>Protegendo exceptions</a:t>
             </a:r>
           </a:p>
         </p:txBody>
       </p:sp>
+      <p:pic>
+        <p:nvPicPr>
+          <p:cNvPr id="5" name="Imagem 4">
+            <a:extLst>
+              <a:ext uri="{FF2B5EF4-FFF2-40B4-BE49-F238E27FC236}">
+                <a16:creationId xmlns:a16="http://schemas.microsoft.com/office/drawing/2014/main" id="{E701C746-8F9B-4A8C-9210-F765C4C49FA6}"/>
+              </a:ext>
+            </a:extLst>
+          </p:cNvPr>
+          <p:cNvPicPr>
+            <a:picLocks noChangeAspect="1"/>
+          </p:cNvPicPr>
+          <p:nvPr/>
+        </p:nvPicPr>
+        <p:blipFill rotWithShape="1">
+          <a:blip r:embed="rId3">
+            <a:extLst>
+              <a:ext uri="{28A0092B-C50C-407E-A947-70E740481C1C}">
+                <a14:useLocalDpi xmlns:a14="http://schemas.microsoft.com/office/drawing/2010/main" val="0"/>
+              </a:ext>
+            </a:extLst>
+          </a:blip>
+          <a:srcRect t="50000"/>
+          <a:stretch/>
+        </p:blipFill>
+        <p:spPr>
+          <a:xfrm>
+            <a:off x="6377679" y="2590636"/>
+            <a:ext cx="5016012" cy="1668964"/>
+          </a:xfrm>
+          <a:prstGeom prst="rect">
+            <a:avLst/>
+          </a:prstGeom>
+          <a:ln w="9525">
+            <a:noFill/>
+          </a:ln>
+        </p:spPr>
+      </p:pic>
     </p:spTree>
     <p:extLst>
       <p:ext uri="{BB962C8B-B14F-4D97-AF65-F5344CB8AC3E}">
-        <p14:creationId xmlns:p14="http://schemas.microsoft.com/office/powerpoint/2010/main" val="1629371901"/>
+        <p14:creationId xmlns:p14="http://schemas.microsoft.com/office/powerpoint/2010/main" val="2657234456"/>
       </p:ext>
     </p:extLst>
   </p:cSld>
@@ -13106,15 +14427,6 @@
 </file>
 
 <file path=customXml/item2.xml><?xml version="1.0" encoding="utf-8"?>
-<?mso-contentType ?>
-<FormTemplates xmlns="http://schemas.microsoft.com/sharepoint/v3/contenttype/forms">
-  <Display>DocumentLibraryForm</Display>
-  <Edit>AssetEditForm</Edit>
-  <New>DocumentLibraryForm</New>
-</FormTemplates>
-</file>
-
-<file path=customXml/item3.xml><?xml version="1.0" encoding="utf-8"?>
 <p:properties xmlns:p="http://schemas.microsoft.com/office/2006/metadata/properties" xmlns:xsi="http://www.w3.org/2001/XMLSchema-instance" xmlns:pc="http://schemas.microsoft.com/office/infopath/2007/PartnerControls">
   <documentManagement>
     <DirectSourceMarket xmlns="4873beb7-5857-4685-be1f-d57550cc96cc" xsi:nil="true"/>
@@ -13241,6 +14553,15 @@
 </p:properties>
 </file>
 
+<file path=customXml/item3.xml><?xml version="1.0" encoding="utf-8"?>
+<?mso-contentType ?>
+<FormTemplates xmlns="http://schemas.microsoft.com/sharepoint/v3/contenttype/forms">
+  <Display>DocumentLibraryForm</Display>
+  <Edit>AssetEditForm</Edit>
+  <New>DocumentLibraryForm</New>
+</FormTemplates>
+</file>
+
 <file path=customXml/itemProps1.xml><?xml version="1.0" encoding="utf-8"?>
 <ds:datastoreItem xmlns:ds="http://schemas.openxmlformats.org/officeDocument/2006/customXml" ds:itemID="{22CCB507-0646-4A50-A4F7-7F385079D589}">
   <ds:schemaRefs>
@@ -13260,14 +14581,6 @@
 </file>
 
 <file path=customXml/itemProps2.xml><?xml version="1.0" encoding="utf-8"?>
-<ds:datastoreItem xmlns:ds="http://schemas.openxmlformats.org/officeDocument/2006/customXml" ds:itemID="{74228E6B-D70C-44BB-A81F-A245495F612B}">
-  <ds:schemaRefs>
-    <ds:schemaRef ds:uri="http://schemas.microsoft.com/sharepoint/v3/contenttype/forms"/>
-  </ds:schemaRefs>
-</ds:datastoreItem>
-</file>
-
-<file path=customXml/itemProps3.xml><?xml version="1.0" encoding="utf-8"?>
 <ds:datastoreItem xmlns:ds="http://schemas.openxmlformats.org/officeDocument/2006/customXml" ds:itemID="{00E41224-0370-4595-877C-23316CD80004}">
   <ds:schemaRefs>
     <ds:schemaRef ds:uri="http://schemas.microsoft.com/office/2006/metadata/properties"/>
@@ -13275,4 +14588,12 @@
     <ds:schemaRef ds:uri="4873beb7-5857-4685-be1f-d57550cc96cc"/>
   </ds:schemaRefs>
 </ds:datastoreItem>
+</file>
+
+<file path=customXml/itemProps3.xml><?xml version="1.0" encoding="utf-8"?>
+<ds:datastoreItem xmlns:ds="http://schemas.openxmlformats.org/officeDocument/2006/customXml" ds:itemID="{74228E6B-D70C-44BB-A81F-A245495F612B}">
+  <ds:schemaRefs>
+    <ds:schemaRef ds:uri="http://schemas.microsoft.com/sharepoint/v3/contenttype/forms"/>
+  </ds:schemaRefs>
+</ds:datastoreItem>
 </file>
--- a/DDD_A_Missao.pptx
+++ b/DDD_A_Missao.pptx
@@ -5,27 +5,35 @@
     <p:sldMasterId id="2147483660" r:id="rId4"/>
   </p:sldMasterIdLst>
   <p:notesMasterIdLst>
-    <p:notesMasterId r:id="rId15"/>
+    <p:notesMasterId r:id="rId23"/>
   </p:notesMasterIdLst>
   <p:handoutMasterIdLst>
-    <p:handoutMasterId r:id="rId16"/>
+    <p:handoutMasterId r:id="rId24"/>
   </p:handoutMasterIdLst>
   <p:sldIdLst>
     <p:sldId id="265" r:id="rId5"/>
-    <p:sldId id="310" r:id="rId6"/>
-    <p:sldId id="311" r:id="rId7"/>
-    <p:sldId id="312" r:id="rId8"/>
-    <p:sldId id="314" r:id="rId9"/>
-    <p:sldId id="315" r:id="rId10"/>
-    <p:sldId id="316" r:id="rId11"/>
-    <p:sldId id="317" r:id="rId12"/>
-    <p:sldId id="318" r:id="rId13"/>
-    <p:sldId id="319" r:id="rId14"/>
+    <p:sldId id="272" r:id="rId6"/>
+    <p:sldId id="326" r:id="rId7"/>
+    <p:sldId id="310" r:id="rId8"/>
+    <p:sldId id="320" r:id="rId9"/>
+    <p:sldId id="321" r:id="rId10"/>
+    <p:sldId id="322" r:id="rId11"/>
+    <p:sldId id="323" r:id="rId12"/>
+    <p:sldId id="311" r:id="rId13"/>
+    <p:sldId id="312" r:id="rId14"/>
+    <p:sldId id="314" r:id="rId15"/>
+    <p:sldId id="324" r:id="rId16"/>
+    <p:sldId id="315" r:id="rId17"/>
+    <p:sldId id="316" r:id="rId18"/>
+    <p:sldId id="325" r:id="rId19"/>
+    <p:sldId id="317" r:id="rId20"/>
+    <p:sldId id="318" r:id="rId21"/>
+    <p:sldId id="319" r:id="rId22"/>
   </p:sldIdLst>
   <p:sldSz cx="12188825" cy="6858000"/>
   <p:notesSz cx="6858000" cy="9144000"/>
   <p:custDataLst>
-    <p:tags r:id="rId17"/>
+    <p:tags r:id="rId25"/>
   </p:custDataLst>
   <p:defaultTextStyle>
     <a:defPPr>
@@ -3047,7 +3055,7 @@
             <a:fld id="{93E36956-3452-45FD-A1D8-3574743558BA}" type="datetime1">
               <a:rPr lang="pt-BR" smtClean="0"/>
               <a:pPr algn="r" rtl="0"/>
-              <a:t>21/09/2018</a:t>
+              <a:t>28/11/2018</a:t>
             </a:fld>
             <a:endParaRPr lang="pt-BR" dirty="0"/>
           </a:p>
@@ -3217,7 +3225,7 @@
             <a:fld id="{22C183F4-168E-4576-AC99-60635C2E1F1D}" type="datetime1">
               <a:rPr lang="pt-BR" noProof="0" smtClean="0"/>
               <a:pPr/>
-              <a:t>21/09/2018</a:t>
+              <a:t>28/11/2018</a:t>
             </a:fld>
             <a:endParaRPr lang="pt-BR" noProof="0" dirty="0"/>
           </a:p>
@@ -3636,7 +3644,7 @@
           <a:p>
             <a:fld id="{41906E15-6907-420E-9A60-D9DFC9EE2DE1}" type="datetimeFigureOut">
               <a:rPr lang="en-US" smtClean="0"/>
-              <a:t>9/21/2018</a:t>
+              <a:t>11/28/2018</a:t>
             </a:fld>
             <a:endParaRPr lang="en-US"/>
           </a:p>
@@ -3849,7 +3857,7 @@
             <a:fld id="{E67FE631-0B6D-4712-BEFD-FF38CEB37A4A}" type="datetime1">
               <a:rPr lang="pt-BR" noProof="0" smtClean="0"/>
               <a:pPr/>
-              <a:t>21/09/2018</a:t>
+              <a:t>28/11/2018</a:t>
             </a:fld>
             <a:endParaRPr lang="pt-BR" noProof="0" dirty="0"/>
           </a:p>
@@ -4074,7 +4082,7 @@
             <a:fld id="{E9DA96DE-A078-4676-8F38-EBC20B81DF35}" type="datetime1">
               <a:rPr lang="pt-BR" noProof="0" smtClean="0"/>
               <a:pPr/>
-              <a:t>21/09/2018</a:t>
+              <a:t>28/11/2018</a:t>
             </a:fld>
             <a:endParaRPr lang="pt-BR" noProof="0" dirty="0"/>
           </a:p>
@@ -4289,7 +4297,7 @@
             <a:fld id="{9211769B-D019-4A86-8334-0A9D6D419A60}" type="datetime1">
               <a:rPr lang="pt-BR" noProof="0" smtClean="0"/>
               <a:pPr/>
-              <a:t>21/09/2018</a:t>
+              <a:t>28/11/2018</a:t>
             </a:fld>
             <a:endParaRPr lang="pt-BR" noProof="0" dirty="0"/>
           </a:p>
@@ -4580,7 +4588,7 @@
             <a:fld id="{5A5EA5BE-0305-48F1-B45B-3F07AA1244A2}" type="datetime1">
               <a:rPr lang="pt-BR" noProof="0" smtClean="0"/>
               <a:pPr/>
-              <a:t>21/09/2018</a:t>
+              <a:t>28/11/2018</a:t>
             </a:fld>
             <a:endParaRPr lang="pt-BR" noProof="0" dirty="0"/>
           </a:p>
@@ -4863,7 +4871,7 @@
             <a:fld id="{B8E951F9-CFF6-4C18-A9A8-D5A0842ABF9A}" type="datetime1">
               <a:rPr lang="pt-BR" noProof="0" smtClean="0"/>
               <a:pPr/>
-              <a:t>21/09/2018</a:t>
+              <a:t>28/11/2018</a:t>
             </a:fld>
             <a:endParaRPr lang="pt-BR" noProof="0" dirty="0"/>
           </a:p>
@@ -5281,7 +5289,7 @@
             <a:fld id="{E6C98F49-77D6-4D48-BB68-E4DB33EE5B06}" type="datetime1">
               <a:rPr lang="pt-BR" noProof="0" smtClean="0"/>
               <a:pPr/>
-              <a:t>21/09/2018</a:t>
+              <a:t>28/11/2018</a:t>
             </a:fld>
             <a:endParaRPr lang="pt-BR" noProof="0" dirty="0"/>
           </a:p>
@@ -5438,7 +5446,7 @@
             <a:fld id="{9F379B94-F7A6-4BC6-8A31-032F8D94B5BD}" type="datetime1">
               <a:rPr lang="pt-BR" noProof="0" smtClean="0"/>
               <a:pPr/>
-              <a:t>21/09/2018</a:t>
+              <a:t>28/11/2018</a:t>
             </a:fld>
             <a:endParaRPr lang="pt-BR" noProof="0" dirty="0"/>
           </a:p>
@@ -5566,7 +5574,7 @@
             <a:fld id="{B8E951F9-CFF6-4C18-A9A8-D5A0842ABF9A}" type="datetime1">
               <a:rPr lang="pt-BR" noProof="0" smtClean="0"/>
               <a:pPr/>
-              <a:t>21/09/2018</a:t>
+              <a:t>28/11/2018</a:t>
             </a:fld>
             <a:endParaRPr lang="pt-BR" noProof="0" dirty="0"/>
           </a:p>
@@ -5882,7 +5890,7 @@
             <a:fld id="{4BAD7B4B-23CA-4460-862D-E2D3E21E1E07}" type="datetime1">
               <a:rPr lang="pt-BR" noProof="0" smtClean="0"/>
               <a:pPr/>
-              <a:t>21/09/2018</a:t>
+              <a:t>28/11/2018</a:t>
             </a:fld>
             <a:endParaRPr lang="pt-BR" noProof="0" dirty="0"/>
           </a:p>
@@ -6186,7 +6194,7 @@
             <a:fld id="{12F45EDE-4BCD-4C98-AD18-04AAF5D19C9A}" type="datetime1">
               <a:rPr lang="pt-BR" noProof="0" smtClean="0"/>
               <a:pPr/>
-              <a:t>21/09/2018</a:t>
+              <a:t>28/11/2018</a:t>
             </a:fld>
             <a:endParaRPr lang="pt-BR" noProof="0" dirty="0"/>
           </a:p>
@@ -6445,7 +6453,7 @@
             <a:fld id="{B8E951F9-CFF6-4C18-A9A8-D5A0842ABF9A}" type="datetime1">
               <a:rPr lang="pt-BR" noProof="0" smtClean="0"/>
               <a:pPr/>
-              <a:t>21/09/2018</a:t>
+              <a:t>28/11/2018</a:t>
             </a:fld>
             <a:endParaRPr lang="pt-BR" noProof="0" dirty="0"/>
           </a:p>
@@ -9363,397 +9371,10 @@
       </p:grpSpPr>
       <p:sp>
         <p:nvSpPr>
-          <p:cNvPr id="10" name="Rectangle 9">
+          <p:cNvPr id="28" name="Rectangle 27">
             <a:extLst>
               <a:ext uri="{FF2B5EF4-FFF2-40B4-BE49-F238E27FC236}">
-                <a16:creationId xmlns:a16="http://schemas.microsoft.com/office/drawing/2014/main" id="{6753252F-4873-4F63-801D-CC719279A7D5}"/>
-              </a:ext>
-              <a:ext uri="{C183D7F6-B498-43B3-948B-1728B52AA6E4}">
-                <adec:decorative xmlns:adec="http://schemas.microsoft.com/office/drawing/2017/decorative" val="1"/>
-              </a:ext>
-            </a:extLst>
-          </p:cNvPr>
-          <p:cNvSpPr>
-            <a:spLocks noGrp="1" noRot="1" noChangeAspect="1" noMove="1" noResize="1" noEditPoints="1" noAdjustHandles="1" noChangeArrowheads="1" noChangeShapeType="1" noTextEdit="1"/>
-          </p:cNvSpPr>
-          <p:nvPr>
-            <p:extLst>
-              <p:ext uri="{386F3935-93C4-4BCD-93E2-E3B085C9AB24}">
-                <p16:designElem xmlns:p16="http://schemas.microsoft.com/office/powerpoint/2015/main" val="1"/>
-              </p:ext>
-            </p:extLst>
-          </p:nvPr>
-        </p:nvSpPr>
-        <p:spPr>
-          <a:xfrm>
-            <a:off x="0" y="0"/>
-            <a:ext cx="12188825" cy="6858000"/>
-          </a:xfrm>
-          <a:prstGeom prst="rect">
-            <a:avLst/>
-          </a:prstGeom>
-          <a:solidFill>
-            <a:srgbClr val="FFFFFF"/>
-          </a:solidFill>
-          <a:ln>
-            <a:noFill/>
-          </a:ln>
-        </p:spPr>
-        <p:style>
-          <a:lnRef idx="2">
-            <a:schemeClr val="accent1">
-              <a:shade val="50000"/>
-            </a:schemeClr>
-          </a:lnRef>
-          <a:fillRef idx="1">
-            <a:schemeClr val="accent1"/>
-          </a:fillRef>
-          <a:effectRef idx="0">
-            <a:schemeClr val="accent1"/>
-          </a:effectRef>
-          <a:fontRef idx="minor">
-            <a:schemeClr val="lt1"/>
-          </a:fontRef>
-        </p:style>
-        <p:txBody>
-          <a:bodyPr rtlCol="0" anchor="ctr"/>
-          <a:lstStyle/>
-          <a:p>
-            <a:pPr algn="ctr"/>
-            <a:endParaRPr lang="en-US"/>
-          </a:p>
-        </p:txBody>
-      </p:sp>
-      <p:sp>
-        <p:nvSpPr>
-          <p:cNvPr id="12" name="Rectangle 11">
-            <a:extLst>
-              <a:ext uri="{FF2B5EF4-FFF2-40B4-BE49-F238E27FC236}">
-                <a16:creationId xmlns:a16="http://schemas.microsoft.com/office/drawing/2014/main" id="{047C8CCB-F95D-4249-92DD-651249D3535A}"/>
-              </a:ext>
-              <a:ext uri="{C183D7F6-B498-43B3-948B-1728B52AA6E4}">
-                <adec:decorative xmlns:adec="http://schemas.microsoft.com/office/drawing/2017/decorative" val="1"/>
-              </a:ext>
-            </a:extLst>
-          </p:cNvPr>
-          <p:cNvSpPr>
-            <a:spLocks noGrp="1" noRot="1" noChangeAspect="1" noMove="1" noResize="1" noEditPoints="1" noAdjustHandles="1" noChangeArrowheads="1" noChangeShapeType="1" noTextEdit="1"/>
-          </p:cNvSpPr>
-          <p:nvPr>
-            <p:extLst>
-              <p:ext uri="{386F3935-93C4-4BCD-93E2-E3B085C9AB24}">
-                <p16:designElem xmlns:p16="http://schemas.microsoft.com/office/powerpoint/2015/main" val="1"/>
-              </p:ext>
-            </p:extLst>
-          </p:nvPr>
-        </p:nvSpPr>
-        <p:spPr>
-          <a:xfrm>
-            <a:off x="0" y="0"/>
-            <a:ext cx="2013032" cy="6858000"/>
-          </a:xfrm>
-          <a:prstGeom prst="rect">
-            <a:avLst/>
-          </a:prstGeom>
-          <a:solidFill>
-            <a:srgbClr val="7F7F7F"/>
-          </a:solidFill>
-          <a:ln>
-            <a:noFill/>
-          </a:ln>
-        </p:spPr>
-        <p:style>
-          <a:lnRef idx="2">
-            <a:schemeClr val="accent1">
-              <a:shade val="50000"/>
-            </a:schemeClr>
-          </a:lnRef>
-          <a:fillRef idx="1">
-            <a:schemeClr val="accent1"/>
-          </a:fillRef>
-          <a:effectRef idx="0">
-            <a:schemeClr val="accent1"/>
-          </a:effectRef>
-          <a:fontRef idx="minor">
-            <a:schemeClr val="lt1"/>
-          </a:fontRef>
-        </p:style>
-        <p:txBody>
-          <a:bodyPr rtlCol="0" anchor="ctr"/>
-          <a:lstStyle/>
-          <a:p>
-            <a:pPr algn="ctr"/>
-            <a:endParaRPr lang="en-US"/>
-          </a:p>
-        </p:txBody>
-      </p:sp>
-      <p:sp>
-        <p:nvSpPr>
-          <p:cNvPr id="2" name="Título 1">
-            <a:extLst>
-              <a:ext uri="{FF2B5EF4-FFF2-40B4-BE49-F238E27FC236}">
-                <a16:creationId xmlns:a16="http://schemas.microsoft.com/office/drawing/2014/main" id="{7D974B34-E950-46DD-B642-B2D19A13ED38}"/>
-              </a:ext>
-            </a:extLst>
-          </p:cNvPr>
-          <p:cNvSpPr>
-            <a:spLocks noGrp="1"/>
-          </p:cNvSpPr>
-          <p:nvPr>
-            <p:ph type="title"/>
-          </p:nvPr>
-        </p:nvSpPr>
-        <p:spPr>
-          <a:xfrm>
-            <a:off x="639913" y="2074363"/>
-            <a:ext cx="2751637" cy="2709275"/>
-          </a:xfrm>
-          <a:prstGeom prst="ellipse">
-            <a:avLst/>
-          </a:prstGeom>
-          <a:solidFill>
-            <a:srgbClr val="262626"/>
-          </a:solidFill>
-          <a:ln w="174625" cmpd="thinThick">
-            <a:solidFill>
-              <a:srgbClr val="262626"/>
-            </a:solidFill>
-          </a:ln>
-        </p:spPr>
-        <p:txBody>
-          <a:bodyPr vert="horz" lIns="91440" tIns="45720" rIns="91440" bIns="45720" rtlCol="0" anchor="ctr">
-            <a:normAutofit/>
-          </a:bodyPr>
-          <a:lstStyle/>
-          <a:p>
-            <a:pPr algn="ctr" defTabSz="914400"/>
-            <a:r>
-              <a:rPr lang="en-US" sz="4000" b="1" kern="1200" dirty="0" err="1">
-                <a:solidFill>
-                  <a:srgbClr val="FFFFFF"/>
-                </a:solidFill>
-                <a:latin typeface="+mj-lt"/>
-                <a:ea typeface="+mj-ea"/>
-                <a:cs typeface="+mj-cs"/>
-              </a:rPr>
-              <a:t>Primeiro</a:t>
-            </a:r>
-            <a:r>
-              <a:rPr lang="en-US" sz="4000" b="1" kern="1200" dirty="0">
-                <a:solidFill>
-                  <a:srgbClr val="FFFFFF"/>
-                </a:solidFill>
-                <a:latin typeface="+mj-lt"/>
-                <a:ea typeface="+mj-ea"/>
-                <a:cs typeface="+mj-cs"/>
-              </a:rPr>
-              <a:t> </a:t>
-            </a:r>
-            <a:r>
-              <a:rPr lang="en-US" sz="4000" b="1" kern="1200" dirty="0" err="1">
-                <a:solidFill>
-                  <a:srgbClr val="FFFFFF"/>
-                </a:solidFill>
-                <a:latin typeface="+mj-lt"/>
-                <a:ea typeface="+mj-ea"/>
-                <a:cs typeface="+mj-cs"/>
-              </a:rPr>
-              <a:t>passo</a:t>
-            </a:r>
-            <a:r>
-              <a:rPr lang="en-US" sz="4000" b="1" kern="1200" dirty="0">
-                <a:solidFill>
-                  <a:srgbClr val="FFFFFF"/>
-                </a:solidFill>
-                <a:latin typeface="+mj-lt"/>
-                <a:ea typeface="+mj-ea"/>
-                <a:cs typeface="+mj-cs"/>
-              </a:rPr>
-              <a:t> para</a:t>
-            </a:r>
-          </a:p>
-        </p:txBody>
-      </p:sp>
-      <p:pic>
-        <p:nvPicPr>
-          <p:cNvPr id="5" name="Imagem 4">
-            <a:extLst>
-              <a:ext uri="{FF2B5EF4-FFF2-40B4-BE49-F238E27FC236}">
-                <a16:creationId xmlns:a16="http://schemas.microsoft.com/office/drawing/2014/main" id="{A2AB275A-4B8A-4FED-BEB4-C6F4D4403340}"/>
-              </a:ext>
-            </a:extLst>
-          </p:cNvPr>
-          <p:cNvPicPr>
-            <a:picLocks noChangeAspect="1"/>
-          </p:cNvPicPr>
-          <p:nvPr/>
-        </p:nvPicPr>
-        <p:blipFill>
-          <a:blip r:embed="rId2">
-            <a:extLst>
-              <a:ext uri="{28A0092B-C50C-407E-A947-70E740481C1C}">
-                <a14:useLocalDpi xmlns:a14="http://schemas.microsoft.com/office/drawing/2010/main" val="0"/>
-              </a:ext>
-            </a:extLst>
-          </a:blip>
-          <a:stretch>
-            <a:fillRect/>
-          </a:stretch>
-        </p:blipFill>
-        <p:spPr>
-          <a:xfrm>
-            <a:off x="4037548" y="1031863"/>
-            <a:ext cx="7186327" cy="4790884"/>
-          </a:xfrm>
-          <a:prstGeom prst="rect">
-            <a:avLst/>
-          </a:prstGeom>
-        </p:spPr>
-      </p:pic>
-    </p:spTree>
-    <p:extLst>
-      <p:ext uri="{BB962C8B-B14F-4D97-AF65-F5344CB8AC3E}">
-        <p14:creationId xmlns:p14="http://schemas.microsoft.com/office/powerpoint/2010/main" val="3192299456"/>
-      </p:ext>
-    </p:extLst>
-  </p:cSld>
-  <p:clrMapOvr>
-    <a:masterClrMapping/>
-  </p:clrMapOvr>
-  <mc:AlternateContent xmlns:mc="http://schemas.openxmlformats.org/markup-compatibility/2006" xmlns:p14="http://schemas.microsoft.com/office/powerpoint/2010/main">
-    <mc:Choice Requires="p14">
-      <p:transition spd="med" p14:dur="700">
-        <p:fade/>
-      </p:transition>
-    </mc:Choice>
-    <mc:Fallback xmlns="">
-      <p:transition spd="med">
-        <p:fade/>
-      </p:transition>
-    </mc:Fallback>
-  </mc:AlternateContent>
-</p:sld>
-</file>
-
-<file path=ppt/slides/slide2.xml><?xml version="1.0" encoding="utf-8"?>
-<p:sld xmlns:a="http://schemas.openxmlformats.org/drawingml/2006/main" xmlns:r="http://schemas.openxmlformats.org/officeDocument/2006/relationships" xmlns:p="http://schemas.openxmlformats.org/presentationml/2006/main">
-  <p:cSld>
-    <p:bg>
-      <p:bgPr>
-        <a:solidFill>
-          <a:schemeClr val="bg1"/>
-        </a:solidFill>
-        <a:effectLst/>
-      </p:bgPr>
-    </p:bg>
-    <p:spTree>
-      <p:nvGrpSpPr>
-        <p:cNvPr id="1" name=""/>
-        <p:cNvGrpSpPr/>
-        <p:nvPr/>
-      </p:nvGrpSpPr>
-      <p:grpSpPr>
-        <a:xfrm>
-          <a:off x="0" y="0"/>
-          <a:ext cx="0" cy="0"/>
-          <a:chOff x="0" y="0"/>
-          <a:chExt cx="0" cy="0"/>
-        </a:xfrm>
-      </p:grpSpPr>
-      <p:cxnSp>
-        <p:nvCxnSpPr>
-          <p:cNvPr id="18" name="Straight Connector 17">
-            <a:extLst>
-              <a:ext uri="{FF2B5EF4-FFF2-40B4-BE49-F238E27FC236}">
-                <a16:creationId xmlns:a16="http://schemas.microsoft.com/office/drawing/2014/main" id="{DFDA47BC-3069-47F5-8257-24B3B1F76A08}"/>
-              </a:ext>
-              <a:ext uri="{C183D7F6-B498-43B3-948B-1728B52AA6E4}">
-                <adec:decorative xmlns:adec="http://schemas.microsoft.com/office/drawing/2017/decorative" val="1"/>
-              </a:ext>
-            </a:extLst>
-          </p:cNvPr>
-          <p:cNvCxnSpPr>
-            <a:cxnSpLocks noGrp="1" noRot="1" noChangeAspect="1" noMove="1" noResize="1" noEditPoints="1" noAdjustHandles="1" noChangeArrowheads="1" noChangeShapeType="1"/>
-          </p:cNvCxnSpPr>
-          <p:nvPr>
-            <p:extLst>
-              <p:ext uri="{386F3935-93C4-4BCD-93E2-E3B085C9AB24}">
-                <p16:designElem xmlns:p16="http://schemas.microsoft.com/office/powerpoint/2015/main" val="1"/>
-              </p:ext>
-            </p:extLst>
-          </p:nvPr>
-        </p:nvCxnSpPr>
-        <p:spPr>
-          <a:xfrm>
-            <a:off x="3128461" y="477749"/>
-            <a:ext cx="0" cy="3657600"/>
-          </a:xfrm>
-          <a:prstGeom prst="line">
-            <a:avLst/>
-          </a:prstGeom>
-          <a:ln w="101600" cmpd="dbl">
-            <a:solidFill>
-              <a:srgbClr val="595959"/>
-            </a:solidFill>
-          </a:ln>
-        </p:spPr>
-        <p:style>
-          <a:lnRef idx="1">
-            <a:schemeClr val="accent1"/>
-          </a:lnRef>
-          <a:fillRef idx="0">
-            <a:schemeClr val="accent1"/>
-          </a:fillRef>
-          <a:effectRef idx="0">
-            <a:schemeClr val="accent1"/>
-          </a:effectRef>
-          <a:fontRef idx="minor">
-            <a:schemeClr val="tx1"/>
-          </a:fontRef>
-        </p:style>
-      </p:cxnSp>
-      <p:pic>
-        <p:nvPicPr>
-          <p:cNvPr id="5" name="Imagem 4">
-            <a:extLst>
-              <a:ext uri="{FF2B5EF4-FFF2-40B4-BE49-F238E27FC236}">
-                <a16:creationId xmlns:a16="http://schemas.microsoft.com/office/drawing/2014/main" id="{901E8D99-BA2E-4137-951E-37FD632DAE84}"/>
-              </a:ext>
-            </a:extLst>
-          </p:cNvPr>
-          <p:cNvPicPr>
-            <a:picLocks noChangeAspect="1"/>
-          </p:cNvPicPr>
-          <p:nvPr/>
-        </p:nvPicPr>
-        <p:blipFill>
-          <a:blip r:embed="rId2">
-            <a:extLst>
-              <a:ext uri="{28A0092B-C50C-407E-A947-70E740481C1C}">
-                <a14:useLocalDpi xmlns:a14="http://schemas.microsoft.com/office/drawing/2010/main" val="0"/>
-              </a:ext>
-            </a:extLst>
-          </a:blip>
-          <a:stretch>
-            <a:fillRect/>
-          </a:stretch>
-        </p:blipFill>
-        <p:spPr>
-          <a:xfrm>
-            <a:off x="6255229" y="553118"/>
-            <a:ext cx="2647681" cy="3506862"/>
-          </a:xfrm>
-          <a:prstGeom prst="rect">
-            <a:avLst/>
-          </a:prstGeom>
-        </p:spPr>
-      </p:pic>
-      <p:sp>
-        <p:nvSpPr>
-          <p:cNvPr id="20" name="Rectangle 19">
-            <a:extLst>
-              <a:ext uri="{FF2B5EF4-FFF2-40B4-BE49-F238E27FC236}">
-                <a16:creationId xmlns:a16="http://schemas.microsoft.com/office/drawing/2014/main" id="{7AE95D8F-9825-4222-8846-E3461598CC62}"/>
+                <a16:creationId xmlns:a16="http://schemas.microsoft.com/office/drawing/2014/main" id="{1707FC24-6981-43D9-B525-C7832BA22463}"/>
               </a:ext>
               <a:ext uri="{C183D7F6-B498-43B3-948B-1728B52AA6E4}">
                 <adec:decorative xmlns:adec="http://schemas.microsoft.com/office/drawing/2017/decorative" val="1"/>
@@ -9773,8 +9394,8 @@
         </p:nvSpPr>
         <p:spPr bwMode="ltGray">
           <a:xfrm>
-            <a:off x="377969" y="4633546"/>
-            <a:ext cx="11435814" cy="1844256"/>
+            <a:off x="336796" y="311449"/>
+            <a:ext cx="4331179" cy="6179552"/>
           </a:xfrm>
           <a:prstGeom prst="rect">
             <a:avLst/>
@@ -9815,359 +9436,10 @@
       </p:sp>
       <p:sp>
         <p:nvSpPr>
-          <p:cNvPr id="13" name="Título 12"/>
-          <p:cNvSpPr>
-            <a:spLocks noGrp="1"/>
-          </p:cNvSpPr>
-          <p:nvPr>
-            <p:ph type="title"/>
-          </p:nvPr>
-        </p:nvSpPr>
-        <p:spPr>
-          <a:xfrm>
-            <a:off x="527400" y="4756638"/>
-            <a:ext cx="11136953" cy="930447"/>
-          </a:xfrm>
-        </p:spPr>
-        <p:txBody>
-          <a:bodyPr vert="horz" lIns="91440" tIns="45720" rIns="91440" bIns="45720" rtlCol="0" anchor="b">
-            <a:normAutofit/>
-          </a:bodyPr>
-          <a:lstStyle/>
-          <a:p>
-            <a:pPr algn="ctr" defTabSz="914400"/>
-            <a:r>
-              <a:rPr lang="en-US" sz="5300">
-                <a:solidFill>
-                  <a:srgbClr val="FFFFFF"/>
-                </a:solidFill>
-              </a:rPr>
-              <a:t>A long time ago in a galaxy far, far away</a:t>
-            </a:r>
-          </a:p>
-        </p:txBody>
-      </p:sp>
-      <p:pic>
-        <p:nvPicPr>
-          <p:cNvPr id="11" name="Imagem 10">
-            <a:extLst>
-              <a:ext uri="{FF2B5EF4-FFF2-40B4-BE49-F238E27FC236}">
-                <a16:creationId xmlns:a16="http://schemas.microsoft.com/office/drawing/2014/main" id="{8D56D902-9737-4412-9CD5-86F206CCCC54}"/>
-              </a:ext>
-            </a:extLst>
-          </p:cNvPr>
-          <p:cNvPicPr>
-            <a:picLocks noChangeAspect="1"/>
-          </p:cNvPicPr>
-          <p:nvPr/>
-        </p:nvPicPr>
-        <p:blipFill rotWithShape="1">
-          <a:blip r:embed="rId3">
-            <a:extLst>
-              <a:ext uri="{28A0092B-C50C-407E-A947-70E740481C1C}">
-                <a14:useLocalDpi xmlns:a14="http://schemas.microsoft.com/office/drawing/2010/main" val="0"/>
-              </a:ext>
-            </a:extLst>
-          </a:blip>
-          <a:srcRect l="14357" t="8239" r="19357" b="8095"/>
-          <a:stretch/>
-        </p:blipFill>
-        <p:spPr>
-          <a:xfrm>
-            <a:off x="319957" y="628597"/>
-            <a:ext cx="2658780" cy="3355904"/>
-          </a:xfrm>
-          <a:prstGeom prst="rect">
-            <a:avLst/>
-          </a:prstGeom>
-        </p:spPr>
-      </p:pic>
-      <p:pic>
-        <p:nvPicPr>
-          <p:cNvPr id="9" name="Imagem 8">
-            <a:extLst>
-              <a:ext uri="{FF2B5EF4-FFF2-40B4-BE49-F238E27FC236}">
-                <a16:creationId xmlns:a16="http://schemas.microsoft.com/office/drawing/2014/main" id="{DF2F2B9E-2D1F-4C5A-A0DD-2F6F6BCAFF4B}"/>
-              </a:ext>
-            </a:extLst>
-          </p:cNvPr>
-          <p:cNvPicPr>
-            <a:picLocks noChangeAspect="1"/>
-          </p:cNvPicPr>
-          <p:nvPr/>
-        </p:nvPicPr>
-        <p:blipFill>
-          <a:blip r:embed="rId4">
-            <a:extLst>
-              <a:ext uri="{28A0092B-C50C-407E-A947-70E740481C1C}">
-                <a14:useLocalDpi xmlns:a14="http://schemas.microsoft.com/office/drawing/2010/main" val="0"/>
-              </a:ext>
-            </a:extLst>
-          </a:blip>
-          <a:stretch>
-            <a:fillRect/>
-          </a:stretch>
-        </p:blipFill>
-        <p:spPr>
-          <a:xfrm>
-            <a:off x="3289286" y="477909"/>
-            <a:ext cx="2645987" cy="3657280"/>
-          </a:xfrm>
-          <a:prstGeom prst="rect">
-            <a:avLst/>
-          </a:prstGeom>
-        </p:spPr>
-      </p:pic>
-      <p:cxnSp>
-        <p:nvCxnSpPr>
-          <p:cNvPr id="22" name="Straight Connector 21">
-            <a:extLst>
-              <a:ext uri="{FF2B5EF4-FFF2-40B4-BE49-F238E27FC236}">
-                <a16:creationId xmlns:a16="http://schemas.microsoft.com/office/drawing/2014/main" id="{942B920A-73AD-402A-8EEF-B88E1A9398B8}"/>
-              </a:ext>
-              <a:ext uri="{C183D7F6-B498-43B3-948B-1728B52AA6E4}">
-                <adec:decorative xmlns:adec="http://schemas.microsoft.com/office/drawing/2017/decorative" val="1"/>
-              </a:ext>
-            </a:extLst>
-          </p:cNvPr>
-          <p:cNvCxnSpPr>
-            <a:cxnSpLocks noGrp="1" noRot="1" noChangeAspect="1" noMove="1" noResize="1" noEditPoints="1" noAdjustHandles="1" noChangeArrowheads="1" noChangeShapeType="1"/>
-          </p:cNvCxnSpPr>
-          <p:nvPr>
-            <p:extLst>
-              <p:ext uri="{386F3935-93C4-4BCD-93E2-E3B085C9AB24}">
-                <p16:designElem xmlns:p16="http://schemas.microsoft.com/office/powerpoint/2015/main" val="1"/>
-              </p:ext>
-            </p:extLst>
-          </p:nvPr>
-        </p:nvCxnSpPr>
-        <p:spPr>
-          <a:xfrm>
-            <a:off x="6096098" y="477749"/>
-            <a:ext cx="0" cy="3657600"/>
-          </a:xfrm>
-          <a:prstGeom prst="line">
-            <a:avLst/>
-          </a:prstGeom>
-          <a:ln w="101600" cmpd="dbl">
-            <a:solidFill>
-              <a:srgbClr val="595959"/>
-            </a:solidFill>
-          </a:ln>
-        </p:spPr>
-        <p:style>
-          <a:lnRef idx="1">
-            <a:schemeClr val="accent1"/>
-          </a:lnRef>
-          <a:fillRef idx="0">
-            <a:schemeClr val="accent1"/>
-          </a:fillRef>
-          <a:effectRef idx="0">
-            <a:schemeClr val="accent1"/>
-          </a:effectRef>
-          <a:fontRef idx="minor">
-            <a:schemeClr val="tx1"/>
-          </a:fontRef>
-        </p:style>
-      </p:cxnSp>
-      <p:cxnSp>
-        <p:nvCxnSpPr>
-          <p:cNvPr id="24" name="Straight Connector 23">
-            <a:extLst>
-              <a:ext uri="{FF2B5EF4-FFF2-40B4-BE49-F238E27FC236}">
-                <a16:creationId xmlns:a16="http://schemas.microsoft.com/office/drawing/2014/main" id="{00C9EB70-BC82-414A-BF8D-AD7FC6727616}"/>
-              </a:ext>
-              <a:ext uri="{C183D7F6-B498-43B3-948B-1728B52AA6E4}">
-                <adec:decorative xmlns:adec="http://schemas.microsoft.com/office/drawing/2017/decorative" val="1"/>
-              </a:ext>
-            </a:extLst>
-          </p:cNvPr>
-          <p:cNvCxnSpPr>
-            <a:cxnSpLocks noGrp="1" noRot="1" noChangeAspect="1" noMove="1" noResize="1" noEditPoints="1" noAdjustHandles="1" noChangeArrowheads="1" noChangeShapeType="1"/>
-          </p:cNvCxnSpPr>
-          <p:nvPr>
-            <p:extLst>
-              <p:ext uri="{386F3935-93C4-4BCD-93E2-E3B085C9AB24}">
-                <p16:designElem xmlns:p16="http://schemas.microsoft.com/office/powerpoint/2015/main" val="1"/>
-              </p:ext>
-            </p:extLst>
-          </p:nvPr>
-        </p:nvCxnSpPr>
-        <p:spPr>
-          <a:xfrm>
-            <a:off x="9063735" y="477749"/>
-            <a:ext cx="0" cy="3657600"/>
-          </a:xfrm>
-          <a:prstGeom prst="line">
-            <a:avLst/>
-          </a:prstGeom>
-          <a:ln w="101600" cmpd="dbl">
-            <a:solidFill>
-              <a:srgbClr val="595959"/>
-            </a:solidFill>
-          </a:ln>
-        </p:spPr>
-        <p:style>
-          <a:lnRef idx="1">
-            <a:schemeClr val="accent1"/>
-          </a:lnRef>
-          <a:fillRef idx="0">
-            <a:schemeClr val="accent1"/>
-          </a:fillRef>
-          <a:effectRef idx="0">
-            <a:schemeClr val="accent1"/>
-          </a:effectRef>
-          <a:fontRef idx="minor">
-            <a:schemeClr val="tx1"/>
-          </a:fontRef>
-        </p:style>
-      </p:cxnSp>
-      <p:pic>
-        <p:nvPicPr>
-          <p:cNvPr id="7" name="Imagem 6">
-            <a:extLst>
-              <a:ext uri="{FF2B5EF4-FFF2-40B4-BE49-F238E27FC236}">
-                <a16:creationId xmlns:a16="http://schemas.microsoft.com/office/drawing/2014/main" id="{10746524-6D75-438E-8613-EB20EF5E1127}"/>
-              </a:ext>
-            </a:extLst>
-          </p:cNvPr>
-          <p:cNvPicPr>
-            <a:picLocks noChangeAspect="1"/>
-          </p:cNvPicPr>
-          <p:nvPr/>
-        </p:nvPicPr>
-        <p:blipFill rotWithShape="1">
-          <a:blip r:embed="rId5">
-            <a:extLst>
-              <a:ext uri="{28A0092B-C50C-407E-A947-70E740481C1C}">
-                <a14:useLocalDpi xmlns:a14="http://schemas.microsoft.com/office/drawing/2010/main" val="0"/>
-              </a:ext>
-            </a:extLst>
-          </a:blip>
-          <a:srcRect l="20321" t="12108" r="21393" b="12250"/>
-          <a:stretch/>
-        </p:blipFill>
-        <p:spPr>
-          <a:xfrm>
-            <a:off x="9222866" y="610817"/>
-            <a:ext cx="2647682" cy="3436092"/>
-          </a:xfrm>
-          <a:prstGeom prst="rect">
-            <a:avLst/>
-          </a:prstGeom>
-        </p:spPr>
-      </p:pic>
-      <p:cxnSp>
-        <p:nvCxnSpPr>
-          <p:cNvPr id="30" name="Straight Connector 25">
-            <a:extLst>
-              <a:ext uri="{FF2B5EF4-FFF2-40B4-BE49-F238E27FC236}">
-                <a16:creationId xmlns:a16="http://schemas.microsoft.com/office/drawing/2014/main" id="{3217665F-0036-444A-8D4A-33AF36A36A42}"/>
-              </a:ext>
-              <a:ext uri="{C183D7F6-B498-43B3-948B-1728B52AA6E4}">
-                <adec:decorative xmlns:adec="http://schemas.microsoft.com/office/drawing/2017/decorative" val="1"/>
-              </a:ext>
-            </a:extLst>
-          </p:cNvPr>
-          <p:cNvCxnSpPr>
-            <a:cxnSpLocks noGrp="1" noRot="1" noChangeAspect="1" noMove="1" noResize="1" noEditPoints="1" noAdjustHandles="1" noChangeArrowheads="1" noChangeShapeType="1"/>
-          </p:cNvCxnSpPr>
-          <p:nvPr>
-            <p:extLst>
-              <p:ext uri="{386F3935-93C4-4BCD-93E2-E3B085C9AB24}">
-                <p16:designElem xmlns:p16="http://schemas.microsoft.com/office/powerpoint/2015/main" val="1"/>
-              </p:ext>
-            </p:extLst>
-          </p:nvPr>
-        </p:nvCxnSpPr>
-        <p:spPr>
-          <a:xfrm>
-            <a:off x="2209224" y="5738691"/>
-            <a:ext cx="7770376" cy="0"/>
-          </a:xfrm>
-          <a:prstGeom prst="line">
-            <a:avLst/>
-          </a:prstGeom>
-          <a:ln w="22225">
-            <a:solidFill>
-              <a:srgbClr val="D9D9D9"/>
-            </a:solidFill>
-          </a:ln>
-        </p:spPr>
-        <p:style>
-          <a:lnRef idx="1">
-            <a:schemeClr val="accent1"/>
-          </a:lnRef>
-          <a:fillRef idx="0">
-            <a:schemeClr val="accent1"/>
-          </a:fillRef>
-          <a:effectRef idx="0">
-            <a:schemeClr val="accent1"/>
-          </a:effectRef>
-          <a:fontRef idx="minor">
-            <a:schemeClr val="tx1"/>
-          </a:fontRef>
-        </p:style>
-      </p:cxnSp>
-    </p:spTree>
-    <p:extLst>
-      <p:ext uri="{BB962C8B-B14F-4D97-AF65-F5344CB8AC3E}">
-        <p14:creationId xmlns:p14="http://schemas.microsoft.com/office/powerpoint/2010/main" val="2139132589"/>
-      </p:ext>
-    </p:extLst>
-  </p:cSld>
-  <p:clrMapOvr>
-    <a:masterClrMapping/>
-  </p:clrMapOvr>
-  <mc:AlternateContent xmlns:mc="http://schemas.openxmlformats.org/markup-compatibility/2006" xmlns:p14="http://schemas.microsoft.com/office/powerpoint/2010/main">
-    <mc:Choice Requires="p14">
-      <p:transition spd="med" p14:dur="700">
-        <p:fade/>
-      </p:transition>
-    </mc:Choice>
-    <mc:Fallback xmlns="">
-      <p:transition spd="med">
-        <p:fade/>
-      </p:transition>
-    </mc:Fallback>
-  </mc:AlternateContent>
-</p:sld>
-</file>
-
-<file path=ppt/slides/slide3.xml><?xml version="1.0" encoding="utf-8"?>
-<p:sld xmlns:a="http://schemas.openxmlformats.org/drawingml/2006/main" xmlns:r="http://schemas.openxmlformats.org/officeDocument/2006/relationships" xmlns:p="http://schemas.openxmlformats.org/presentationml/2006/main">
-  <p:cSld>
-    <p:bg>
-      <p:bgPr>
-        <a:solidFill>
-          <a:schemeClr val="bg1">
-            <a:tint val="95000"/>
-            <a:satMod val="170000"/>
-          </a:schemeClr>
-        </a:solidFill>
-        <a:effectLst/>
-      </p:bgPr>
-    </p:bg>
-    <p:spTree>
-      <p:nvGrpSpPr>
-        <p:cNvPr id="1" name=""/>
-        <p:cNvGrpSpPr/>
-        <p:nvPr/>
-      </p:nvGrpSpPr>
-      <p:grpSpPr>
-        <a:xfrm>
-          <a:off x="0" y="0"/>
-          <a:ext cx="0" cy="0"/>
-          <a:chOff x="0" y="0"/>
-          <a:chExt cx="0" cy="0"/>
-        </a:xfrm>
-      </p:grpSpPr>
-      <p:sp>
-        <p:nvSpPr>
           <p:cNvPr id="2" name="Título 1">
             <a:extLst>
               <a:ext uri="{FF2B5EF4-FFF2-40B4-BE49-F238E27FC236}">
-                <a16:creationId xmlns:a16="http://schemas.microsoft.com/office/drawing/2014/main" id="{E3096E9C-9C80-4372-9E37-139EB817E49C}"/>
+                <a16:creationId xmlns:a16="http://schemas.microsoft.com/office/drawing/2014/main" id="{88F6F6E7-4B0A-4216-9CB1-0B88D3636806}"/>
               </a:ext>
             </a:extLst>
           </p:cNvPr>
@@ -10180,561 +9452,12 @@
         </p:nvSpPr>
         <p:spPr>
           <a:xfrm>
-            <a:off x="6070863" y="3640254"/>
-            <a:ext cx="5318048" cy="2076333"/>
-          </a:xfrm>
-        </p:spPr>
-        <p:txBody>
-          <a:bodyPr vert="horz" lIns="91440" tIns="45720" rIns="91440" bIns="45720" rtlCol="0" anchor="t">
-            <a:normAutofit/>
-          </a:bodyPr>
-          <a:lstStyle/>
-          <a:p>
-            <a:pPr defTabSz="914400"/>
-            <a:r>
-              <a:rPr lang="en-US" sz="4800"/>
-              <a:t>E no dia-a-dia</a:t>
-            </a:r>
-          </a:p>
-        </p:txBody>
-      </p:sp>
-      <p:sp>
-        <p:nvSpPr>
-          <p:cNvPr id="16" name="Freeform: Shape 9">
-            <a:extLst>
-              <a:ext uri="{FF2B5EF4-FFF2-40B4-BE49-F238E27FC236}">
-                <a16:creationId xmlns:a16="http://schemas.microsoft.com/office/drawing/2014/main" id="{2C6334C2-F73F-4B3B-A626-DD5F69DF6ED0}"/>
-              </a:ext>
-              <a:ext uri="{C183D7F6-B498-43B3-948B-1728B52AA6E4}">
-                <adec:decorative xmlns:adec="http://schemas.microsoft.com/office/drawing/2017/decorative" val="1"/>
-              </a:ext>
-            </a:extLst>
-          </p:cNvPr>
-          <p:cNvSpPr>
-            <a:spLocks noGrp="1" noRot="1" noChangeAspect="1" noMove="1" noResize="1" noEditPoints="1" noAdjustHandles="1" noChangeArrowheads="1" noChangeShapeType="1" noTextEdit="1"/>
-          </p:cNvSpPr>
-          <p:nvPr>
-            <p:extLst>
-              <p:ext uri="{386F3935-93C4-4BCD-93E2-E3B085C9AB24}">
-                <p16:designElem xmlns:p16="http://schemas.microsoft.com/office/powerpoint/2015/main" val="1"/>
-              </p:ext>
-            </p:extLst>
-          </p:nvPr>
-        </p:nvSpPr>
-        <p:spPr>
-          <a:xfrm flipV="1">
-            <a:off x="0" y="0"/>
-            <a:ext cx="5388464" cy="6374535"/>
-          </a:xfrm>
-          <a:custGeom>
-            <a:avLst/>
-            <a:gdLst>
-              <a:gd name="connsiteX0" fmla="*/ 620377 w 5389868"/>
-              <a:gd name="connsiteY0" fmla="*/ 6374535 h 6374535"/>
-              <a:gd name="connsiteX1" fmla="*/ 3459520 w 5389868"/>
-              <a:gd name="connsiteY1" fmla="*/ 6374535 h 6374535"/>
-              <a:gd name="connsiteX2" fmla="*/ 3638761 w 5389868"/>
-              <a:gd name="connsiteY2" fmla="*/ 6288190 h 6374535"/>
-              <a:gd name="connsiteX3" fmla="*/ 5389868 w 5389868"/>
-              <a:gd name="connsiteY3" fmla="*/ 3346018 h 6374535"/>
-              <a:gd name="connsiteX4" fmla="*/ 2043850 w 5389868"/>
-              <a:gd name="connsiteY4" fmla="*/ 0 h 6374535"/>
-              <a:gd name="connsiteX5" fmla="*/ 139826 w 5389868"/>
-              <a:gd name="connsiteY5" fmla="*/ 594192 h 6374535"/>
-              <a:gd name="connsiteX6" fmla="*/ 0 w 5389868"/>
-              <a:gd name="connsiteY6" fmla="*/ 700065 h 6374535"/>
-              <a:gd name="connsiteX7" fmla="*/ 0 w 5389868"/>
-              <a:gd name="connsiteY7" fmla="*/ 5991971 h 6374535"/>
-              <a:gd name="connsiteX8" fmla="*/ 139827 w 5389868"/>
-              <a:gd name="connsiteY8" fmla="*/ 6097845 h 6374535"/>
-              <a:gd name="connsiteX9" fmla="*/ 378347 w 5389868"/>
-              <a:gd name="connsiteY9" fmla="*/ 6248727 h 6374535"/>
-            </a:gdLst>
-            <a:ahLst/>
-            <a:cxnLst>
-              <a:cxn ang="0">
-                <a:pos x="connsiteX0" y="connsiteY0"/>
-              </a:cxn>
-              <a:cxn ang="0">
-                <a:pos x="connsiteX1" y="connsiteY1"/>
-              </a:cxn>
-              <a:cxn ang="0">
-                <a:pos x="connsiteX2" y="connsiteY2"/>
-              </a:cxn>
-              <a:cxn ang="0">
-                <a:pos x="connsiteX3" y="connsiteY3"/>
-              </a:cxn>
-              <a:cxn ang="0">
-                <a:pos x="connsiteX4" y="connsiteY4"/>
-              </a:cxn>
-              <a:cxn ang="0">
-                <a:pos x="connsiteX5" y="connsiteY5"/>
-              </a:cxn>
-              <a:cxn ang="0">
-                <a:pos x="connsiteX6" y="connsiteY6"/>
-              </a:cxn>
-              <a:cxn ang="0">
-                <a:pos x="connsiteX7" y="connsiteY7"/>
-              </a:cxn>
-              <a:cxn ang="0">
-                <a:pos x="connsiteX8" y="connsiteY8"/>
-              </a:cxn>
-              <a:cxn ang="0">
-                <a:pos x="connsiteX9" y="connsiteY9"/>
-              </a:cxn>
-            </a:cxnLst>
-            <a:rect l="l" t="t" r="r" b="b"/>
-            <a:pathLst>
-              <a:path w="5389868" h="6374535">
-                <a:moveTo>
-                  <a:pt x="620377" y="6374535"/>
-                </a:moveTo>
-                <a:lnTo>
-                  <a:pt x="3459520" y="6374535"/>
-                </a:lnTo>
-                <a:lnTo>
-                  <a:pt x="3638761" y="6288190"/>
-                </a:lnTo>
-                <a:cubicBezTo>
-                  <a:pt x="4681799" y="5721578"/>
-                  <a:pt x="5389868" y="4616487"/>
-                  <a:pt x="5389868" y="3346018"/>
-                </a:cubicBezTo>
-                <a:cubicBezTo>
-                  <a:pt x="5389868" y="1498063"/>
-                  <a:pt x="3891805" y="0"/>
-                  <a:pt x="2043850" y="0"/>
-                </a:cubicBezTo>
-                <a:cubicBezTo>
-                  <a:pt x="1336430" y="0"/>
-                  <a:pt x="680285" y="219535"/>
-                  <a:pt x="139826" y="594192"/>
-                </a:cubicBezTo>
-                <a:lnTo>
-                  <a:pt x="0" y="700065"/>
-                </a:lnTo>
-                <a:lnTo>
-                  <a:pt x="0" y="5991971"/>
-                </a:lnTo>
-                <a:lnTo>
-                  <a:pt x="139827" y="6097845"/>
-                </a:lnTo>
-                <a:cubicBezTo>
-                  <a:pt x="217035" y="6151367"/>
-                  <a:pt x="296605" y="6201724"/>
-                  <a:pt x="378347" y="6248727"/>
-                </a:cubicBezTo>
-                <a:close/>
-              </a:path>
-            </a:pathLst>
-          </a:custGeom>
-          <a:solidFill>
-            <a:srgbClr val="FFFFFF">
-              <a:alpha val="80000"/>
-            </a:srgbClr>
-          </a:solidFill>
-          <a:ln>
-            <a:noFill/>
-          </a:ln>
-        </p:spPr>
-        <p:style>
-          <a:lnRef idx="2">
-            <a:schemeClr val="accent1">
-              <a:shade val="50000"/>
-            </a:schemeClr>
-          </a:lnRef>
-          <a:fillRef idx="1">
-            <a:schemeClr val="accent1"/>
-          </a:fillRef>
-          <a:effectRef idx="0">
-            <a:schemeClr val="accent1"/>
-          </a:effectRef>
-          <a:fontRef idx="minor">
-            <a:schemeClr val="lt1"/>
-          </a:fontRef>
-        </p:style>
-        <p:txBody>
-          <a:bodyPr wrap="square" rtlCol="0" anchor="ctr">
-            <a:noAutofit/>
-          </a:bodyPr>
-          <a:lstStyle/>
-          <a:p>
-            <a:pPr marL="0" marR="0" lvl="0" indent="0" algn="ctr" defTabSz="914400" rtl="0" eaLnBrk="1" fontAlgn="auto" latinLnBrk="0" hangingPunct="1">
-              <a:lnSpc>
-                <a:spcPct val="100000"/>
-              </a:lnSpc>
-              <a:spcBef>
-                <a:spcPts val="0"/>
-              </a:spcBef>
-              <a:spcAft>
-                <a:spcPts val="0"/>
-              </a:spcAft>
-              <a:buClrTx/>
-              <a:buSzTx/>
-              <a:buFontTx/>
-              <a:buNone/>
-              <a:tabLst/>
-              <a:defRPr/>
-            </a:pPr>
-            <a:endParaRPr kumimoji="0" lang="en-US" sz="1800" b="0" i="0" u="none" strike="noStrike" kern="1200" cap="none" spc="0" normalizeH="0" baseline="0" noProof="0">
-              <a:ln>
-                <a:noFill/>
-              </a:ln>
-              <a:solidFill>
-                <a:prstClr val="white"/>
-              </a:solidFill>
-              <a:effectLst/>
-              <a:uLnTx/>
-              <a:uFillTx/>
-              <a:latin typeface="Calibri" panose="020F0502020204030204"/>
-              <a:ea typeface="+mn-ea"/>
-              <a:cs typeface="+mn-cs"/>
-            </a:endParaRPr>
-          </a:p>
-        </p:txBody>
-      </p:sp>
-      <p:pic>
-        <p:nvPicPr>
-          <p:cNvPr id="5" name="Imagem 4">
-            <a:extLst>
-              <a:ext uri="{FF2B5EF4-FFF2-40B4-BE49-F238E27FC236}">
-                <a16:creationId xmlns:a16="http://schemas.microsoft.com/office/drawing/2014/main" id="{1118D8E9-6FF5-4D90-A271-928E3F532F5D}"/>
-              </a:ext>
-            </a:extLst>
-          </p:cNvPr>
-          <p:cNvPicPr>
-            <a:picLocks noChangeAspect="1"/>
-          </p:cNvPicPr>
-          <p:nvPr/>
-        </p:nvPicPr>
-        <p:blipFill rotWithShape="1">
-          <a:blip r:embed="rId2">
-            <a:extLst>
-              <a:ext uri="{28A0092B-C50C-407E-A947-70E740481C1C}">
-                <a14:useLocalDpi xmlns:a14="http://schemas.microsoft.com/office/drawing/2010/main" val="0"/>
-              </a:ext>
-            </a:extLst>
-          </a:blip>
-          <a:srcRect l="22304" r="12854"/>
-          <a:stretch/>
-        </p:blipFill>
-        <p:spPr>
-          <a:xfrm>
-            <a:off x="20" y="10"/>
-            <a:ext cx="5233135" cy="6210619"/>
-          </a:xfrm>
-          <a:custGeom>
-            <a:avLst/>
-            <a:gdLst>
-              <a:gd name="connsiteX0" fmla="*/ 1082595 w 5234519"/>
-              <a:gd name="connsiteY0" fmla="*/ 0 h 6210629"/>
-              <a:gd name="connsiteX1" fmla="*/ 3027450 w 5234519"/>
-              <a:gd name="connsiteY1" fmla="*/ 0 h 6210629"/>
-              <a:gd name="connsiteX2" fmla="*/ 3291029 w 5234519"/>
-              <a:gd name="connsiteY2" fmla="*/ 96471 h 6210629"/>
-              <a:gd name="connsiteX3" fmla="*/ 5234519 w 5234519"/>
-              <a:gd name="connsiteY3" fmla="*/ 3028517 h 6210629"/>
-              <a:gd name="connsiteX4" fmla="*/ 2052407 w 5234519"/>
-              <a:gd name="connsiteY4" fmla="*/ 6210629 h 6210629"/>
-              <a:gd name="connsiteX5" fmla="*/ 28288 w 5234519"/>
-              <a:gd name="connsiteY5" fmla="*/ 5483989 h 6210629"/>
-              <a:gd name="connsiteX6" fmla="*/ 0 w 5234519"/>
-              <a:gd name="connsiteY6" fmla="*/ 5458279 h 6210629"/>
-              <a:gd name="connsiteX7" fmla="*/ 0 w 5234519"/>
-              <a:gd name="connsiteY7" fmla="*/ 598754 h 6210629"/>
-              <a:gd name="connsiteX8" fmla="*/ 28288 w 5234519"/>
-              <a:gd name="connsiteY8" fmla="*/ 573044 h 6210629"/>
-              <a:gd name="connsiteX9" fmla="*/ 958290 w 5234519"/>
-              <a:gd name="connsiteY9" fmla="*/ 39494 h 6210629"/>
-            </a:gdLst>
-            <a:ahLst/>
-            <a:cxnLst>
-              <a:cxn ang="0">
-                <a:pos x="connsiteX0" y="connsiteY0"/>
-              </a:cxn>
-              <a:cxn ang="0">
-                <a:pos x="connsiteX1" y="connsiteY1"/>
-              </a:cxn>
-              <a:cxn ang="0">
-                <a:pos x="connsiteX2" y="connsiteY2"/>
-              </a:cxn>
-              <a:cxn ang="0">
-                <a:pos x="connsiteX3" y="connsiteY3"/>
-              </a:cxn>
-              <a:cxn ang="0">
-                <a:pos x="connsiteX4" y="connsiteY4"/>
-              </a:cxn>
-              <a:cxn ang="0">
-                <a:pos x="connsiteX5" y="connsiteY5"/>
-              </a:cxn>
-              <a:cxn ang="0">
-                <a:pos x="connsiteX6" y="connsiteY6"/>
-              </a:cxn>
-              <a:cxn ang="0">
-                <a:pos x="connsiteX7" y="connsiteY7"/>
-              </a:cxn>
-              <a:cxn ang="0">
-                <a:pos x="connsiteX8" y="connsiteY8"/>
-              </a:cxn>
-              <a:cxn ang="0">
-                <a:pos x="connsiteX9" y="connsiteY9"/>
-              </a:cxn>
-            </a:cxnLst>
-            <a:rect l="l" t="t" r="r" b="b"/>
-            <a:pathLst>
-              <a:path w="5234519" h="6210629">
-                <a:moveTo>
-                  <a:pt x="1082595" y="0"/>
-                </a:moveTo>
-                <a:lnTo>
-                  <a:pt x="3027450" y="0"/>
-                </a:lnTo>
-                <a:lnTo>
-                  <a:pt x="3291029" y="96471"/>
-                </a:lnTo>
-                <a:cubicBezTo>
-                  <a:pt x="4433137" y="579542"/>
-                  <a:pt x="5234519" y="1710443"/>
-                  <a:pt x="5234519" y="3028517"/>
-                </a:cubicBezTo>
-                <a:cubicBezTo>
-                  <a:pt x="5234519" y="4785949"/>
-                  <a:pt x="3809839" y="6210629"/>
-                  <a:pt x="2052407" y="6210629"/>
-                </a:cubicBezTo>
-                <a:cubicBezTo>
-                  <a:pt x="1283531" y="6210629"/>
-                  <a:pt x="578345" y="5937936"/>
-                  <a:pt x="28288" y="5483989"/>
-                </a:cubicBezTo>
-                <a:lnTo>
-                  <a:pt x="0" y="5458279"/>
-                </a:lnTo>
-                <a:lnTo>
-                  <a:pt x="0" y="598754"/>
-                </a:lnTo>
-                <a:lnTo>
-                  <a:pt x="28288" y="573044"/>
-                </a:lnTo>
-                <a:cubicBezTo>
-                  <a:pt x="303317" y="346070"/>
-                  <a:pt x="617127" y="164410"/>
-                  <a:pt x="958290" y="39494"/>
-                </a:cubicBezTo>
-                <a:close/>
-              </a:path>
-            </a:pathLst>
-          </a:custGeom>
-        </p:spPr>
-      </p:pic>
-    </p:spTree>
-    <p:extLst>
-      <p:ext uri="{BB962C8B-B14F-4D97-AF65-F5344CB8AC3E}">
-        <p14:creationId xmlns:p14="http://schemas.microsoft.com/office/powerpoint/2010/main" val="1346241569"/>
-      </p:ext>
-    </p:extLst>
-  </p:cSld>
-  <p:clrMapOvr>
-    <a:overrideClrMapping bg1="dk1" tx1="lt1" bg2="dk2" tx2="lt2" accent1="accent1" accent2="accent2" accent3="accent3" accent4="accent4" accent5="accent5" accent6="accent6" hlink="hlink" folHlink="folHlink"/>
-  </p:clrMapOvr>
-  <mc:AlternateContent xmlns:mc="http://schemas.openxmlformats.org/markup-compatibility/2006" xmlns:p14="http://schemas.microsoft.com/office/powerpoint/2010/main">
-    <mc:Choice Requires="p14">
-      <p:transition spd="med" p14:dur="700">
-        <p:fade/>
-      </p:transition>
-    </mc:Choice>
-    <mc:Fallback xmlns="">
-      <p:transition spd="med">
-        <p:fade/>
-      </p:transition>
-    </mc:Fallback>
-  </mc:AlternateContent>
-</p:sld>
-</file>
-
-<file path=ppt/slides/slide4.xml><?xml version="1.0" encoding="utf-8"?>
-<p:sld xmlns:a="http://schemas.openxmlformats.org/drawingml/2006/main" xmlns:r="http://schemas.openxmlformats.org/officeDocument/2006/relationships" xmlns:p="http://schemas.openxmlformats.org/presentationml/2006/main">
-  <p:cSld>
-    <p:bg>
-      <p:bgPr>
-        <a:solidFill>
-          <a:schemeClr val="bg1"/>
-        </a:solidFill>
-        <a:effectLst/>
-      </p:bgPr>
-    </p:bg>
-    <p:spTree>
-      <p:nvGrpSpPr>
-        <p:cNvPr id="1" name=""/>
-        <p:cNvGrpSpPr/>
-        <p:nvPr/>
-      </p:nvGrpSpPr>
-      <p:grpSpPr>
-        <a:xfrm>
-          <a:off x="0" y="0"/>
-          <a:ext cx="0" cy="0"/>
-          <a:chOff x="0" y="0"/>
-          <a:chExt cx="0" cy="0"/>
-        </a:xfrm>
-      </p:grpSpPr>
-      <p:sp>
-        <p:nvSpPr>
-          <p:cNvPr id="11" name="Rectangle 10">
-            <a:extLst>
-              <a:ext uri="{FF2B5EF4-FFF2-40B4-BE49-F238E27FC236}">
-                <a16:creationId xmlns:a16="http://schemas.microsoft.com/office/drawing/2014/main" id="{6753252F-4873-4F63-801D-CC719279A7D5}"/>
-              </a:ext>
-              <a:ext uri="{C183D7F6-B498-43B3-948B-1728B52AA6E4}">
-                <adec:decorative xmlns:adec="http://schemas.microsoft.com/office/drawing/2017/decorative" val="1"/>
-              </a:ext>
-            </a:extLst>
-          </p:cNvPr>
-          <p:cNvSpPr>
-            <a:spLocks noGrp="1" noRot="1" noChangeAspect="1" noMove="1" noResize="1" noEditPoints="1" noAdjustHandles="1" noChangeArrowheads="1" noChangeShapeType="1" noTextEdit="1"/>
-          </p:cNvSpPr>
-          <p:nvPr>
-            <p:extLst>
-              <p:ext uri="{386F3935-93C4-4BCD-93E2-E3B085C9AB24}">
-                <p16:designElem xmlns:p16="http://schemas.microsoft.com/office/powerpoint/2015/main" val="1"/>
-              </p:ext>
-            </p:extLst>
-          </p:nvPr>
-        </p:nvSpPr>
-        <p:spPr>
-          <a:xfrm>
-            <a:off x="0" y="0"/>
-            <a:ext cx="12188825" cy="6858000"/>
-          </a:xfrm>
-          <a:prstGeom prst="rect">
-            <a:avLst/>
-          </a:prstGeom>
-          <a:solidFill>
-            <a:srgbClr val="FFFFFF"/>
-          </a:solidFill>
-          <a:ln>
-            <a:noFill/>
-          </a:ln>
-        </p:spPr>
-        <p:style>
-          <a:lnRef idx="2">
-            <a:schemeClr val="accent1">
-              <a:shade val="50000"/>
-            </a:schemeClr>
-          </a:lnRef>
-          <a:fillRef idx="1">
-            <a:schemeClr val="accent1"/>
-          </a:fillRef>
-          <a:effectRef idx="0">
-            <a:schemeClr val="accent1"/>
-          </a:effectRef>
-          <a:fontRef idx="minor">
-            <a:schemeClr val="lt1"/>
-          </a:fontRef>
-        </p:style>
-        <p:txBody>
-          <a:bodyPr rtlCol="0" anchor="ctr"/>
-          <a:lstStyle/>
-          <a:p>
-            <a:pPr algn="ctr"/>
-            <a:endParaRPr lang="en-US"/>
-          </a:p>
-        </p:txBody>
-      </p:sp>
-      <p:sp>
-        <p:nvSpPr>
-          <p:cNvPr id="13" name="Rectangle 12">
-            <a:extLst>
-              <a:ext uri="{FF2B5EF4-FFF2-40B4-BE49-F238E27FC236}">
-                <a16:creationId xmlns:a16="http://schemas.microsoft.com/office/drawing/2014/main" id="{047C8CCB-F95D-4249-92DD-651249D3535A}"/>
-              </a:ext>
-              <a:ext uri="{C183D7F6-B498-43B3-948B-1728B52AA6E4}">
-                <adec:decorative xmlns:adec="http://schemas.microsoft.com/office/drawing/2017/decorative" val="1"/>
-              </a:ext>
-            </a:extLst>
-          </p:cNvPr>
-          <p:cNvSpPr>
-            <a:spLocks noGrp="1" noRot="1" noChangeAspect="1" noMove="1" noResize="1" noEditPoints="1" noAdjustHandles="1" noChangeArrowheads="1" noChangeShapeType="1" noTextEdit="1"/>
-          </p:cNvSpPr>
-          <p:nvPr>
-            <p:extLst>
-              <p:ext uri="{386F3935-93C4-4BCD-93E2-E3B085C9AB24}">
-                <p16:designElem xmlns:p16="http://schemas.microsoft.com/office/powerpoint/2015/main" val="1"/>
-              </p:ext>
-            </p:extLst>
-          </p:nvPr>
-        </p:nvSpPr>
-        <p:spPr>
-          <a:xfrm>
-            <a:off x="0" y="0"/>
-            <a:ext cx="2013032" cy="6858000"/>
-          </a:xfrm>
-          <a:prstGeom prst="rect">
-            <a:avLst/>
-          </a:prstGeom>
-          <a:solidFill>
-            <a:srgbClr val="7F7F7F"/>
-          </a:solidFill>
-          <a:ln>
-            <a:noFill/>
-          </a:ln>
-        </p:spPr>
-        <p:style>
-          <a:lnRef idx="2">
-            <a:schemeClr val="accent1">
-              <a:shade val="50000"/>
-            </a:schemeClr>
-          </a:lnRef>
-          <a:fillRef idx="1">
-            <a:schemeClr val="accent1"/>
-          </a:fillRef>
-          <a:effectRef idx="0">
-            <a:schemeClr val="accent1"/>
-          </a:effectRef>
-          <a:fontRef idx="minor">
-            <a:schemeClr val="lt1"/>
-          </a:fontRef>
-        </p:style>
-        <p:txBody>
-          <a:bodyPr rtlCol="0" anchor="ctr"/>
-          <a:lstStyle/>
-          <a:p>
-            <a:pPr algn="ctr"/>
-            <a:endParaRPr lang="en-US"/>
-          </a:p>
-        </p:txBody>
-      </p:sp>
-      <p:sp>
-        <p:nvSpPr>
-          <p:cNvPr id="2" name="Título 1">
-            <a:extLst>
-              <a:ext uri="{FF2B5EF4-FFF2-40B4-BE49-F238E27FC236}">
-                <a16:creationId xmlns:a16="http://schemas.microsoft.com/office/drawing/2014/main" id="{88F6F6E7-4B0A-4216-9CB1-0B88D3636806}"/>
-              </a:ext>
-            </a:extLst>
-          </p:cNvPr>
-          <p:cNvSpPr>
-            <a:spLocks noGrp="1"/>
-          </p:cNvSpPr>
-          <p:nvPr>
-            <p:ph type="title"/>
-          </p:nvPr>
-        </p:nvSpPr>
-        <p:spPr>
-          <a:xfrm>
-            <a:off x="639913" y="2074363"/>
-            <a:ext cx="2751637" cy="2709275"/>
+            <a:off x="742756" y="742951"/>
+            <a:ext cx="3475720" cy="4962524"/>
           </a:xfrm>
           <a:prstGeom prst="ellipse">
             <a:avLst/>
           </a:prstGeom>
-          <a:solidFill>
-            <a:srgbClr val="262626"/>
-          </a:solidFill>
-          <a:ln w="174625" cmpd="thinThick">
-            <a:solidFill>
-              <a:srgbClr val="262626"/>
-            </a:solidFill>
-          </a:ln>
         </p:spPr>
         <p:txBody>
           <a:bodyPr vert="horz" lIns="91440" tIns="45720" rIns="91440" bIns="45720" rtlCol="0" anchor="ctr">
@@ -10744,7 +9467,7 @@
           <a:p>
             <a:pPr algn="ctr" defTabSz="914400"/>
             <a:r>
-              <a:rPr lang="en-US" sz="2600" kern="1200">
+              <a:rPr lang="en-US" sz="4800" kern="1200">
                 <a:solidFill>
                   <a:srgbClr val="FFFFFF"/>
                 </a:solidFill>
@@ -10752,7 +9475,7 @@
                 <a:ea typeface="+mj-ea"/>
                 <a:cs typeface="+mj-cs"/>
               </a:rPr>
-              <a:t>Não tem problema</a:t>
+              <a:t>O bom e velho</a:t>
             </a:r>
           </a:p>
         </p:txBody>
@@ -10785,43 +9508,8 @@
         </p:blipFill>
         <p:spPr>
           <a:xfrm>
-            <a:off x="4001023" y="2362200"/>
-            <a:ext cx="7186327" cy="2888350"/>
-          </a:xfrm>
-          <a:prstGeom prst="rect">
-            <a:avLst/>
-          </a:prstGeom>
-        </p:spPr>
-      </p:pic>
-      <p:pic>
-        <p:nvPicPr>
-          <p:cNvPr id="14" name="Imagem 13">
-            <a:extLst>
-              <a:ext uri="{FF2B5EF4-FFF2-40B4-BE49-F238E27FC236}">
-                <a16:creationId xmlns:a16="http://schemas.microsoft.com/office/drawing/2014/main" id="{531EBA21-85BB-4C3C-A517-00A5041CFB5A}"/>
-              </a:ext>
-            </a:extLst>
-          </p:cNvPr>
-          <p:cNvPicPr>
-            <a:picLocks noChangeAspect="1"/>
-          </p:cNvPicPr>
-          <p:nvPr/>
-        </p:nvPicPr>
-        <p:blipFill rotWithShape="1">
-          <a:blip r:embed="rId3">
-            <a:extLst>
-              <a:ext uri="{28A0092B-C50C-407E-A947-70E740481C1C}">
-                <a14:useLocalDpi xmlns:a14="http://schemas.microsoft.com/office/drawing/2010/main" val="0"/>
-              </a:ext>
-            </a:extLst>
-          </a:blip>
-          <a:srcRect l="8772" t="39877" r="8772" b="39070"/>
-          <a:stretch/>
-        </p:blipFill>
-        <p:spPr>
-          <a:xfrm>
-            <a:off x="5103812" y="1524000"/>
-            <a:ext cx="4734900" cy="906684"/>
+            <a:off x="5152479" y="2116303"/>
+            <a:ext cx="6551839" cy="2633335"/>
           </a:xfrm>
           <a:prstGeom prst="rect">
             <a:avLst/>
@@ -10838,22 +9526,13 @@
   <p:clrMapOvr>
     <a:masterClrMapping/>
   </p:clrMapOvr>
-  <mc:AlternateContent xmlns:mc="http://schemas.openxmlformats.org/markup-compatibility/2006" xmlns:p14="http://schemas.microsoft.com/office/powerpoint/2010/main">
-    <mc:Choice Requires="p14">
-      <p:transition spd="med" p14:dur="700">
-        <p:fade/>
-      </p:transition>
-    </mc:Choice>
-    <mc:Fallback xmlns="">
-      <p:transition spd="med">
-        <p:fade/>
-      </p:transition>
-    </mc:Fallback>
-  </mc:AlternateContent>
+  <p:transition spd="slow">
+    <p:push dir="u"/>
+  </p:transition>
 </p:sld>
 </file>
 
-<file path=ppt/slides/slide5.xml><?xml version="1.0" encoding="utf-8"?>
+<file path=ppt/slides/slide11.xml><?xml version="1.0" encoding="utf-8"?>
 <p:sld xmlns:a="http://schemas.openxmlformats.org/drawingml/2006/main" xmlns:r="http://schemas.openxmlformats.org/officeDocument/2006/relationships" xmlns:p="http://schemas.openxmlformats.org/presentationml/2006/main">
   <p:cSld>
     <p:bg>
@@ -11163,14 +9842,14 @@
   <p:clrMapOvr>
     <a:masterClrMapping/>
   </p:clrMapOvr>
-  <mc:AlternateContent xmlns:mc="http://schemas.openxmlformats.org/markup-compatibility/2006" xmlns:p14="http://schemas.microsoft.com/office/powerpoint/2010/main">
-    <mc:Choice Requires="p14">
-      <p:transition spd="med" p14:dur="700">
-        <p:fade/>
+  <mc:AlternateContent xmlns:mc="http://schemas.openxmlformats.org/markup-compatibility/2006" xmlns:p159="http://schemas.microsoft.com/office/powerpoint/2015/09/main">
+    <mc:Choice Requires="p159">
+      <p:transition xmlns:p14="http://schemas.microsoft.com/office/powerpoint/2010/main" spd="slow" p14:dur="2000">
+        <p159:morph option="byObject"/>
       </p:transition>
     </mc:Choice>
     <mc:Fallback xmlns="">
-      <p:transition spd="med">
+      <p:transition spd="slow">
         <p:fade/>
       </p:transition>
     </mc:Fallback>
@@ -11178,13 +9857,13 @@
 </p:sld>
 </file>
 
-<file path=ppt/slides/slide6.xml><?xml version="1.0" encoding="utf-8"?>
+<file path=ppt/slides/slide12.xml><?xml version="1.0" encoding="utf-8"?>
 <p:sld xmlns:a="http://schemas.openxmlformats.org/drawingml/2006/main" xmlns:r="http://schemas.openxmlformats.org/officeDocument/2006/relationships" xmlns:p="http://schemas.openxmlformats.org/presentationml/2006/main">
   <p:cSld>
     <p:bg>
       <p:bgPr>
         <a:solidFill>
-          <a:schemeClr val="tx1"/>
+          <a:schemeClr val="bg1"/>
         </a:solidFill>
         <a:effectLst/>
       </p:bgPr>
@@ -11205,73 +9884,10 @@
       </p:grpSpPr>
       <p:sp>
         <p:nvSpPr>
-          <p:cNvPr id="7" name="Rectangle 6">
+          <p:cNvPr id="10" name="Rectangle 9">
             <a:extLst>
               <a:ext uri="{FF2B5EF4-FFF2-40B4-BE49-F238E27FC236}">
-                <a16:creationId xmlns:a16="http://schemas.microsoft.com/office/drawing/2014/main" id="{2A8AA5BC-4F7A-4226-8F99-6D824B226A97}"/>
-              </a:ext>
-              <a:ext uri="{C183D7F6-B498-43B3-948B-1728B52AA6E4}">
-                <adec:decorative xmlns:adec="http://schemas.microsoft.com/office/drawing/2017/decorative" val="1"/>
-              </a:ext>
-            </a:extLst>
-          </p:cNvPr>
-          <p:cNvSpPr>
-            <a:spLocks noGrp="1" noRot="1" noChangeAspect="1" noMove="1" noResize="1" noEditPoints="1" noAdjustHandles="1" noChangeArrowheads="1" noChangeShapeType="1" noTextEdit="1"/>
-          </p:cNvSpPr>
-          <p:nvPr>
-            <p:extLst>
-              <p:ext uri="{386F3935-93C4-4BCD-93E2-E3B085C9AB24}">
-                <p16:designElem xmlns:p16="http://schemas.microsoft.com/office/powerpoint/2015/main" val="1"/>
-              </p:ext>
-            </p:extLst>
-          </p:nvPr>
-        </p:nvSpPr>
-        <p:spPr>
-          <a:xfrm>
-            <a:off x="0" y="-3324"/>
-            <a:ext cx="12188825" cy="6861324"/>
-          </a:xfrm>
-          <a:prstGeom prst="rect">
-            <a:avLst/>
-          </a:prstGeom>
-          <a:solidFill>
-            <a:schemeClr val="tx1"/>
-          </a:solidFill>
-          <a:ln>
-            <a:noFill/>
-          </a:ln>
-        </p:spPr>
-        <p:style>
-          <a:lnRef idx="2">
-            <a:schemeClr val="accent1">
-              <a:shade val="50000"/>
-            </a:schemeClr>
-          </a:lnRef>
-          <a:fillRef idx="1">
-            <a:schemeClr val="accent1"/>
-          </a:fillRef>
-          <a:effectRef idx="0">
-            <a:schemeClr val="accent1"/>
-          </a:effectRef>
-          <a:fontRef idx="minor">
-            <a:schemeClr val="lt1"/>
-          </a:fontRef>
-        </p:style>
-        <p:txBody>
-          <a:bodyPr rtlCol="0" anchor="ctr"/>
-          <a:lstStyle/>
-          <a:p>
-            <a:pPr algn="ctr"/>
-            <a:endParaRPr lang="en-US"/>
-          </a:p>
-        </p:txBody>
-      </p:sp>
-      <p:sp>
-        <p:nvSpPr>
-          <p:cNvPr id="9" name="Rectangle 8">
-            <a:extLst>
-              <a:ext uri="{FF2B5EF4-FFF2-40B4-BE49-F238E27FC236}">
-                <a16:creationId xmlns:a16="http://schemas.microsoft.com/office/drawing/2014/main" id="{3E5445C6-DD42-4979-86FF-03730E8C6DB0}"/>
+                <a16:creationId xmlns:a16="http://schemas.microsoft.com/office/drawing/2014/main" id="{823AC064-BC96-4F32-8AE1-B2FD38754823}"/>
               </a:ext>
               <a:ext uri="{C183D7F6-B498-43B3-948B-1728B52AA6E4}">
                 <adec:decorative xmlns:adec="http://schemas.microsoft.com/office/drawing/2017/decorative" val="1"/>
@@ -11291,24 +9907,18 @@
         </p:nvSpPr>
         <p:spPr bwMode="ltGray">
           <a:xfrm>
-            <a:off x="321650" y="321733"/>
-            <a:ext cx="11570474" cy="6214534"/>
+            <a:off x="377969" y="343486"/>
+            <a:ext cx="11435814" cy="1844256"/>
           </a:xfrm>
           <a:prstGeom prst="rect">
             <a:avLst/>
           </a:prstGeom>
           <a:solidFill>
-            <a:schemeClr val="bg1">
-              <a:lumMod val="75000"/>
-              <a:lumOff val="25000"/>
-            </a:schemeClr>
+            <a:srgbClr val="404040"/>
           </a:solidFill>
           <a:ln w="127000" cap="sq" cmpd="thinThick">
             <a:solidFill>
-              <a:schemeClr val="bg1">
-                <a:lumMod val="75000"/>
-                <a:lumOff val="25000"/>
-              </a:schemeClr>
+              <a:srgbClr val="404040"/>
             </a:solidFill>
           </a:ln>
         </p:spPr>
@@ -11332,17 +9942,46 @@
           <a:bodyPr rtlCol="0" anchor="ctr"/>
           <a:lstStyle/>
           <a:p>
-            <a:pPr algn="ctr"/>
-            <a:endParaRPr lang="en-US"/>
+            <a:pPr marL="0" marR="0" lvl="0" indent="0" algn="ctr" defTabSz="914400" rtl="0" eaLnBrk="1" fontAlgn="auto" latinLnBrk="0" hangingPunct="1">
+              <a:lnSpc>
+                <a:spcPct val="100000"/>
+              </a:lnSpc>
+              <a:spcBef>
+                <a:spcPts val="0"/>
+              </a:spcBef>
+              <a:spcAft>
+                <a:spcPts val="0"/>
+              </a:spcAft>
+              <a:buClrTx/>
+              <a:buSzTx/>
+              <a:buFontTx/>
+              <a:buNone/>
+              <a:tabLst/>
+              <a:defRPr/>
+            </a:pPr>
+            <a:endParaRPr kumimoji="0" lang="en-US" sz="1800" b="0" i="0" u="none" strike="noStrike" kern="1200" cap="none" spc="0" normalizeH="0" baseline="0" noProof="0">
+              <a:ln>
+                <a:noFill/>
+              </a:ln>
+              <a:solidFill>
+                <a:prstClr val="white"/>
+              </a:solidFill>
+              <a:effectLst/>
+              <a:uLnTx/>
+              <a:uFillTx/>
+              <a:latin typeface="Calibri" panose="020F0502020204030204"/>
+              <a:ea typeface="+mn-ea"/>
+              <a:cs typeface="+mn-cs"/>
+            </a:endParaRPr>
           </a:p>
         </p:txBody>
       </p:sp>
       <p:sp>
         <p:nvSpPr>
-          <p:cNvPr id="2" name="Título 1">
+          <p:cNvPr id="4" name="Título 3">
             <a:extLst>
               <a:ext uri="{FF2B5EF4-FFF2-40B4-BE49-F238E27FC236}">
-                <a16:creationId xmlns:a16="http://schemas.microsoft.com/office/drawing/2014/main" id="{3E7822C7-D95F-4F0E-8BB3-42F2DB10F516}"/>
+                <a16:creationId xmlns:a16="http://schemas.microsoft.com/office/drawing/2014/main" id="{86F12791-8973-4144-8708-3CB526908995}"/>
               </a:ext>
             </a:extLst>
           </p:cNvPr>
@@ -11355,8 +9994,8 @@
         </p:nvSpPr>
         <p:spPr>
           <a:xfrm>
-            <a:off x="1523603" y="1122362"/>
-            <a:ext cx="9141618" cy="2840037"/>
+            <a:off x="525936" y="466578"/>
+            <a:ext cx="11136952" cy="930447"/>
           </a:xfrm>
         </p:spPr>
         <p:txBody>
@@ -11367,25 +10006,25 @@
           <a:p>
             <a:pPr algn="ctr" defTabSz="914400"/>
             <a:r>
-              <a:rPr lang="en-US" sz="5700" kern="1200">
+              <a:rPr lang="en-US" sz="5300" kern="1200">
                 <a:solidFill>
-                  <a:schemeClr val="tx1"/>
+                  <a:srgbClr val="FFFFFF"/>
                 </a:solidFill>
                 <a:latin typeface="+mj-lt"/>
                 <a:ea typeface="+mj-ea"/>
                 <a:cs typeface="+mj-cs"/>
               </a:rPr>
-              <a:t>Na prática ....</a:t>
+              <a:t>Eu sei no que vocês estão pensando...</a:t>
             </a:r>
           </a:p>
         </p:txBody>
       </p:sp>
       <p:cxnSp>
         <p:nvCxnSpPr>
-          <p:cNvPr id="11" name="Straight Connector 10">
+          <p:cNvPr id="12" name="Straight Connector 11">
             <a:extLst>
               <a:ext uri="{FF2B5EF4-FFF2-40B4-BE49-F238E27FC236}">
-                <a16:creationId xmlns:a16="http://schemas.microsoft.com/office/drawing/2014/main" id="{45000665-DFC7-417E-8FD7-516A0F15C975}"/>
+                <a16:creationId xmlns:a16="http://schemas.microsoft.com/office/drawing/2014/main" id="{7E7C77BC-7138-40B1-A15B-20F57A494629}"/>
               </a:ext>
               <a:ext uri="{C183D7F6-B498-43B3-948B-1728B52AA6E4}">
                 <adec:decorative xmlns:adec="http://schemas.microsoft.com/office/drawing/2017/decorative" val="1"/>
@@ -11405,17 +10044,15 @@
         </p:nvCxnSpPr>
         <p:spPr>
           <a:xfrm>
-            <a:off x="4723169" y="4109417"/>
-            <a:ext cx="2742486" cy="0"/>
+            <a:off x="2209224" y="1448631"/>
+            <a:ext cx="7770376" cy="0"/>
           </a:xfrm>
           <a:prstGeom prst="line">
             <a:avLst/>
           </a:prstGeom>
-          <a:ln w="12700">
+          <a:ln w="22225">
             <a:solidFill>
-              <a:schemeClr val="tx1">
-                <a:lumMod val="85000"/>
-              </a:schemeClr>
+              <a:srgbClr val="D9D9D9"/>
             </a:solidFill>
           </a:ln>
         </p:spPr>
@@ -11434,6 +10071,397 @@
           </a:fontRef>
         </p:style>
       </p:cxnSp>
+      <p:pic>
+        <p:nvPicPr>
+          <p:cNvPr id="5" name="Imagem 4">
+            <a:extLst>
+              <a:ext uri="{FF2B5EF4-FFF2-40B4-BE49-F238E27FC236}">
+                <a16:creationId xmlns:a16="http://schemas.microsoft.com/office/drawing/2014/main" id="{DC1E3886-ED72-4F7C-B5E3-DB36C729AD19}"/>
+              </a:ext>
+            </a:extLst>
+          </p:cNvPr>
+          <p:cNvPicPr>
+            <a:picLocks noChangeAspect="1"/>
+          </p:cNvPicPr>
+          <p:nvPr/>
+        </p:nvPicPr>
+        <p:blipFill>
+          <a:blip r:embed="rId2"/>
+          <a:stretch>
+            <a:fillRect/>
+          </a:stretch>
+        </p:blipFill>
+        <p:spPr>
+          <a:xfrm>
+            <a:off x="319956" y="3316246"/>
+            <a:ext cx="11493827" cy="2384967"/>
+          </a:xfrm>
+          <a:prstGeom prst="rect">
+            <a:avLst/>
+          </a:prstGeom>
+        </p:spPr>
+      </p:pic>
+    </p:spTree>
+    <p:extLst>
+      <p:ext uri="{BB962C8B-B14F-4D97-AF65-F5344CB8AC3E}">
+        <p14:creationId xmlns:p14="http://schemas.microsoft.com/office/powerpoint/2010/main" val="3521784222"/>
+      </p:ext>
+    </p:extLst>
+  </p:cSld>
+  <p:clrMapOvr>
+    <a:masterClrMapping/>
+  </p:clrMapOvr>
+  <p:transition spd="slow">
+    <p:push dir="u"/>
+  </p:transition>
+</p:sld>
+</file>
+
+<file path=ppt/slides/slide13.xml><?xml version="1.0" encoding="utf-8"?>
+<p:sld xmlns:a="http://schemas.openxmlformats.org/drawingml/2006/main" xmlns:r="http://schemas.openxmlformats.org/officeDocument/2006/relationships" xmlns:p="http://schemas.openxmlformats.org/presentationml/2006/main">
+  <p:cSld>
+    <p:bg>
+      <p:bgPr>
+        <a:solidFill>
+          <a:schemeClr val="bg1"/>
+        </a:solidFill>
+        <a:effectLst/>
+      </p:bgPr>
+    </p:bg>
+    <p:spTree>
+      <p:nvGrpSpPr>
+        <p:cNvPr id="1" name=""/>
+        <p:cNvGrpSpPr/>
+        <p:nvPr/>
+      </p:nvGrpSpPr>
+      <p:grpSpPr>
+        <a:xfrm>
+          <a:off x="0" y="0"/>
+          <a:ext cx="0" cy="0"/>
+          <a:chOff x="0" y="0"/>
+          <a:chExt cx="0" cy="0"/>
+        </a:xfrm>
+      </p:grpSpPr>
+      <p:sp>
+        <p:nvSpPr>
+          <p:cNvPr id="1028" name="Rectangle 70">
+            <a:extLst>
+              <a:ext uri="{FF2B5EF4-FFF2-40B4-BE49-F238E27FC236}">
+                <a16:creationId xmlns:a16="http://schemas.microsoft.com/office/drawing/2014/main" id="{0700D48D-C9AA-4000-A912-29A4FEA98A9F}"/>
+              </a:ext>
+              <a:ext uri="{C183D7F6-B498-43B3-948B-1728B52AA6E4}">
+                <adec:decorative xmlns:adec="http://schemas.microsoft.com/office/drawing/2017/decorative" val="1"/>
+              </a:ext>
+            </a:extLst>
+          </p:cNvPr>
+          <p:cNvSpPr>
+            <a:spLocks noGrp="1" noRot="1" noChangeAspect="1" noMove="1" noResize="1" noEditPoints="1" noAdjustHandles="1" noChangeArrowheads="1" noChangeShapeType="1" noTextEdit="1"/>
+          </p:cNvSpPr>
+          <p:nvPr>
+            <p:extLst>
+              <p:ext uri="{386F3935-93C4-4BCD-93E2-E3B085C9AB24}">
+                <p16:designElem xmlns:p16="http://schemas.microsoft.com/office/powerpoint/2015/main" val="1"/>
+              </p:ext>
+            </p:extLst>
+          </p:nvPr>
+        </p:nvSpPr>
+        <p:spPr bwMode="ltGray">
+          <a:xfrm>
+            <a:off x="375040" y="394887"/>
+            <a:ext cx="5719372" cy="6068226"/>
+          </a:xfrm>
+          <a:prstGeom prst="rect">
+            <a:avLst/>
+          </a:prstGeom>
+          <a:solidFill>
+            <a:srgbClr val="404040"/>
+          </a:solidFill>
+          <a:ln w="127000" cap="sq" cmpd="thinThick">
+            <a:solidFill>
+              <a:srgbClr val="404040"/>
+            </a:solidFill>
+          </a:ln>
+        </p:spPr>
+        <p:style>
+          <a:lnRef idx="2">
+            <a:schemeClr val="accent1">
+              <a:shade val="50000"/>
+            </a:schemeClr>
+          </a:lnRef>
+          <a:fillRef idx="1">
+            <a:schemeClr val="accent1"/>
+          </a:fillRef>
+          <a:effectRef idx="0">
+            <a:schemeClr val="accent1"/>
+          </a:effectRef>
+          <a:fontRef idx="minor">
+            <a:schemeClr val="lt1"/>
+          </a:fontRef>
+        </p:style>
+        <p:txBody>
+          <a:bodyPr rtlCol="0" anchor="ctr"/>
+          <a:lstStyle/>
+          <a:p>
+            <a:pPr marL="0" marR="0" lvl="0" indent="0" algn="ctr" defTabSz="914400" rtl="0" eaLnBrk="1" fontAlgn="auto" latinLnBrk="0" hangingPunct="1">
+              <a:lnSpc>
+                <a:spcPct val="100000"/>
+              </a:lnSpc>
+              <a:spcBef>
+                <a:spcPts val="0"/>
+              </a:spcBef>
+              <a:spcAft>
+                <a:spcPts val="0"/>
+              </a:spcAft>
+              <a:buClrTx/>
+              <a:buSzTx/>
+              <a:buFontTx/>
+              <a:buNone/>
+              <a:tabLst/>
+              <a:defRPr/>
+            </a:pPr>
+            <a:endParaRPr kumimoji="0" lang="en-US" sz="1800" b="0" i="0" u="none" strike="noStrike" kern="1200" cap="none" spc="0" normalizeH="0" baseline="0" noProof="0">
+              <a:ln>
+                <a:noFill/>
+              </a:ln>
+              <a:solidFill>
+                <a:prstClr val="white"/>
+              </a:solidFill>
+              <a:effectLst/>
+              <a:uLnTx/>
+              <a:uFillTx/>
+              <a:latin typeface="Calibri" panose="020F0502020204030204"/>
+              <a:ea typeface="+mn-ea"/>
+              <a:cs typeface="+mn-cs"/>
+            </a:endParaRPr>
+          </a:p>
+        </p:txBody>
+      </p:sp>
+      <p:sp>
+        <p:nvSpPr>
+          <p:cNvPr id="2" name="Título 1">
+            <a:extLst>
+              <a:ext uri="{FF2B5EF4-FFF2-40B4-BE49-F238E27FC236}">
+                <a16:creationId xmlns:a16="http://schemas.microsoft.com/office/drawing/2014/main" id="{3E7822C7-D95F-4F0E-8BB3-42F2DB10F516}"/>
+              </a:ext>
+            </a:extLst>
+          </p:cNvPr>
+          <p:cNvSpPr>
+            <a:spLocks noGrp="1"/>
+          </p:cNvSpPr>
+          <p:nvPr>
+            <p:ph type="title"/>
+          </p:nvPr>
+        </p:nvSpPr>
+        <p:spPr>
+          <a:xfrm>
+            <a:off x="1018338" y="1053042"/>
+            <a:ext cx="4457263" cy="3068357"/>
+          </a:xfrm>
+        </p:spPr>
+        <p:txBody>
+          <a:bodyPr vert="horz" lIns="91440" tIns="45720" rIns="91440" bIns="45720" rtlCol="0" anchor="b">
+            <a:normAutofit/>
+          </a:bodyPr>
+          <a:lstStyle/>
+          <a:p>
+            <a:pPr defTabSz="914400"/>
+            <a:r>
+              <a:rPr lang="en-US" sz="6000">
+                <a:solidFill>
+                  <a:srgbClr val="FFFFFF"/>
+                </a:solidFill>
+              </a:rPr>
+              <a:t>Na prática ....</a:t>
+            </a:r>
+          </a:p>
+        </p:txBody>
+      </p:sp>
+      <p:pic>
+        <p:nvPicPr>
+          <p:cNvPr id="6" name="Imagem 5">
+            <a:extLst>
+              <a:ext uri="{FF2B5EF4-FFF2-40B4-BE49-F238E27FC236}">
+                <a16:creationId xmlns:a16="http://schemas.microsoft.com/office/drawing/2014/main" id="{419D4B83-C5EB-4117-A421-0A563A0CDFB2}"/>
+              </a:ext>
+            </a:extLst>
+          </p:cNvPr>
+          <p:cNvPicPr>
+            <a:picLocks noChangeAspect="1"/>
+          </p:cNvPicPr>
+          <p:nvPr/>
+        </p:nvPicPr>
+        <p:blipFill rotWithShape="1">
+          <a:blip r:embed="rId2">
+            <a:extLst>
+              <a:ext uri="{28A0092B-C50C-407E-A947-70E740481C1C}">
+                <a14:useLocalDpi xmlns:a14="http://schemas.microsoft.com/office/drawing/2010/main" val="0"/>
+              </a:ext>
+            </a:extLst>
+          </a:blip>
+          <a:srcRect l="8772" t="39877" r="8772" b="39070"/>
+          <a:stretch/>
+        </p:blipFill>
+        <p:spPr>
+          <a:xfrm>
+            <a:off x="6477541" y="1198553"/>
+            <a:ext cx="5388690" cy="1031895"/>
+          </a:xfrm>
+          <a:prstGeom prst="rect">
+            <a:avLst/>
+          </a:prstGeom>
+        </p:spPr>
+      </p:pic>
+      <p:cxnSp>
+        <p:nvCxnSpPr>
+          <p:cNvPr id="1029" name="Straight Connector 72">
+            <a:extLst>
+              <a:ext uri="{FF2B5EF4-FFF2-40B4-BE49-F238E27FC236}">
+                <a16:creationId xmlns:a16="http://schemas.microsoft.com/office/drawing/2014/main" id="{805E69BC-D844-4AB5-9E35-ED458EE29655}"/>
+              </a:ext>
+              <a:ext uri="{C183D7F6-B498-43B3-948B-1728B52AA6E4}">
+                <adec:decorative xmlns:adec="http://schemas.microsoft.com/office/drawing/2017/decorative" val="1"/>
+              </a:ext>
+            </a:extLst>
+          </p:cNvPr>
+          <p:cNvCxnSpPr>
+            <a:cxnSpLocks noGrp="1" noRot="1" noChangeAspect="1" noMove="1" noResize="1" noEditPoints="1" noAdjustHandles="1" noChangeArrowheads="1" noChangeShapeType="1"/>
+          </p:cNvCxnSpPr>
+          <p:nvPr>
+            <p:extLst>
+              <p:ext uri="{386F3935-93C4-4BCD-93E2-E3B085C9AB24}">
+                <p16:designElem xmlns:p16="http://schemas.microsoft.com/office/powerpoint/2015/main" val="1"/>
+              </p:ext>
+            </p:extLst>
+          </p:nvPr>
+        </p:nvCxnSpPr>
+        <p:spPr>
+          <a:xfrm rot="16200000">
+            <a:off x="9181786" y="1874925"/>
+            <a:ext cx="0" cy="3108150"/>
+          </a:xfrm>
+          <a:prstGeom prst="line">
+            <a:avLst/>
+          </a:prstGeom>
+          <a:ln w="101600" cmpd="dbl">
+            <a:solidFill>
+              <a:srgbClr val="595959"/>
+            </a:solidFill>
+          </a:ln>
+        </p:spPr>
+        <p:style>
+          <a:lnRef idx="1">
+            <a:schemeClr val="accent1"/>
+          </a:lnRef>
+          <a:fillRef idx="0">
+            <a:schemeClr val="accent1"/>
+          </a:fillRef>
+          <a:effectRef idx="0">
+            <a:schemeClr val="accent1"/>
+          </a:effectRef>
+          <a:fontRef idx="minor">
+            <a:schemeClr val="tx1"/>
+          </a:fontRef>
+        </p:style>
+      </p:cxnSp>
+      <p:cxnSp>
+        <p:nvCxnSpPr>
+          <p:cNvPr id="1030" name="Straight Connector 74">
+            <a:extLst>
+              <a:ext uri="{FF2B5EF4-FFF2-40B4-BE49-F238E27FC236}">
+                <a16:creationId xmlns:a16="http://schemas.microsoft.com/office/drawing/2014/main" id="{4312C673-8179-457E-AD2A-D1FAE4CC961A}"/>
+              </a:ext>
+              <a:ext uri="{C183D7F6-B498-43B3-948B-1728B52AA6E4}">
+                <adec:decorative xmlns:adec="http://schemas.microsoft.com/office/drawing/2017/decorative" val="1"/>
+              </a:ext>
+            </a:extLst>
+          </p:cNvPr>
+          <p:cNvCxnSpPr>
+            <a:cxnSpLocks noGrp="1" noRot="1" noChangeAspect="1" noMove="1" noResize="1" noEditPoints="1" noAdjustHandles="1" noChangeArrowheads="1" noChangeShapeType="1"/>
+          </p:cNvCxnSpPr>
+          <p:nvPr>
+            <p:extLst>
+              <p:ext uri="{386F3935-93C4-4BCD-93E2-E3B085C9AB24}">
+                <p16:designElem xmlns:p16="http://schemas.microsoft.com/office/powerpoint/2015/main" val="1"/>
+              </p:ext>
+            </p:extLst>
+          </p:nvPr>
+        </p:nvCxnSpPr>
+        <p:spPr>
+          <a:xfrm>
+            <a:off x="1113718" y="4201833"/>
+            <a:ext cx="3399540" cy="0"/>
+          </a:xfrm>
+          <a:prstGeom prst="line">
+            <a:avLst/>
+          </a:prstGeom>
+          <a:ln w="22225">
+            <a:solidFill>
+              <a:srgbClr val="D9D9D9"/>
+            </a:solidFill>
+          </a:ln>
+        </p:spPr>
+        <p:style>
+          <a:lnRef idx="1">
+            <a:schemeClr val="accent1"/>
+          </a:lnRef>
+          <a:fillRef idx="0">
+            <a:schemeClr val="accent1"/>
+          </a:fillRef>
+          <a:effectRef idx="0">
+            <a:schemeClr val="accent1"/>
+          </a:effectRef>
+          <a:fontRef idx="minor">
+            <a:schemeClr val="tx1"/>
+          </a:fontRef>
+        </p:style>
+      </p:cxnSp>
+      <p:pic>
+        <p:nvPicPr>
+          <p:cNvPr id="1026" name="Picture 2" descr="Resultado de imagem para Windows forms C# logo">
+            <a:extLst>
+              <a:ext uri="{FF2B5EF4-FFF2-40B4-BE49-F238E27FC236}">
+                <a16:creationId xmlns:a16="http://schemas.microsoft.com/office/drawing/2014/main" id="{9B975771-9793-42D9-8C31-D15CA2A04850}"/>
+              </a:ext>
+            </a:extLst>
+          </p:cNvPr>
+          <p:cNvPicPr>
+            <a:picLocks noChangeAspect="1" noChangeArrowheads="1"/>
+          </p:cNvPicPr>
+          <p:nvPr/>
+        </p:nvPicPr>
+        <p:blipFill>
+          <a:blip r:embed="rId3" cstate="print">
+            <a:extLst>
+              <a:ext uri="{28A0092B-C50C-407E-A947-70E740481C1C}">
+                <a14:useLocalDpi xmlns:a14="http://schemas.microsoft.com/office/drawing/2010/main" val="0"/>
+              </a:ext>
+            </a:extLst>
+          </a:blip>
+          <a:srcRect/>
+          <a:stretch>
+            <a:fillRect/>
+          </a:stretch>
+        </p:blipFill>
+        <p:spPr bwMode="auto">
+          <a:xfrm>
+            <a:off x="7425132" y="3750733"/>
+            <a:ext cx="3493508" cy="2794807"/>
+          </a:xfrm>
+          <a:prstGeom prst="rect">
+            <a:avLst/>
+          </a:prstGeom>
+          <a:noFill/>
+          <a:extLst>
+            <a:ext uri="{909E8E84-426E-40DD-AFC4-6F175D3DCCD1}">
+              <a14:hiddenFill xmlns:a14="http://schemas.microsoft.com/office/drawing/2010/main">
+                <a:solidFill>
+                  <a:srgbClr val="FFFFFF"/>
+                </a:solidFill>
+              </a14:hiddenFill>
+            </a:ext>
+          </a:extLst>
+        </p:spPr>
+      </p:pic>
     </p:spTree>
     <p:extLst>
       <p:ext uri="{BB962C8B-B14F-4D97-AF65-F5344CB8AC3E}">
@@ -11442,24 +10470,15 @@
     </p:extLst>
   </p:cSld>
   <p:clrMapOvr>
-    <a:overrideClrMapping bg1="dk1" tx1="lt1" bg2="dk2" tx2="lt2" accent1="accent1" accent2="accent2" accent3="accent3" accent4="accent4" accent5="accent5" accent6="accent6" hlink="hlink" folHlink="folHlink"/>
+    <a:masterClrMapping/>
   </p:clrMapOvr>
-  <mc:AlternateContent xmlns:mc="http://schemas.openxmlformats.org/markup-compatibility/2006" xmlns:p14="http://schemas.microsoft.com/office/powerpoint/2010/main">
-    <mc:Choice Requires="p14">
-      <p:transition spd="med" p14:dur="700">
-        <p:fade/>
-      </p:transition>
-    </mc:Choice>
-    <mc:Fallback xmlns="">
-      <p:transition spd="med">
-        <p:fade/>
-      </p:transition>
-    </mc:Fallback>
-  </mc:AlternateContent>
+  <p:transition spd="slow">
+    <p:push dir="u"/>
+  </p:transition>
 </p:sld>
 </file>
 
-<file path=ppt/slides/slide7.xml><?xml version="1.0" encoding="utf-8"?>
+<file path=ppt/slides/slide14.xml><?xml version="1.0" encoding="utf-8"?>
 <p:sld xmlns:a="http://schemas.openxmlformats.org/drawingml/2006/main" xmlns:r="http://schemas.openxmlformats.org/officeDocument/2006/relationships" xmlns:p="http://schemas.openxmlformats.org/presentationml/2006/main">
   <p:cSld>
     <p:bg>
@@ -11806,14 +10825,14 @@
   <p:clrMapOvr>
     <a:overrideClrMapping bg1="dk1" tx1="lt1" bg2="dk2" tx2="lt2" accent1="accent1" accent2="accent2" accent3="accent3" accent4="accent4" accent5="accent5" accent6="accent6" hlink="hlink" folHlink="folHlink"/>
   </p:clrMapOvr>
-  <mc:AlternateContent xmlns:mc="http://schemas.openxmlformats.org/markup-compatibility/2006" xmlns:p14="http://schemas.microsoft.com/office/powerpoint/2010/main">
-    <mc:Choice Requires="p14">
-      <p:transition spd="med" p14:dur="700">
-        <p:fade/>
+  <mc:AlternateContent xmlns:mc="http://schemas.openxmlformats.org/markup-compatibility/2006" xmlns:p15="http://schemas.microsoft.com/office/powerpoint/2012/main">
+    <mc:Choice Requires="p15">
+      <p:transition xmlns:p14="http://schemas.microsoft.com/office/powerpoint/2010/main" spd="slow" p14:dur="2000">
+        <p15:prstTrans prst="fallOver"/>
       </p:transition>
     </mc:Choice>
     <mc:Fallback xmlns="">
-      <p:transition spd="med">
+      <p:transition spd="slow">
         <p:fade/>
       </p:transition>
     </mc:Fallback>
@@ -11821,7 +10840,624 @@
 </p:sld>
 </file>
 
-<file path=ppt/slides/slide8.xml><?xml version="1.0" encoding="utf-8"?>
+<file path=ppt/slides/slide15.xml><?xml version="1.0" encoding="utf-8"?>
+<p:sld xmlns:a="http://schemas.openxmlformats.org/drawingml/2006/main" xmlns:r="http://schemas.openxmlformats.org/officeDocument/2006/relationships" xmlns:p="http://schemas.openxmlformats.org/presentationml/2006/main">
+  <p:cSld>
+    <p:spTree>
+      <p:nvGrpSpPr>
+        <p:cNvPr id="1" name=""/>
+        <p:cNvGrpSpPr/>
+        <p:nvPr/>
+      </p:nvGrpSpPr>
+      <p:grpSpPr>
+        <a:xfrm>
+          <a:off x="0" y="0"/>
+          <a:ext cx="0" cy="0"/>
+          <a:chOff x="0" y="0"/>
+          <a:chExt cx="0" cy="0"/>
+        </a:xfrm>
+      </p:grpSpPr>
+      <p:sp>
+        <p:nvSpPr>
+          <p:cNvPr id="5" name="CaixaDeTexto 4">
+            <a:extLst>
+              <a:ext uri="{FF2B5EF4-FFF2-40B4-BE49-F238E27FC236}">
+                <a16:creationId xmlns:a16="http://schemas.microsoft.com/office/drawing/2014/main" id="{4572A95B-9AD2-4A44-9D65-C199D5DA0415}"/>
+              </a:ext>
+            </a:extLst>
+          </p:cNvPr>
+          <p:cNvSpPr txBox="1"/>
+          <p:nvPr/>
+        </p:nvSpPr>
+        <p:spPr>
+          <a:xfrm>
+            <a:off x="150812" y="578417"/>
+            <a:ext cx="11637673" cy="707886"/>
+          </a:xfrm>
+          <a:prstGeom prst="rect">
+            <a:avLst/>
+          </a:prstGeom>
+          <a:noFill/>
+        </p:spPr>
+        <p:txBody>
+          <a:bodyPr wrap="none" rtlCol="0">
+            <a:spAutoFit/>
+          </a:bodyPr>
+          <a:lstStyle/>
+          <a:p>
+            <a:r>
+              <a:rPr lang="pt-BR" sz="4000" dirty="0"/>
+              <a:t>Aluno tem idade suficiente para se inscrever na turma?</a:t>
+            </a:r>
+          </a:p>
+        </p:txBody>
+      </p:sp>
+      <p:sp>
+        <p:nvSpPr>
+          <p:cNvPr id="6" name="CaixaDeTexto 5">
+            <a:extLst>
+              <a:ext uri="{FF2B5EF4-FFF2-40B4-BE49-F238E27FC236}">
+                <a16:creationId xmlns:a16="http://schemas.microsoft.com/office/drawing/2014/main" id="{5794C95B-FE5F-4BE3-A70B-B12362BAD0AD}"/>
+              </a:ext>
+            </a:extLst>
+          </p:cNvPr>
+          <p:cNvSpPr txBox="1"/>
+          <p:nvPr/>
+        </p:nvSpPr>
+        <p:spPr>
+          <a:xfrm>
+            <a:off x="150812" y="1548242"/>
+            <a:ext cx="9081782" cy="707886"/>
+          </a:xfrm>
+          <a:prstGeom prst="rect">
+            <a:avLst/>
+          </a:prstGeom>
+          <a:noFill/>
+        </p:spPr>
+        <p:txBody>
+          <a:bodyPr wrap="none" rtlCol="0">
+            <a:spAutoFit/>
+          </a:bodyPr>
+          <a:lstStyle/>
+          <a:p>
+            <a:r>
+              <a:rPr lang="pt-BR" sz="4000" dirty="0"/>
+              <a:t>A turma está aberta para novas inscrições?</a:t>
+            </a:r>
+          </a:p>
+        </p:txBody>
+      </p:sp>
+      <p:sp>
+        <p:nvSpPr>
+          <p:cNvPr id="7" name="CaixaDeTexto 6">
+            <a:extLst>
+              <a:ext uri="{FF2B5EF4-FFF2-40B4-BE49-F238E27FC236}">
+                <a16:creationId xmlns:a16="http://schemas.microsoft.com/office/drawing/2014/main" id="{8F0749D9-C8C4-401C-AA53-76491A9AFBD0}"/>
+              </a:ext>
+            </a:extLst>
+          </p:cNvPr>
+          <p:cNvSpPr txBox="1"/>
+          <p:nvPr/>
+        </p:nvSpPr>
+        <p:spPr>
+          <a:xfrm>
+            <a:off x="150813" y="2534132"/>
+            <a:ext cx="11430000" cy="1323439"/>
+          </a:xfrm>
+          <a:prstGeom prst="rect">
+            <a:avLst/>
+          </a:prstGeom>
+          <a:noFill/>
+        </p:spPr>
+        <p:txBody>
+          <a:bodyPr wrap="square" rtlCol="0">
+            <a:spAutoFit/>
+          </a:bodyPr>
+          <a:lstStyle/>
+          <a:p>
+            <a:r>
+              <a:rPr lang="pt-BR" sz="4000" dirty="0"/>
+              <a:t>Aluno não pode ter nenhum débito aberto de outras inscrições</a:t>
+            </a:r>
+          </a:p>
+        </p:txBody>
+      </p:sp>
+      <p:sp>
+        <p:nvSpPr>
+          <p:cNvPr id="8" name="CaixaDeTexto 7">
+            <a:extLst>
+              <a:ext uri="{FF2B5EF4-FFF2-40B4-BE49-F238E27FC236}">
+                <a16:creationId xmlns:a16="http://schemas.microsoft.com/office/drawing/2014/main" id="{53128CD7-840E-4886-9E0E-9140F9A2DB15}"/>
+              </a:ext>
+            </a:extLst>
+          </p:cNvPr>
+          <p:cNvSpPr txBox="1"/>
+          <p:nvPr/>
+        </p:nvSpPr>
+        <p:spPr>
+          <a:xfrm>
+            <a:off x="150812" y="4135575"/>
+            <a:ext cx="6076792" cy="707886"/>
+          </a:xfrm>
+          <a:prstGeom prst="rect">
+            <a:avLst/>
+          </a:prstGeom>
+          <a:noFill/>
+        </p:spPr>
+        <p:txBody>
+          <a:bodyPr wrap="none" rtlCol="0">
+            <a:spAutoFit/>
+          </a:bodyPr>
+          <a:lstStyle/>
+          <a:p>
+            <a:r>
+              <a:rPr lang="pt-BR" sz="4000" dirty="0"/>
+              <a:t>Enviar e-mail de boas vindas</a:t>
+            </a:r>
+          </a:p>
+        </p:txBody>
+      </p:sp>
+      <p:sp>
+        <p:nvSpPr>
+          <p:cNvPr id="9" name="CaixaDeTexto 8">
+            <a:extLst>
+              <a:ext uri="{FF2B5EF4-FFF2-40B4-BE49-F238E27FC236}">
+                <a16:creationId xmlns:a16="http://schemas.microsoft.com/office/drawing/2014/main" id="{E0C67EC4-BB71-4B54-A749-6916566AA66C}"/>
+              </a:ext>
+            </a:extLst>
+          </p:cNvPr>
+          <p:cNvSpPr txBox="1"/>
+          <p:nvPr/>
+        </p:nvSpPr>
+        <p:spPr>
+          <a:xfrm>
+            <a:off x="150813" y="5105400"/>
+            <a:ext cx="11734800" cy="1323439"/>
+          </a:xfrm>
+          <a:prstGeom prst="rect">
+            <a:avLst/>
+          </a:prstGeom>
+          <a:noFill/>
+        </p:spPr>
+        <p:txBody>
+          <a:bodyPr wrap="square" rtlCol="0">
+            <a:spAutoFit/>
+          </a:bodyPr>
+          <a:lstStyle/>
+          <a:p>
+            <a:r>
+              <a:rPr lang="pt-BR" sz="4000" dirty="0"/>
+              <a:t>Gerar as dividas referente ao período de contrato da inscrição</a:t>
+            </a:r>
+          </a:p>
+        </p:txBody>
+      </p:sp>
+    </p:spTree>
+    <p:extLst>
+      <p:ext uri="{BB962C8B-B14F-4D97-AF65-F5344CB8AC3E}">
+        <p14:creationId xmlns:p14="http://schemas.microsoft.com/office/powerpoint/2010/main" val="3353249223"/>
+      </p:ext>
+    </p:extLst>
+  </p:cSld>
+  <p:clrMapOvr>
+    <a:masterClrMapping/>
+  </p:clrMapOvr>
+  <mc:AlternateContent xmlns:mc="http://schemas.openxmlformats.org/markup-compatibility/2006" xmlns:p159="http://schemas.microsoft.com/office/powerpoint/2015/09/main">
+    <mc:Choice Requires="p159">
+      <p:transition xmlns:p14="http://schemas.microsoft.com/office/powerpoint/2010/main" spd="slow" p14:dur="2000">
+        <p159:morph option="byObject"/>
+      </p:transition>
+    </mc:Choice>
+    <mc:Fallback xmlns="">
+      <p:transition spd="slow">
+        <p:fade/>
+      </p:transition>
+    </mc:Fallback>
+  </mc:AlternateContent>
+  <p:timing>
+    <p:tnLst>
+      <p:par>
+        <p:cTn id="1" dur="indefinite" restart="never" nodeType="tmRoot">
+          <p:childTnLst>
+            <p:seq concurrent="1" nextAc="seek">
+              <p:cTn id="2" dur="indefinite" nodeType="mainSeq">
+                <p:childTnLst>
+                  <p:par>
+                    <p:cTn id="3" fill="hold">
+                      <p:stCondLst>
+                        <p:cond delay="indefinite"/>
+                      </p:stCondLst>
+                      <p:childTnLst>
+                        <p:par>
+                          <p:cTn id="4" fill="hold">
+                            <p:stCondLst>
+                              <p:cond delay="0"/>
+                            </p:stCondLst>
+                            <p:childTnLst>
+                              <p:par>
+                                <p:cTn id="5" presetID="2" presetClass="entr" presetSubtype="8" fill="hold" grpId="0" nodeType="clickEffect">
+                                  <p:stCondLst>
+                                    <p:cond delay="0"/>
+                                  </p:stCondLst>
+                                  <p:childTnLst>
+                                    <p:set>
+                                      <p:cBhvr>
+                                        <p:cTn id="6" dur="1" fill="hold">
+                                          <p:stCondLst>
+                                            <p:cond delay="0"/>
+                                          </p:stCondLst>
+                                        </p:cTn>
+                                        <p:tgtEl>
+                                          <p:spTgt spid="6"/>
+                                        </p:tgtEl>
+                                        <p:attrNameLst>
+                                          <p:attrName>style.visibility</p:attrName>
+                                        </p:attrNameLst>
+                                      </p:cBhvr>
+                                      <p:to>
+                                        <p:strVal val="visible"/>
+                                      </p:to>
+                                    </p:set>
+                                    <p:anim calcmode="lin" valueType="num">
+                                      <p:cBhvr additive="base">
+                                        <p:cTn id="7" dur="500" fill="hold"/>
+                                        <p:tgtEl>
+                                          <p:spTgt spid="6"/>
+                                        </p:tgtEl>
+                                        <p:attrNameLst>
+                                          <p:attrName>ppt_x</p:attrName>
+                                        </p:attrNameLst>
+                                      </p:cBhvr>
+                                      <p:tavLst>
+                                        <p:tav tm="0">
+                                          <p:val>
+                                            <p:strVal val="0-#ppt_w/2"/>
+                                          </p:val>
+                                        </p:tav>
+                                        <p:tav tm="100000">
+                                          <p:val>
+                                            <p:strVal val="#ppt_x"/>
+                                          </p:val>
+                                        </p:tav>
+                                      </p:tavLst>
+                                    </p:anim>
+                                    <p:anim calcmode="lin" valueType="num">
+                                      <p:cBhvr additive="base">
+                                        <p:cTn id="8" dur="500" fill="hold"/>
+                                        <p:tgtEl>
+                                          <p:spTgt spid="6"/>
+                                        </p:tgtEl>
+                                        <p:attrNameLst>
+                                          <p:attrName>ppt_y</p:attrName>
+                                        </p:attrNameLst>
+                                      </p:cBhvr>
+                                      <p:tavLst>
+                                        <p:tav tm="0">
+                                          <p:val>
+                                            <p:strVal val="#ppt_y"/>
+                                          </p:val>
+                                        </p:tav>
+                                        <p:tav tm="100000">
+                                          <p:val>
+                                            <p:strVal val="#ppt_y"/>
+                                          </p:val>
+                                        </p:tav>
+                                      </p:tavLst>
+                                    </p:anim>
+                                  </p:childTnLst>
+                                </p:cTn>
+                              </p:par>
+                            </p:childTnLst>
+                          </p:cTn>
+                        </p:par>
+                      </p:childTnLst>
+                    </p:cTn>
+                  </p:par>
+                  <p:par>
+                    <p:cTn id="9" fill="hold">
+                      <p:stCondLst>
+                        <p:cond delay="indefinite"/>
+                      </p:stCondLst>
+                      <p:childTnLst>
+                        <p:par>
+                          <p:cTn id="10" fill="hold">
+                            <p:stCondLst>
+                              <p:cond delay="0"/>
+                            </p:stCondLst>
+                            <p:childTnLst>
+                              <p:par>
+                                <p:cTn id="11" presetID="2" presetClass="entr" presetSubtype="8" fill="hold" grpId="0" nodeType="clickEffect">
+                                  <p:stCondLst>
+                                    <p:cond delay="0"/>
+                                  </p:stCondLst>
+                                  <p:childTnLst>
+                                    <p:set>
+                                      <p:cBhvr>
+                                        <p:cTn id="12" dur="1" fill="hold">
+                                          <p:stCondLst>
+                                            <p:cond delay="0"/>
+                                          </p:stCondLst>
+                                        </p:cTn>
+                                        <p:tgtEl>
+                                          <p:spTgt spid="7"/>
+                                        </p:tgtEl>
+                                        <p:attrNameLst>
+                                          <p:attrName>style.visibility</p:attrName>
+                                        </p:attrNameLst>
+                                      </p:cBhvr>
+                                      <p:to>
+                                        <p:strVal val="visible"/>
+                                      </p:to>
+                                    </p:set>
+                                    <p:anim calcmode="lin" valueType="num">
+                                      <p:cBhvr additive="base">
+                                        <p:cTn id="13" dur="500" fill="hold"/>
+                                        <p:tgtEl>
+                                          <p:spTgt spid="7"/>
+                                        </p:tgtEl>
+                                        <p:attrNameLst>
+                                          <p:attrName>ppt_x</p:attrName>
+                                        </p:attrNameLst>
+                                      </p:cBhvr>
+                                      <p:tavLst>
+                                        <p:tav tm="0">
+                                          <p:val>
+                                            <p:strVal val="0-#ppt_w/2"/>
+                                          </p:val>
+                                        </p:tav>
+                                        <p:tav tm="100000">
+                                          <p:val>
+                                            <p:strVal val="#ppt_x"/>
+                                          </p:val>
+                                        </p:tav>
+                                      </p:tavLst>
+                                    </p:anim>
+                                    <p:anim calcmode="lin" valueType="num">
+                                      <p:cBhvr additive="base">
+                                        <p:cTn id="14" dur="500" fill="hold"/>
+                                        <p:tgtEl>
+                                          <p:spTgt spid="7"/>
+                                        </p:tgtEl>
+                                        <p:attrNameLst>
+                                          <p:attrName>ppt_y</p:attrName>
+                                        </p:attrNameLst>
+                                      </p:cBhvr>
+                                      <p:tavLst>
+                                        <p:tav tm="0">
+                                          <p:val>
+                                            <p:strVal val="#ppt_y"/>
+                                          </p:val>
+                                        </p:tav>
+                                        <p:tav tm="100000">
+                                          <p:val>
+                                            <p:strVal val="#ppt_y"/>
+                                          </p:val>
+                                        </p:tav>
+                                      </p:tavLst>
+                                    </p:anim>
+                                  </p:childTnLst>
+                                </p:cTn>
+                              </p:par>
+                            </p:childTnLst>
+                          </p:cTn>
+                        </p:par>
+                      </p:childTnLst>
+                    </p:cTn>
+                  </p:par>
+                  <p:par>
+                    <p:cTn id="15" fill="hold">
+                      <p:stCondLst>
+                        <p:cond delay="indefinite"/>
+                      </p:stCondLst>
+                      <p:childTnLst>
+                        <p:par>
+                          <p:cTn id="16" fill="hold">
+                            <p:stCondLst>
+                              <p:cond delay="0"/>
+                            </p:stCondLst>
+                            <p:childTnLst>
+                              <p:par>
+                                <p:cTn id="17" presetID="2" presetClass="entr" presetSubtype="8" fill="hold" grpId="0" nodeType="clickEffect">
+                                  <p:stCondLst>
+                                    <p:cond delay="0"/>
+                                  </p:stCondLst>
+                                  <p:childTnLst>
+                                    <p:set>
+                                      <p:cBhvr>
+                                        <p:cTn id="18" dur="1" fill="hold">
+                                          <p:stCondLst>
+                                            <p:cond delay="0"/>
+                                          </p:stCondLst>
+                                        </p:cTn>
+                                        <p:tgtEl>
+                                          <p:spTgt spid="8"/>
+                                        </p:tgtEl>
+                                        <p:attrNameLst>
+                                          <p:attrName>style.visibility</p:attrName>
+                                        </p:attrNameLst>
+                                      </p:cBhvr>
+                                      <p:to>
+                                        <p:strVal val="visible"/>
+                                      </p:to>
+                                    </p:set>
+                                    <p:anim calcmode="lin" valueType="num">
+                                      <p:cBhvr additive="base">
+                                        <p:cTn id="19" dur="500" fill="hold"/>
+                                        <p:tgtEl>
+                                          <p:spTgt spid="8"/>
+                                        </p:tgtEl>
+                                        <p:attrNameLst>
+                                          <p:attrName>ppt_x</p:attrName>
+                                        </p:attrNameLst>
+                                      </p:cBhvr>
+                                      <p:tavLst>
+                                        <p:tav tm="0">
+                                          <p:val>
+                                            <p:strVal val="0-#ppt_w/2"/>
+                                          </p:val>
+                                        </p:tav>
+                                        <p:tav tm="100000">
+                                          <p:val>
+                                            <p:strVal val="#ppt_x"/>
+                                          </p:val>
+                                        </p:tav>
+                                      </p:tavLst>
+                                    </p:anim>
+                                    <p:anim calcmode="lin" valueType="num">
+                                      <p:cBhvr additive="base">
+                                        <p:cTn id="20" dur="500" fill="hold"/>
+                                        <p:tgtEl>
+                                          <p:spTgt spid="8"/>
+                                        </p:tgtEl>
+                                        <p:attrNameLst>
+                                          <p:attrName>ppt_y</p:attrName>
+                                        </p:attrNameLst>
+                                      </p:cBhvr>
+                                      <p:tavLst>
+                                        <p:tav tm="0">
+                                          <p:val>
+                                            <p:strVal val="#ppt_y"/>
+                                          </p:val>
+                                        </p:tav>
+                                        <p:tav tm="100000">
+                                          <p:val>
+                                            <p:strVal val="#ppt_y"/>
+                                          </p:val>
+                                        </p:tav>
+                                      </p:tavLst>
+                                    </p:anim>
+                                  </p:childTnLst>
+                                </p:cTn>
+                              </p:par>
+                            </p:childTnLst>
+                          </p:cTn>
+                        </p:par>
+                      </p:childTnLst>
+                    </p:cTn>
+                  </p:par>
+                  <p:par>
+                    <p:cTn id="21" fill="hold">
+                      <p:stCondLst>
+                        <p:cond delay="indefinite"/>
+                      </p:stCondLst>
+                      <p:childTnLst>
+                        <p:par>
+                          <p:cTn id="22" fill="hold">
+                            <p:stCondLst>
+                              <p:cond delay="0"/>
+                            </p:stCondLst>
+                            <p:childTnLst>
+                              <p:par>
+                                <p:cTn id="23" presetID="2" presetClass="entr" presetSubtype="8" fill="hold" grpId="0" nodeType="clickEffect">
+                                  <p:stCondLst>
+                                    <p:cond delay="0"/>
+                                  </p:stCondLst>
+                                  <p:childTnLst>
+                                    <p:set>
+                                      <p:cBhvr>
+                                        <p:cTn id="24" dur="1" fill="hold">
+                                          <p:stCondLst>
+                                            <p:cond delay="0"/>
+                                          </p:stCondLst>
+                                        </p:cTn>
+                                        <p:tgtEl>
+                                          <p:spTgt spid="9"/>
+                                        </p:tgtEl>
+                                        <p:attrNameLst>
+                                          <p:attrName>style.visibility</p:attrName>
+                                        </p:attrNameLst>
+                                      </p:cBhvr>
+                                      <p:to>
+                                        <p:strVal val="visible"/>
+                                      </p:to>
+                                    </p:set>
+                                    <p:anim calcmode="lin" valueType="num">
+                                      <p:cBhvr additive="base">
+                                        <p:cTn id="25" dur="500" fill="hold"/>
+                                        <p:tgtEl>
+                                          <p:spTgt spid="9"/>
+                                        </p:tgtEl>
+                                        <p:attrNameLst>
+                                          <p:attrName>ppt_x</p:attrName>
+                                        </p:attrNameLst>
+                                      </p:cBhvr>
+                                      <p:tavLst>
+                                        <p:tav tm="0">
+                                          <p:val>
+                                            <p:strVal val="0-#ppt_w/2"/>
+                                          </p:val>
+                                        </p:tav>
+                                        <p:tav tm="100000">
+                                          <p:val>
+                                            <p:strVal val="#ppt_x"/>
+                                          </p:val>
+                                        </p:tav>
+                                      </p:tavLst>
+                                    </p:anim>
+                                    <p:anim calcmode="lin" valueType="num">
+                                      <p:cBhvr additive="base">
+                                        <p:cTn id="26" dur="500" fill="hold"/>
+                                        <p:tgtEl>
+                                          <p:spTgt spid="9"/>
+                                        </p:tgtEl>
+                                        <p:attrNameLst>
+                                          <p:attrName>ppt_y</p:attrName>
+                                        </p:attrNameLst>
+                                      </p:cBhvr>
+                                      <p:tavLst>
+                                        <p:tav tm="0">
+                                          <p:val>
+                                            <p:strVal val="#ppt_y"/>
+                                          </p:val>
+                                        </p:tav>
+                                        <p:tav tm="100000">
+                                          <p:val>
+                                            <p:strVal val="#ppt_y"/>
+                                          </p:val>
+                                        </p:tav>
+                                      </p:tavLst>
+                                    </p:anim>
+                                  </p:childTnLst>
+                                </p:cTn>
+                              </p:par>
+                            </p:childTnLst>
+                          </p:cTn>
+                        </p:par>
+                      </p:childTnLst>
+                    </p:cTn>
+                  </p:par>
+                </p:childTnLst>
+              </p:cTn>
+              <p:prevCondLst>
+                <p:cond evt="onPrev" delay="0">
+                  <p:tgtEl>
+                    <p:sldTgt/>
+                  </p:tgtEl>
+                </p:cond>
+              </p:prevCondLst>
+              <p:nextCondLst>
+                <p:cond evt="onNext" delay="0">
+                  <p:tgtEl>
+                    <p:sldTgt/>
+                  </p:tgtEl>
+                </p:cond>
+              </p:nextCondLst>
+            </p:seq>
+          </p:childTnLst>
+        </p:cTn>
+      </p:par>
+    </p:tnLst>
+    <p:bldLst>
+      <p:bldP spid="6" grpId="0"/>
+      <p:bldP spid="7" grpId="0"/>
+      <p:bldP spid="8" grpId="0"/>
+      <p:bldP spid="9" grpId="0"/>
+    </p:bldLst>
+  </p:timing>
+</p:sld>
+</file>
+
+<file path=ppt/slides/slide16.xml><?xml version="1.0" encoding="utf-8"?>
 <p:sld xmlns:a="http://schemas.openxmlformats.org/drawingml/2006/main" xmlns:r="http://schemas.openxmlformats.org/officeDocument/2006/relationships" xmlns:p="http://schemas.openxmlformats.org/presentationml/2006/main">
   <p:cSld>
     <p:bg>
@@ -11995,17 +11631,28 @@
         </p:nvSpPr>
         <p:spPr>
           <a:xfrm>
-            <a:off x="503948" y="1524000"/>
+            <a:off x="319559" y="1676400"/>
             <a:ext cx="6581064" cy="1524000"/>
           </a:xfrm>
         </p:spPr>
         <p:txBody>
           <a:bodyPr vert="horz" lIns="91440" tIns="45720" rIns="91440" bIns="45720" rtlCol="0" anchor="t">
-            <a:normAutofit/>
+            <a:normAutofit fontScale="90000"/>
           </a:bodyPr>
           <a:lstStyle/>
           <a:p>
             <a:pPr defTabSz="914400"/>
+            <a:r>
+              <a:rPr lang="en-US" sz="6000" b="1" kern="1200" dirty="0">
+                <a:solidFill>
+                  <a:srgbClr val="000000"/>
+                </a:solidFill>
+                <a:latin typeface="+mj-lt"/>
+                <a:ea typeface="+mj-ea"/>
+                <a:cs typeface="+mj-cs"/>
+              </a:rPr>
+              <a:t>Que </a:t>
+            </a:r>
             <a:r>
               <a:rPr lang="en-US" sz="6000" b="1" kern="1200" dirty="0" err="1">
                 <a:solidFill>
@@ -12015,7 +11662,29 @@
                 <a:ea typeface="+mj-ea"/>
                 <a:cs typeface="+mj-cs"/>
               </a:rPr>
-              <a:t>Isolar</a:t>
+              <a:t>tal</a:t>
+            </a:r>
+            <a:r>
+              <a:rPr lang="en-US" sz="6000" b="1" kern="1200" dirty="0">
+                <a:solidFill>
+                  <a:srgbClr val="000000"/>
+                </a:solidFill>
+                <a:latin typeface="+mj-lt"/>
+                <a:ea typeface="+mj-ea"/>
+                <a:cs typeface="+mj-cs"/>
+              </a:rPr>
+              <a:t> </a:t>
+            </a:r>
+            <a:r>
+              <a:rPr lang="en-US" sz="6000" b="1" kern="1200" dirty="0" err="1">
+                <a:solidFill>
+                  <a:srgbClr val="000000"/>
+                </a:solidFill>
+                <a:latin typeface="+mj-lt"/>
+                <a:ea typeface="+mj-ea"/>
+                <a:cs typeface="+mj-cs"/>
+              </a:rPr>
+              <a:t>isolarmos</a:t>
             </a:r>
             <a:r>
               <a:rPr lang="en-US" sz="6000" b="1" kern="1200" dirty="0">
@@ -12039,14 +11708,39 @@
               </a:rPr>
               <a:t>domínio</a:t>
             </a:r>
-            <a:endParaRPr lang="en-US" sz="6000" b="1" kern="1200" dirty="0">
-              <a:solidFill>
-                <a:srgbClr val="000000"/>
-              </a:solidFill>
-              <a:latin typeface="+mj-lt"/>
-              <a:ea typeface="+mj-ea"/>
-              <a:cs typeface="+mj-cs"/>
-            </a:endParaRPr>
+            <a:r>
+              <a:rPr lang="en-US" sz="6000" b="1" kern="1200" dirty="0">
+                <a:solidFill>
+                  <a:srgbClr val="000000"/>
+                </a:solidFill>
+                <a:latin typeface="+mj-lt"/>
+                <a:ea typeface="+mj-ea"/>
+                <a:cs typeface="+mj-cs"/>
+              </a:rPr>
+              <a:t> </a:t>
+            </a:r>
+            <a:r>
+              <a:rPr lang="en-US" sz="6000" b="1" kern="1200" dirty="0" err="1">
+                <a:solidFill>
+                  <a:srgbClr val="000000"/>
+                </a:solidFill>
+                <a:latin typeface="+mj-lt"/>
+                <a:ea typeface="+mj-ea"/>
+                <a:cs typeface="+mj-cs"/>
+              </a:rPr>
+              <a:t>então</a:t>
+            </a:r>
+            <a:r>
+              <a:rPr lang="en-US" sz="6000" b="1" kern="1200" dirty="0">
+                <a:solidFill>
+                  <a:srgbClr val="000000"/>
+                </a:solidFill>
+                <a:latin typeface="+mj-lt"/>
+                <a:ea typeface="+mj-ea"/>
+                <a:cs typeface="+mj-cs"/>
+              </a:rPr>
+              <a:t>?</a:t>
+            </a:r>
           </a:p>
         </p:txBody>
       </p:sp>
@@ -12297,14 +11991,14 @@
   <p:clrMapOvr>
     <a:masterClrMapping/>
   </p:clrMapOvr>
-  <mc:AlternateContent xmlns:mc="http://schemas.openxmlformats.org/markup-compatibility/2006" xmlns:p14="http://schemas.microsoft.com/office/powerpoint/2010/main">
-    <mc:Choice Requires="p14">
-      <p:transition spd="med" p14:dur="700">
-        <p:fade/>
+  <mc:AlternateContent xmlns:mc="http://schemas.openxmlformats.org/markup-compatibility/2006" xmlns:p159="http://schemas.microsoft.com/office/powerpoint/2015/09/main">
+    <mc:Choice Requires="p159">
+      <p:transition xmlns:p14="http://schemas.microsoft.com/office/powerpoint/2010/main" spd="slow" p14:dur="2000">
+        <p159:morph option="byObject"/>
       </p:transition>
     </mc:Choice>
     <mc:Fallback xmlns="">
-      <p:transition spd="med">
+      <p:transition spd="slow">
         <p:fade/>
       </p:transition>
     </mc:Fallback>
@@ -12312,7 +12006,7 @@
 </p:sld>
 </file>
 
-<file path=ppt/slides/slide9.xml><?xml version="1.0" encoding="utf-8"?>
+<file path=ppt/slides/slide17.xml><?xml version="1.0" encoding="utf-8"?>
 <p:sld xmlns:a="http://schemas.openxmlformats.org/drawingml/2006/main" xmlns:r="http://schemas.openxmlformats.org/officeDocument/2006/relationships" xmlns:p="http://schemas.openxmlformats.org/presentationml/2006/main">
   <p:cSld>
     <p:bg>
@@ -12566,6 +12260,4196 @@
     </mc:Choice>
     <mc:Fallback xmlns="">
       <p:transition spd="med">
+        <p:fade/>
+      </p:transition>
+    </mc:Fallback>
+  </mc:AlternateContent>
+</p:sld>
+</file>
+
+<file path=ppt/slides/slide18.xml><?xml version="1.0" encoding="utf-8"?>
+<p:sld xmlns:a="http://schemas.openxmlformats.org/drawingml/2006/main" xmlns:r="http://schemas.openxmlformats.org/officeDocument/2006/relationships" xmlns:p="http://schemas.openxmlformats.org/presentationml/2006/main">
+  <p:cSld>
+    <p:bg>
+      <p:bgPr>
+        <a:solidFill>
+          <a:schemeClr val="bg1"/>
+        </a:solidFill>
+        <a:effectLst/>
+      </p:bgPr>
+    </p:bg>
+    <p:spTree>
+      <p:nvGrpSpPr>
+        <p:cNvPr id="1" name=""/>
+        <p:cNvGrpSpPr/>
+        <p:nvPr/>
+      </p:nvGrpSpPr>
+      <p:grpSpPr>
+        <a:xfrm>
+          <a:off x="0" y="0"/>
+          <a:ext cx="0" cy="0"/>
+          <a:chOff x="0" y="0"/>
+          <a:chExt cx="0" cy="0"/>
+        </a:xfrm>
+      </p:grpSpPr>
+      <p:sp>
+        <p:nvSpPr>
+          <p:cNvPr id="10" name="Rectangle 9">
+            <a:extLst>
+              <a:ext uri="{FF2B5EF4-FFF2-40B4-BE49-F238E27FC236}">
+                <a16:creationId xmlns:a16="http://schemas.microsoft.com/office/drawing/2014/main" id="{6753252F-4873-4F63-801D-CC719279A7D5}"/>
+              </a:ext>
+              <a:ext uri="{C183D7F6-B498-43B3-948B-1728B52AA6E4}">
+                <adec:decorative xmlns:adec="http://schemas.microsoft.com/office/drawing/2017/decorative" val="1"/>
+              </a:ext>
+            </a:extLst>
+          </p:cNvPr>
+          <p:cNvSpPr>
+            <a:spLocks noGrp="1" noRot="1" noChangeAspect="1" noMove="1" noResize="1" noEditPoints="1" noAdjustHandles="1" noChangeArrowheads="1" noChangeShapeType="1" noTextEdit="1"/>
+          </p:cNvSpPr>
+          <p:nvPr>
+            <p:extLst>
+              <p:ext uri="{386F3935-93C4-4BCD-93E2-E3B085C9AB24}">
+                <p16:designElem xmlns:p16="http://schemas.microsoft.com/office/powerpoint/2015/main" val="1"/>
+              </p:ext>
+            </p:extLst>
+          </p:nvPr>
+        </p:nvSpPr>
+        <p:spPr>
+          <a:xfrm>
+            <a:off x="0" y="0"/>
+            <a:ext cx="12188825" cy="6858000"/>
+          </a:xfrm>
+          <a:prstGeom prst="rect">
+            <a:avLst/>
+          </a:prstGeom>
+          <a:solidFill>
+            <a:srgbClr val="FFFFFF"/>
+          </a:solidFill>
+          <a:ln>
+            <a:noFill/>
+          </a:ln>
+        </p:spPr>
+        <p:style>
+          <a:lnRef idx="2">
+            <a:schemeClr val="accent1">
+              <a:shade val="50000"/>
+            </a:schemeClr>
+          </a:lnRef>
+          <a:fillRef idx="1">
+            <a:schemeClr val="accent1"/>
+          </a:fillRef>
+          <a:effectRef idx="0">
+            <a:schemeClr val="accent1"/>
+          </a:effectRef>
+          <a:fontRef idx="minor">
+            <a:schemeClr val="lt1"/>
+          </a:fontRef>
+        </p:style>
+        <p:txBody>
+          <a:bodyPr rtlCol="0" anchor="ctr"/>
+          <a:lstStyle/>
+          <a:p>
+            <a:pPr algn="ctr"/>
+            <a:endParaRPr lang="en-US"/>
+          </a:p>
+        </p:txBody>
+      </p:sp>
+      <p:sp>
+        <p:nvSpPr>
+          <p:cNvPr id="12" name="Rectangle 11">
+            <a:extLst>
+              <a:ext uri="{FF2B5EF4-FFF2-40B4-BE49-F238E27FC236}">
+                <a16:creationId xmlns:a16="http://schemas.microsoft.com/office/drawing/2014/main" id="{047C8CCB-F95D-4249-92DD-651249D3535A}"/>
+              </a:ext>
+              <a:ext uri="{C183D7F6-B498-43B3-948B-1728B52AA6E4}">
+                <adec:decorative xmlns:adec="http://schemas.microsoft.com/office/drawing/2017/decorative" val="1"/>
+              </a:ext>
+            </a:extLst>
+          </p:cNvPr>
+          <p:cNvSpPr>
+            <a:spLocks noGrp="1" noRot="1" noChangeAspect="1" noMove="1" noResize="1" noEditPoints="1" noAdjustHandles="1" noChangeArrowheads="1" noChangeShapeType="1" noTextEdit="1"/>
+          </p:cNvSpPr>
+          <p:nvPr>
+            <p:extLst>
+              <p:ext uri="{386F3935-93C4-4BCD-93E2-E3B085C9AB24}">
+                <p16:designElem xmlns:p16="http://schemas.microsoft.com/office/powerpoint/2015/main" val="1"/>
+              </p:ext>
+            </p:extLst>
+          </p:nvPr>
+        </p:nvSpPr>
+        <p:spPr>
+          <a:xfrm>
+            <a:off x="0" y="0"/>
+            <a:ext cx="2013032" cy="6858000"/>
+          </a:xfrm>
+          <a:prstGeom prst="rect">
+            <a:avLst/>
+          </a:prstGeom>
+          <a:solidFill>
+            <a:srgbClr val="7F7F7F"/>
+          </a:solidFill>
+          <a:ln>
+            <a:noFill/>
+          </a:ln>
+        </p:spPr>
+        <p:style>
+          <a:lnRef idx="2">
+            <a:schemeClr val="accent1">
+              <a:shade val="50000"/>
+            </a:schemeClr>
+          </a:lnRef>
+          <a:fillRef idx="1">
+            <a:schemeClr val="accent1"/>
+          </a:fillRef>
+          <a:effectRef idx="0">
+            <a:schemeClr val="accent1"/>
+          </a:effectRef>
+          <a:fontRef idx="minor">
+            <a:schemeClr val="lt1"/>
+          </a:fontRef>
+        </p:style>
+        <p:txBody>
+          <a:bodyPr rtlCol="0" anchor="ctr"/>
+          <a:lstStyle/>
+          <a:p>
+            <a:pPr algn="ctr"/>
+            <a:endParaRPr lang="en-US"/>
+          </a:p>
+        </p:txBody>
+      </p:sp>
+      <p:sp>
+        <p:nvSpPr>
+          <p:cNvPr id="2" name="Título 1">
+            <a:extLst>
+              <a:ext uri="{FF2B5EF4-FFF2-40B4-BE49-F238E27FC236}">
+                <a16:creationId xmlns:a16="http://schemas.microsoft.com/office/drawing/2014/main" id="{7D974B34-E950-46DD-B642-B2D19A13ED38}"/>
+              </a:ext>
+            </a:extLst>
+          </p:cNvPr>
+          <p:cNvSpPr>
+            <a:spLocks noGrp="1"/>
+          </p:cNvSpPr>
+          <p:nvPr>
+            <p:ph type="title"/>
+          </p:nvPr>
+        </p:nvSpPr>
+        <p:spPr>
+          <a:xfrm>
+            <a:off x="639913" y="2074363"/>
+            <a:ext cx="2751637" cy="2709275"/>
+          </a:xfrm>
+          <a:prstGeom prst="ellipse">
+            <a:avLst/>
+          </a:prstGeom>
+          <a:solidFill>
+            <a:srgbClr val="262626"/>
+          </a:solidFill>
+          <a:ln w="174625" cmpd="thinThick">
+            <a:solidFill>
+              <a:srgbClr val="262626"/>
+            </a:solidFill>
+          </a:ln>
+        </p:spPr>
+        <p:txBody>
+          <a:bodyPr vert="horz" lIns="91440" tIns="45720" rIns="91440" bIns="45720" rtlCol="0" anchor="ctr">
+            <a:normAutofit/>
+          </a:bodyPr>
+          <a:lstStyle/>
+          <a:p>
+            <a:pPr algn="ctr" defTabSz="914400"/>
+            <a:r>
+              <a:rPr lang="en-US" sz="4000" b="1" kern="1200" dirty="0" err="1">
+                <a:solidFill>
+                  <a:srgbClr val="FFFFFF"/>
+                </a:solidFill>
+                <a:latin typeface="+mj-lt"/>
+                <a:ea typeface="+mj-ea"/>
+                <a:cs typeface="+mj-cs"/>
+              </a:rPr>
+              <a:t>Primeiro</a:t>
+            </a:r>
+            <a:r>
+              <a:rPr lang="en-US" sz="4000" b="1" kern="1200" dirty="0">
+                <a:solidFill>
+                  <a:srgbClr val="FFFFFF"/>
+                </a:solidFill>
+                <a:latin typeface="+mj-lt"/>
+                <a:ea typeface="+mj-ea"/>
+                <a:cs typeface="+mj-cs"/>
+              </a:rPr>
+              <a:t> </a:t>
+            </a:r>
+            <a:r>
+              <a:rPr lang="en-US" sz="4000" b="1" kern="1200" dirty="0" err="1">
+                <a:solidFill>
+                  <a:srgbClr val="FFFFFF"/>
+                </a:solidFill>
+                <a:latin typeface="+mj-lt"/>
+                <a:ea typeface="+mj-ea"/>
+                <a:cs typeface="+mj-cs"/>
+              </a:rPr>
+              <a:t>passo</a:t>
+            </a:r>
+            <a:r>
+              <a:rPr lang="en-US" sz="4000" b="1" kern="1200" dirty="0">
+                <a:solidFill>
+                  <a:srgbClr val="FFFFFF"/>
+                </a:solidFill>
+                <a:latin typeface="+mj-lt"/>
+                <a:ea typeface="+mj-ea"/>
+                <a:cs typeface="+mj-cs"/>
+              </a:rPr>
+              <a:t> para</a:t>
+            </a:r>
+          </a:p>
+        </p:txBody>
+      </p:sp>
+      <p:pic>
+        <p:nvPicPr>
+          <p:cNvPr id="5" name="Imagem 4">
+            <a:extLst>
+              <a:ext uri="{FF2B5EF4-FFF2-40B4-BE49-F238E27FC236}">
+                <a16:creationId xmlns:a16="http://schemas.microsoft.com/office/drawing/2014/main" id="{A2AB275A-4B8A-4FED-BEB4-C6F4D4403340}"/>
+              </a:ext>
+            </a:extLst>
+          </p:cNvPr>
+          <p:cNvPicPr>
+            <a:picLocks noChangeAspect="1"/>
+          </p:cNvPicPr>
+          <p:nvPr/>
+        </p:nvPicPr>
+        <p:blipFill>
+          <a:blip r:embed="rId2">
+            <a:extLst>
+              <a:ext uri="{28A0092B-C50C-407E-A947-70E740481C1C}">
+                <a14:useLocalDpi xmlns:a14="http://schemas.microsoft.com/office/drawing/2010/main" val="0"/>
+              </a:ext>
+            </a:extLst>
+          </a:blip>
+          <a:stretch>
+            <a:fillRect/>
+          </a:stretch>
+        </p:blipFill>
+        <p:spPr>
+          <a:xfrm>
+            <a:off x="4037548" y="1031863"/>
+            <a:ext cx="7186327" cy="4790884"/>
+          </a:xfrm>
+          <a:prstGeom prst="rect">
+            <a:avLst/>
+          </a:prstGeom>
+        </p:spPr>
+      </p:pic>
+    </p:spTree>
+    <p:extLst>
+      <p:ext uri="{BB962C8B-B14F-4D97-AF65-F5344CB8AC3E}">
+        <p14:creationId xmlns:p14="http://schemas.microsoft.com/office/powerpoint/2010/main" val="3192299456"/>
+      </p:ext>
+    </p:extLst>
+  </p:cSld>
+  <p:clrMapOvr>
+    <a:masterClrMapping/>
+  </p:clrMapOvr>
+  <mc:AlternateContent xmlns:mc="http://schemas.openxmlformats.org/markup-compatibility/2006" xmlns:p14="http://schemas.microsoft.com/office/powerpoint/2010/main">
+    <mc:Choice Requires="p14">
+      <p:transition spd="med" p14:dur="700">
+        <p:fade/>
+      </p:transition>
+    </mc:Choice>
+    <mc:Fallback xmlns="">
+      <p:transition spd="med">
+        <p:fade/>
+      </p:transition>
+    </mc:Fallback>
+  </mc:AlternateContent>
+</p:sld>
+</file>
+
+<file path=ppt/slides/slide2.xml><?xml version="1.0" encoding="utf-8"?>
+<p:sld xmlns:a="http://schemas.openxmlformats.org/drawingml/2006/main" xmlns:r="http://schemas.openxmlformats.org/officeDocument/2006/relationships" xmlns:p="http://schemas.openxmlformats.org/presentationml/2006/main">
+  <p:cSld>
+    <p:spTree>
+      <p:nvGrpSpPr>
+        <p:cNvPr id="1" name=""/>
+        <p:cNvGrpSpPr/>
+        <p:nvPr/>
+      </p:nvGrpSpPr>
+      <p:grpSpPr>
+        <a:xfrm>
+          <a:off x="0" y="0"/>
+          <a:ext cx="0" cy="0"/>
+          <a:chOff x="0" y="0"/>
+          <a:chExt cx="0" cy="0"/>
+        </a:xfrm>
+      </p:grpSpPr>
+      <p:sp>
+        <p:nvSpPr>
+          <p:cNvPr id="4" name="Header">
+            <a:extLst>
+              <a:ext uri="{FF2B5EF4-FFF2-40B4-BE49-F238E27FC236}">
+                <a16:creationId xmlns:a16="http://schemas.microsoft.com/office/drawing/2014/main" id="{0D305638-65E5-4687-A440-1632A689E580}"/>
+              </a:ext>
+            </a:extLst>
+          </p:cNvPr>
+          <p:cNvSpPr txBox="1"/>
+          <p:nvPr/>
+        </p:nvSpPr>
+        <p:spPr>
+          <a:xfrm>
+            <a:off x="3611659" y="2360439"/>
+            <a:ext cx="8577166" cy="1089245"/>
+          </a:xfrm>
+          <a:prstGeom prst="rect">
+            <a:avLst/>
+          </a:prstGeom>
+          <a:noFill/>
+        </p:spPr>
+        <p:txBody>
+          <a:bodyPr wrap="none" lIns="73133" tIns="36566" rIns="73133" bIns="36566" rtlCol="0">
+            <a:spAutoFit/>
+          </a:bodyPr>
+          <a:lstStyle>
+            <a:defPPr>
+              <a:defRPr lang="en-US"/>
+            </a:defPPr>
+            <a:lvl1pPr marL="0" algn="l" defTabSz="914400" rtl="0" eaLnBrk="1" latinLnBrk="0" hangingPunct="1">
+              <a:defRPr sz="1800" kern="1200">
+                <a:solidFill>
+                  <a:schemeClr val="tx1"/>
+                </a:solidFill>
+                <a:latin typeface="+mn-lt"/>
+                <a:ea typeface="+mn-ea"/>
+                <a:cs typeface="+mn-cs"/>
+              </a:defRPr>
+            </a:lvl1pPr>
+            <a:lvl2pPr marL="457200" algn="l" defTabSz="914400" rtl="0" eaLnBrk="1" latinLnBrk="0" hangingPunct="1">
+              <a:defRPr sz="1800" kern="1200">
+                <a:solidFill>
+                  <a:schemeClr val="tx1"/>
+                </a:solidFill>
+                <a:latin typeface="+mn-lt"/>
+                <a:ea typeface="+mn-ea"/>
+                <a:cs typeface="+mn-cs"/>
+              </a:defRPr>
+            </a:lvl2pPr>
+            <a:lvl3pPr marL="914400" algn="l" defTabSz="914400" rtl="0" eaLnBrk="1" latinLnBrk="0" hangingPunct="1">
+              <a:defRPr sz="1800" kern="1200">
+                <a:solidFill>
+                  <a:schemeClr val="tx1"/>
+                </a:solidFill>
+                <a:latin typeface="+mn-lt"/>
+                <a:ea typeface="+mn-ea"/>
+                <a:cs typeface="+mn-cs"/>
+              </a:defRPr>
+            </a:lvl3pPr>
+            <a:lvl4pPr marL="1371600" algn="l" defTabSz="914400" rtl="0" eaLnBrk="1" latinLnBrk="0" hangingPunct="1">
+              <a:defRPr sz="1800" kern="1200">
+                <a:solidFill>
+                  <a:schemeClr val="tx1"/>
+                </a:solidFill>
+                <a:latin typeface="+mn-lt"/>
+                <a:ea typeface="+mn-ea"/>
+                <a:cs typeface="+mn-cs"/>
+              </a:defRPr>
+            </a:lvl4pPr>
+            <a:lvl5pPr marL="1828800" algn="l" defTabSz="914400" rtl="0" eaLnBrk="1" latinLnBrk="0" hangingPunct="1">
+              <a:defRPr sz="1800" kern="1200">
+                <a:solidFill>
+                  <a:schemeClr val="tx1"/>
+                </a:solidFill>
+                <a:latin typeface="+mn-lt"/>
+                <a:ea typeface="+mn-ea"/>
+                <a:cs typeface="+mn-cs"/>
+              </a:defRPr>
+            </a:lvl5pPr>
+            <a:lvl6pPr marL="2286000" algn="l" defTabSz="914400" rtl="0" eaLnBrk="1" latinLnBrk="0" hangingPunct="1">
+              <a:defRPr sz="1800" kern="1200">
+                <a:solidFill>
+                  <a:schemeClr val="tx1"/>
+                </a:solidFill>
+                <a:latin typeface="+mn-lt"/>
+                <a:ea typeface="+mn-ea"/>
+                <a:cs typeface="+mn-cs"/>
+              </a:defRPr>
+            </a:lvl6pPr>
+            <a:lvl7pPr marL="2743200" algn="l" defTabSz="914400" rtl="0" eaLnBrk="1" latinLnBrk="0" hangingPunct="1">
+              <a:defRPr sz="1800" kern="1200">
+                <a:solidFill>
+                  <a:schemeClr val="tx1"/>
+                </a:solidFill>
+                <a:latin typeface="+mn-lt"/>
+                <a:ea typeface="+mn-ea"/>
+                <a:cs typeface="+mn-cs"/>
+              </a:defRPr>
+            </a:lvl7pPr>
+            <a:lvl8pPr marL="3200400" algn="l" defTabSz="914400" rtl="0" eaLnBrk="1" latinLnBrk="0" hangingPunct="1">
+              <a:defRPr sz="1800" kern="1200">
+                <a:solidFill>
+                  <a:schemeClr val="tx1"/>
+                </a:solidFill>
+                <a:latin typeface="+mn-lt"/>
+                <a:ea typeface="+mn-ea"/>
+                <a:cs typeface="+mn-cs"/>
+              </a:defRPr>
+            </a:lvl8pPr>
+            <a:lvl9pPr marL="3657600" algn="l" defTabSz="914400" rtl="0" eaLnBrk="1" latinLnBrk="0" hangingPunct="1">
+              <a:defRPr sz="1800" kern="1200">
+                <a:solidFill>
+                  <a:schemeClr val="tx1"/>
+                </a:solidFill>
+                <a:latin typeface="+mn-lt"/>
+                <a:ea typeface="+mn-ea"/>
+                <a:cs typeface="+mn-cs"/>
+              </a:defRPr>
+            </a:lvl9pPr>
+          </a:lstStyle>
+          <a:p>
+            <a:r>
+              <a:rPr lang="en-US" sz="6598" b="1" dirty="0">
+                <a:solidFill>
+                  <a:srgbClr val="5F5F5F"/>
+                </a:solidFill>
+                <a:latin typeface="Segoe UI" panose="020B0502040204020203" pitchFamily="34" charset="0"/>
+                <a:cs typeface="Segoe UI" panose="020B0502040204020203" pitchFamily="34" charset="0"/>
+              </a:rPr>
+              <a:t>Gabriel S. Kohlrausch</a:t>
+            </a:r>
+          </a:p>
+        </p:txBody>
+      </p:sp>
+      <p:sp>
+        <p:nvSpPr>
+          <p:cNvPr id="5" name="Label">
+            <a:extLst>
+              <a:ext uri="{FF2B5EF4-FFF2-40B4-BE49-F238E27FC236}">
+                <a16:creationId xmlns:a16="http://schemas.microsoft.com/office/drawing/2014/main" id="{FFBC4ECB-4B40-471E-A373-EAF994492646}"/>
+              </a:ext>
+            </a:extLst>
+          </p:cNvPr>
+          <p:cNvSpPr txBox="1"/>
+          <p:nvPr/>
+        </p:nvSpPr>
+        <p:spPr>
+          <a:xfrm>
+            <a:off x="7673090" y="3381872"/>
+            <a:ext cx="4367494" cy="566162"/>
+          </a:xfrm>
+          <a:prstGeom prst="rect">
+            <a:avLst/>
+          </a:prstGeom>
+          <a:noFill/>
+        </p:spPr>
+        <p:txBody>
+          <a:bodyPr wrap="none" lIns="73133" tIns="36566" rIns="73133" bIns="36566" rtlCol="0">
+            <a:spAutoFit/>
+          </a:bodyPr>
+          <a:lstStyle>
+            <a:defPPr>
+              <a:defRPr lang="en-US"/>
+            </a:defPPr>
+            <a:lvl1pPr marL="0" algn="l" defTabSz="914400" rtl="0" eaLnBrk="1" latinLnBrk="0" hangingPunct="1">
+              <a:defRPr sz="1800" kern="1200">
+                <a:solidFill>
+                  <a:schemeClr val="tx1"/>
+                </a:solidFill>
+                <a:latin typeface="+mn-lt"/>
+                <a:ea typeface="+mn-ea"/>
+                <a:cs typeface="+mn-cs"/>
+              </a:defRPr>
+            </a:lvl1pPr>
+            <a:lvl2pPr marL="457200" algn="l" defTabSz="914400" rtl="0" eaLnBrk="1" latinLnBrk="0" hangingPunct="1">
+              <a:defRPr sz="1800" kern="1200">
+                <a:solidFill>
+                  <a:schemeClr val="tx1"/>
+                </a:solidFill>
+                <a:latin typeface="+mn-lt"/>
+                <a:ea typeface="+mn-ea"/>
+                <a:cs typeface="+mn-cs"/>
+              </a:defRPr>
+            </a:lvl2pPr>
+            <a:lvl3pPr marL="914400" algn="l" defTabSz="914400" rtl="0" eaLnBrk="1" latinLnBrk="0" hangingPunct="1">
+              <a:defRPr sz="1800" kern="1200">
+                <a:solidFill>
+                  <a:schemeClr val="tx1"/>
+                </a:solidFill>
+                <a:latin typeface="+mn-lt"/>
+                <a:ea typeface="+mn-ea"/>
+                <a:cs typeface="+mn-cs"/>
+              </a:defRPr>
+            </a:lvl3pPr>
+            <a:lvl4pPr marL="1371600" algn="l" defTabSz="914400" rtl="0" eaLnBrk="1" latinLnBrk="0" hangingPunct="1">
+              <a:defRPr sz="1800" kern="1200">
+                <a:solidFill>
+                  <a:schemeClr val="tx1"/>
+                </a:solidFill>
+                <a:latin typeface="+mn-lt"/>
+                <a:ea typeface="+mn-ea"/>
+                <a:cs typeface="+mn-cs"/>
+              </a:defRPr>
+            </a:lvl4pPr>
+            <a:lvl5pPr marL="1828800" algn="l" defTabSz="914400" rtl="0" eaLnBrk="1" latinLnBrk="0" hangingPunct="1">
+              <a:defRPr sz="1800" kern="1200">
+                <a:solidFill>
+                  <a:schemeClr val="tx1"/>
+                </a:solidFill>
+                <a:latin typeface="+mn-lt"/>
+                <a:ea typeface="+mn-ea"/>
+                <a:cs typeface="+mn-cs"/>
+              </a:defRPr>
+            </a:lvl5pPr>
+            <a:lvl6pPr marL="2286000" algn="l" defTabSz="914400" rtl="0" eaLnBrk="1" latinLnBrk="0" hangingPunct="1">
+              <a:defRPr sz="1800" kern="1200">
+                <a:solidFill>
+                  <a:schemeClr val="tx1"/>
+                </a:solidFill>
+                <a:latin typeface="+mn-lt"/>
+                <a:ea typeface="+mn-ea"/>
+                <a:cs typeface="+mn-cs"/>
+              </a:defRPr>
+            </a:lvl6pPr>
+            <a:lvl7pPr marL="2743200" algn="l" defTabSz="914400" rtl="0" eaLnBrk="1" latinLnBrk="0" hangingPunct="1">
+              <a:defRPr sz="1800" kern="1200">
+                <a:solidFill>
+                  <a:schemeClr val="tx1"/>
+                </a:solidFill>
+                <a:latin typeface="+mn-lt"/>
+                <a:ea typeface="+mn-ea"/>
+                <a:cs typeface="+mn-cs"/>
+              </a:defRPr>
+            </a:lvl7pPr>
+            <a:lvl8pPr marL="3200400" algn="l" defTabSz="914400" rtl="0" eaLnBrk="1" latinLnBrk="0" hangingPunct="1">
+              <a:defRPr sz="1800" kern="1200">
+                <a:solidFill>
+                  <a:schemeClr val="tx1"/>
+                </a:solidFill>
+                <a:latin typeface="+mn-lt"/>
+                <a:ea typeface="+mn-ea"/>
+                <a:cs typeface="+mn-cs"/>
+              </a:defRPr>
+            </a:lvl8pPr>
+            <a:lvl9pPr marL="3657600" algn="l" defTabSz="914400" rtl="0" eaLnBrk="1" latinLnBrk="0" hangingPunct="1">
+              <a:defRPr sz="1800" kern="1200">
+                <a:solidFill>
+                  <a:schemeClr val="tx1"/>
+                </a:solidFill>
+                <a:latin typeface="+mn-lt"/>
+                <a:ea typeface="+mn-ea"/>
+                <a:cs typeface="+mn-cs"/>
+              </a:defRPr>
+            </a:lvl9pPr>
+          </a:lstStyle>
+          <a:p>
+            <a:r>
+              <a:rPr lang="en-US" sz="3199" dirty="0">
+                <a:solidFill>
+                  <a:srgbClr val="5F5F5F"/>
+                </a:solidFill>
+                <a:latin typeface="Segoe UI" panose="020B0502040204020203" pitchFamily="34" charset="0"/>
+                <a:cs typeface="Segoe UI" panose="020B0502040204020203" pitchFamily="34" charset="0"/>
+              </a:rPr>
+              <a:t>gabriel@society.com.br</a:t>
+            </a:r>
+          </a:p>
+        </p:txBody>
+      </p:sp>
+      <p:sp>
+        <p:nvSpPr>
+          <p:cNvPr id="6" name="Retângulo 5">
+            <a:extLst>
+              <a:ext uri="{FF2B5EF4-FFF2-40B4-BE49-F238E27FC236}">
+                <a16:creationId xmlns:a16="http://schemas.microsoft.com/office/drawing/2014/main" id="{C01F25DC-F673-4D32-A0A6-4B49DEFA10EC}"/>
+              </a:ext>
+            </a:extLst>
+          </p:cNvPr>
+          <p:cNvSpPr/>
+          <p:nvPr/>
+        </p:nvSpPr>
+        <p:spPr>
+          <a:xfrm>
+            <a:off x="6366982" y="3948033"/>
+            <a:ext cx="5673602" cy="566162"/>
+          </a:xfrm>
+          <a:prstGeom prst="rect">
+            <a:avLst/>
+          </a:prstGeom>
+          <a:noFill/>
+        </p:spPr>
+        <p:txBody>
+          <a:bodyPr wrap="none" lIns="73133" tIns="36566" rIns="73133" bIns="36566" rtlCol="0">
+            <a:spAutoFit/>
+          </a:bodyPr>
+          <a:lstStyle/>
+          <a:p>
+            <a:r>
+              <a:rPr lang="pt-BR" sz="3199" dirty="0">
+                <a:solidFill>
+                  <a:srgbClr val="5F5F5F"/>
+                </a:solidFill>
+                <a:latin typeface="Segoe UI" panose="020B0502040204020203" pitchFamily="34" charset="0"/>
+                <a:cs typeface="Segoe UI" panose="020B0502040204020203" pitchFamily="34" charset="0"/>
+              </a:rPr>
+              <a:t>www.linkedin.com/in/gabrielsk</a:t>
+            </a:r>
+          </a:p>
+        </p:txBody>
+      </p:sp>
+      <p:sp>
+        <p:nvSpPr>
+          <p:cNvPr id="7" name="Header">
+            <a:extLst>
+              <a:ext uri="{FF2B5EF4-FFF2-40B4-BE49-F238E27FC236}">
+                <a16:creationId xmlns:a16="http://schemas.microsoft.com/office/drawing/2014/main" id="{7063E5B8-7BF4-4355-B5AE-31794C24E3AE}"/>
+              </a:ext>
+            </a:extLst>
+          </p:cNvPr>
+          <p:cNvSpPr txBox="1"/>
+          <p:nvPr/>
+        </p:nvSpPr>
+        <p:spPr>
+          <a:xfrm>
+            <a:off x="0" y="954385"/>
+            <a:ext cx="5115790" cy="683086"/>
+          </a:xfrm>
+          <a:prstGeom prst="rect">
+            <a:avLst/>
+          </a:prstGeom>
+        </p:spPr>
+        <p:txBody>
+          <a:bodyPr vert="horz" wrap="square" lIns="146266" tIns="91416" rIns="146266" bIns="91416" rtlCol="0" anchor="t">
+            <a:noAutofit/>
+          </a:bodyPr>
+          <a:lstStyle>
+            <a:defPPr>
+              <a:defRPr lang="pt-BR"/>
+            </a:defPPr>
+            <a:lvl1pPr>
+              <a:lnSpc>
+                <a:spcPct val="90000"/>
+              </a:lnSpc>
+              <a:spcBef>
+                <a:spcPct val="0"/>
+              </a:spcBef>
+              <a:buNone/>
+              <a:defRPr sz="4400" b="1">
+                <a:latin typeface="+mj-lt"/>
+                <a:ea typeface="+mj-ea"/>
+                <a:cs typeface="+mj-cs"/>
+              </a:defRPr>
+            </a:lvl1pPr>
+            <a:lvl2pPr marL="457200" algn="l" defTabSz="914400" rtl="0" eaLnBrk="1" latinLnBrk="0" hangingPunct="1">
+              <a:defRPr sz="1800" kern="1200">
+                <a:solidFill>
+                  <a:schemeClr val="tx1"/>
+                </a:solidFill>
+                <a:latin typeface="+mn-lt"/>
+                <a:ea typeface="+mn-ea"/>
+                <a:cs typeface="+mn-cs"/>
+              </a:defRPr>
+            </a:lvl2pPr>
+            <a:lvl3pPr marL="914400" algn="l" defTabSz="914400" rtl="0" eaLnBrk="1" latinLnBrk="0" hangingPunct="1">
+              <a:defRPr sz="1800" kern="1200">
+                <a:solidFill>
+                  <a:schemeClr val="tx1"/>
+                </a:solidFill>
+                <a:latin typeface="+mn-lt"/>
+                <a:ea typeface="+mn-ea"/>
+                <a:cs typeface="+mn-cs"/>
+              </a:defRPr>
+            </a:lvl3pPr>
+            <a:lvl4pPr marL="1371600" algn="l" defTabSz="914400" rtl="0" eaLnBrk="1" latinLnBrk="0" hangingPunct="1">
+              <a:defRPr sz="1800" kern="1200">
+                <a:solidFill>
+                  <a:schemeClr val="tx1"/>
+                </a:solidFill>
+                <a:latin typeface="+mn-lt"/>
+                <a:ea typeface="+mn-ea"/>
+                <a:cs typeface="+mn-cs"/>
+              </a:defRPr>
+            </a:lvl4pPr>
+            <a:lvl5pPr marL="1828800" algn="l" defTabSz="914400" rtl="0" eaLnBrk="1" latinLnBrk="0" hangingPunct="1">
+              <a:defRPr sz="1800" kern="1200">
+                <a:solidFill>
+                  <a:schemeClr val="tx1"/>
+                </a:solidFill>
+                <a:latin typeface="+mn-lt"/>
+                <a:ea typeface="+mn-ea"/>
+                <a:cs typeface="+mn-cs"/>
+              </a:defRPr>
+            </a:lvl5pPr>
+            <a:lvl6pPr marL="2286000" algn="l" defTabSz="914400" rtl="0" eaLnBrk="1" latinLnBrk="0" hangingPunct="1">
+              <a:defRPr sz="1800" kern="1200">
+                <a:solidFill>
+                  <a:schemeClr val="tx1"/>
+                </a:solidFill>
+                <a:latin typeface="+mn-lt"/>
+                <a:ea typeface="+mn-ea"/>
+                <a:cs typeface="+mn-cs"/>
+              </a:defRPr>
+            </a:lvl6pPr>
+            <a:lvl7pPr marL="2743200" algn="l" defTabSz="914400" rtl="0" eaLnBrk="1" latinLnBrk="0" hangingPunct="1">
+              <a:defRPr sz="1800" kern="1200">
+                <a:solidFill>
+                  <a:schemeClr val="tx1"/>
+                </a:solidFill>
+                <a:latin typeface="+mn-lt"/>
+                <a:ea typeface="+mn-ea"/>
+                <a:cs typeface="+mn-cs"/>
+              </a:defRPr>
+            </a:lvl7pPr>
+            <a:lvl8pPr marL="3200400" algn="l" defTabSz="914400" rtl="0" eaLnBrk="1" latinLnBrk="0" hangingPunct="1">
+              <a:defRPr sz="1800" kern="1200">
+                <a:solidFill>
+                  <a:schemeClr val="tx1"/>
+                </a:solidFill>
+                <a:latin typeface="+mn-lt"/>
+                <a:ea typeface="+mn-ea"/>
+                <a:cs typeface="+mn-cs"/>
+              </a:defRPr>
+            </a:lvl8pPr>
+            <a:lvl9pPr marL="3657600" algn="l" defTabSz="914400" rtl="0" eaLnBrk="1" latinLnBrk="0" hangingPunct="1">
+              <a:defRPr sz="1800" kern="1200">
+                <a:solidFill>
+                  <a:schemeClr val="tx1"/>
+                </a:solidFill>
+                <a:latin typeface="+mn-lt"/>
+                <a:ea typeface="+mn-ea"/>
+                <a:cs typeface="+mn-cs"/>
+              </a:defRPr>
+            </a:lvl9pPr>
+          </a:lstStyle>
+          <a:p>
+            <a:r>
+              <a:rPr lang="en-US" sz="6598" dirty="0" err="1"/>
+              <a:t>Olá</a:t>
+            </a:r>
+            <a:r>
+              <a:rPr lang="en-US" sz="6598" dirty="0"/>
+              <a:t>, </a:t>
+            </a:r>
+            <a:r>
+              <a:rPr lang="en-US" sz="6598" dirty="0" err="1"/>
+              <a:t>eu</a:t>
+            </a:r>
+            <a:r>
+              <a:rPr lang="en-US" sz="6598" dirty="0"/>
+              <a:t> </a:t>
+            </a:r>
+            <a:r>
+              <a:rPr lang="en-US" sz="6598" dirty="0" err="1"/>
+              <a:t>sou</a:t>
+            </a:r>
+            <a:endParaRPr lang="en-US" sz="6598" dirty="0"/>
+          </a:p>
+        </p:txBody>
+      </p:sp>
+      <p:sp>
+        <p:nvSpPr>
+          <p:cNvPr id="8" name="Retângulo 7">
+            <a:extLst>
+              <a:ext uri="{FF2B5EF4-FFF2-40B4-BE49-F238E27FC236}">
+                <a16:creationId xmlns:a16="http://schemas.microsoft.com/office/drawing/2014/main" id="{462AAB4B-E3C4-413C-B5DE-42808C32132F}"/>
+              </a:ext>
+            </a:extLst>
+          </p:cNvPr>
+          <p:cNvSpPr/>
+          <p:nvPr/>
+        </p:nvSpPr>
+        <p:spPr>
+          <a:xfrm>
+            <a:off x="7003402" y="4514195"/>
+            <a:ext cx="5037183" cy="566162"/>
+          </a:xfrm>
+          <a:prstGeom prst="rect">
+            <a:avLst/>
+          </a:prstGeom>
+          <a:noFill/>
+        </p:spPr>
+        <p:txBody>
+          <a:bodyPr wrap="none" lIns="73133" tIns="36566" rIns="73133" bIns="36566" rtlCol="0">
+            <a:spAutoFit/>
+          </a:bodyPr>
+          <a:lstStyle/>
+          <a:p>
+            <a:r>
+              <a:rPr lang="pt-BR" sz="3199" dirty="0">
+                <a:solidFill>
+                  <a:srgbClr val="5F5F5F"/>
+                </a:solidFill>
+                <a:latin typeface="Segoe UI" panose="020B0502040204020203" pitchFamily="34" charset="0"/>
+                <a:cs typeface="Segoe UI" panose="020B0502040204020203" pitchFamily="34" charset="0"/>
+              </a:rPr>
+              <a:t>github.com/gabriel-society</a:t>
+            </a:r>
+          </a:p>
+        </p:txBody>
+      </p:sp>
+    </p:spTree>
+    <p:extLst>
+      <p:ext uri="{BB962C8B-B14F-4D97-AF65-F5344CB8AC3E}">
+        <p14:creationId xmlns:p14="http://schemas.microsoft.com/office/powerpoint/2010/main" val="4068778020"/>
+      </p:ext>
+    </p:extLst>
+  </p:cSld>
+  <p:clrMapOvr>
+    <a:masterClrMapping/>
+  </p:clrMapOvr>
+  <p:transition spd="slow">
+    <p:push dir="u"/>
+  </p:transition>
+  <p:timing>
+    <p:tnLst>
+      <p:par>
+        <p:cTn id="1" dur="indefinite" restart="never" nodeType="tmRoot">
+          <p:childTnLst>
+            <p:seq concurrent="1" nextAc="seek">
+              <p:cTn id="2" dur="indefinite" nodeType="mainSeq">
+                <p:childTnLst>
+                  <p:par>
+                    <p:cTn id="3" fill="hold">
+                      <p:stCondLst>
+                        <p:cond delay="indefinite"/>
+                        <p:cond evt="onBegin" delay="0">
+                          <p:tn val="2"/>
+                        </p:cond>
+                      </p:stCondLst>
+                      <p:childTnLst>
+                        <p:par>
+                          <p:cTn id="4" fill="hold">
+                            <p:stCondLst>
+                              <p:cond delay="0"/>
+                            </p:stCondLst>
+                            <p:childTnLst>
+                              <p:par>
+                                <p:cTn id="5" presetID="2" presetClass="entr" presetSubtype="8" fill="hold" grpId="0" nodeType="afterEffect">
+                                  <p:stCondLst>
+                                    <p:cond delay="750"/>
+                                  </p:stCondLst>
+                                  <p:childTnLst>
+                                    <p:set>
+                                      <p:cBhvr>
+                                        <p:cTn id="6" dur="1" fill="hold">
+                                          <p:stCondLst>
+                                            <p:cond delay="0"/>
+                                          </p:stCondLst>
+                                        </p:cTn>
+                                        <p:tgtEl>
+                                          <p:spTgt spid="4"/>
+                                        </p:tgtEl>
+                                        <p:attrNameLst>
+                                          <p:attrName>style.visibility</p:attrName>
+                                        </p:attrNameLst>
+                                      </p:cBhvr>
+                                      <p:to>
+                                        <p:strVal val="visible"/>
+                                      </p:to>
+                                    </p:set>
+                                    <p:anim calcmode="lin" valueType="num">
+                                      <p:cBhvr additive="base">
+                                        <p:cTn id="7" dur="500" fill="hold"/>
+                                        <p:tgtEl>
+                                          <p:spTgt spid="4"/>
+                                        </p:tgtEl>
+                                        <p:attrNameLst>
+                                          <p:attrName>ppt_x</p:attrName>
+                                        </p:attrNameLst>
+                                      </p:cBhvr>
+                                      <p:tavLst>
+                                        <p:tav tm="0">
+                                          <p:val>
+                                            <p:strVal val="0-#ppt_w/2"/>
+                                          </p:val>
+                                        </p:tav>
+                                        <p:tav tm="100000">
+                                          <p:val>
+                                            <p:strVal val="#ppt_x"/>
+                                          </p:val>
+                                        </p:tav>
+                                      </p:tavLst>
+                                    </p:anim>
+                                    <p:anim calcmode="lin" valueType="num">
+                                      <p:cBhvr additive="base">
+                                        <p:cTn id="8" dur="500" fill="hold"/>
+                                        <p:tgtEl>
+                                          <p:spTgt spid="4"/>
+                                        </p:tgtEl>
+                                        <p:attrNameLst>
+                                          <p:attrName>ppt_y</p:attrName>
+                                        </p:attrNameLst>
+                                      </p:cBhvr>
+                                      <p:tavLst>
+                                        <p:tav tm="0">
+                                          <p:val>
+                                            <p:strVal val="#ppt_y"/>
+                                          </p:val>
+                                        </p:tav>
+                                        <p:tav tm="100000">
+                                          <p:val>
+                                            <p:strVal val="#ppt_y"/>
+                                          </p:val>
+                                        </p:tav>
+                                      </p:tavLst>
+                                    </p:anim>
+                                  </p:childTnLst>
+                                </p:cTn>
+                              </p:par>
+                            </p:childTnLst>
+                          </p:cTn>
+                        </p:par>
+                        <p:par>
+                          <p:cTn id="9" fill="hold">
+                            <p:stCondLst>
+                              <p:cond delay="1250"/>
+                            </p:stCondLst>
+                            <p:childTnLst>
+                              <p:par>
+                                <p:cTn id="10" presetID="2" presetClass="entr" presetSubtype="2" fill="hold" grpId="0" nodeType="afterEffect">
+                                  <p:stCondLst>
+                                    <p:cond delay="750"/>
+                                  </p:stCondLst>
+                                  <p:childTnLst>
+                                    <p:set>
+                                      <p:cBhvr>
+                                        <p:cTn id="11" dur="1" fill="hold">
+                                          <p:stCondLst>
+                                            <p:cond delay="0"/>
+                                          </p:stCondLst>
+                                        </p:cTn>
+                                        <p:tgtEl>
+                                          <p:spTgt spid="5"/>
+                                        </p:tgtEl>
+                                        <p:attrNameLst>
+                                          <p:attrName>style.visibility</p:attrName>
+                                        </p:attrNameLst>
+                                      </p:cBhvr>
+                                      <p:to>
+                                        <p:strVal val="visible"/>
+                                      </p:to>
+                                    </p:set>
+                                    <p:anim calcmode="lin" valueType="num">
+                                      <p:cBhvr additive="base">
+                                        <p:cTn id="12" dur="500" fill="hold"/>
+                                        <p:tgtEl>
+                                          <p:spTgt spid="5"/>
+                                        </p:tgtEl>
+                                        <p:attrNameLst>
+                                          <p:attrName>ppt_x</p:attrName>
+                                        </p:attrNameLst>
+                                      </p:cBhvr>
+                                      <p:tavLst>
+                                        <p:tav tm="0">
+                                          <p:val>
+                                            <p:strVal val="1+#ppt_w/2"/>
+                                          </p:val>
+                                        </p:tav>
+                                        <p:tav tm="100000">
+                                          <p:val>
+                                            <p:strVal val="#ppt_x"/>
+                                          </p:val>
+                                        </p:tav>
+                                      </p:tavLst>
+                                    </p:anim>
+                                    <p:anim calcmode="lin" valueType="num">
+                                      <p:cBhvr additive="base">
+                                        <p:cTn id="13" dur="500" fill="hold"/>
+                                        <p:tgtEl>
+                                          <p:spTgt spid="5"/>
+                                        </p:tgtEl>
+                                        <p:attrNameLst>
+                                          <p:attrName>ppt_y</p:attrName>
+                                        </p:attrNameLst>
+                                      </p:cBhvr>
+                                      <p:tavLst>
+                                        <p:tav tm="0">
+                                          <p:val>
+                                            <p:strVal val="#ppt_y"/>
+                                          </p:val>
+                                        </p:tav>
+                                        <p:tav tm="100000">
+                                          <p:val>
+                                            <p:strVal val="#ppt_y"/>
+                                          </p:val>
+                                        </p:tav>
+                                      </p:tavLst>
+                                    </p:anim>
+                                  </p:childTnLst>
+                                </p:cTn>
+                              </p:par>
+                            </p:childTnLst>
+                          </p:cTn>
+                        </p:par>
+                        <p:par>
+                          <p:cTn id="14" fill="hold">
+                            <p:stCondLst>
+                              <p:cond delay="2500"/>
+                            </p:stCondLst>
+                            <p:childTnLst>
+                              <p:par>
+                                <p:cTn id="15" presetID="2" presetClass="entr" presetSubtype="2" fill="hold" grpId="0" nodeType="afterEffect">
+                                  <p:stCondLst>
+                                    <p:cond delay="500"/>
+                                  </p:stCondLst>
+                                  <p:childTnLst>
+                                    <p:set>
+                                      <p:cBhvr>
+                                        <p:cTn id="16" dur="1" fill="hold">
+                                          <p:stCondLst>
+                                            <p:cond delay="0"/>
+                                          </p:stCondLst>
+                                        </p:cTn>
+                                        <p:tgtEl>
+                                          <p:spTgt spid="6"/>
+                                        </p:tgtEl>
+                                        <p:attrNameLst>
+                                          <p:attrName>style.visibility</p:attrName>
+                                        </p:attrNameLst>
+                                      </p:cBhvr>
+                                      <p:to>
+                                        <p:strVal val="visible"/>
+                                      </p:to>
+                                    </p:set>
+                                    <p:anim calcmode="lin" valueType="num">
+                                      <p:cBhvr additive="base">
+                                        <p:cTn id="17" dur="500" fill="hold"/>
+                                        <p:tgtEl>
+                                          <p:spTgt spid="6"/>
+                                        </p:tgtEl>
+                                        <p:attrNameLst>
+                                          <p:attrName>ppt_x</p:attrName>
+                                        </p:attrNameLst>
+                                      </p:cBhvr>
+                                      <p:tavLst>
+                                        <p:tav tm="0">
+                                          <p:val>
+                                            <p:strVal val="1+#ppt_w/2"/>
+                                          </p:val>
+                                        </p:tav>
+                                        <p:tav tm="100000">
+                                          <p:val>
+                                            <p:strVal val="#ppt_x"/>
+                                          </p:val>
+                                        </p:tav>
+                                      </p:tavLst>
+                                    </p:anim>
+                                    <p:anim calcmode="lin" valueType="num">
+                                      <p:cBhvr additive="base">
+                                        <p:cTn id="18" dur="500" fill="hold"/>
+                                        <p:tgtEl>
+                                          <p:spTgt spid="6"/>
+                                        </p:tgtEl>
+                                        <p:attrNameLst>
+                                          <p:attrName>ppt_y</p:attrName>
+                                        </p:attrNameLst>
+                                      </p:cBhvr>
+                                      <p:tavLst>
+                                        <p:tav tm="0">
+                                          <p:val>
+                                            <p:strVal val="#ppt_y"/>
+                                          </p:val>
+                                        </p:tav>
+                                        <p:tav tm="100000">
+                                          <p:val>
+                                            <p:strVal val="#ppt_y"/>
+                                          </p:val>
+                                        </p:tav>
+                                      </p:tavLst>
+                                    </p:anim>
+                                  </p:childTnLst>
+                                </p:cTn>
+                              </p:par>
+                              <p:par>
+                                <p:cTn id="19" presetID="2" presetClass="entr" presetSubtype="2" fill="hold" grpId="0" nodeType="withEffect">
+                                  <p:stCondLst>
+                                    <p:cond delay="500"/>
+                                  </p:stCondLst>
+                                  <p:childTnLst>
+                                    <p:set>
+                                      <p:cBhvr>
+                                        <p:cTn id="20" dur="1" fill="hold">
+                                          <p:stCondLst>
+                                            <p:cond delay="0"/>
+                                          </p:stCondLst>
+                                        </p:cTn>
+                                        <p:tgtEl>
+                                          <p:spTgt spid="8"/>
+                                        </p:tgtEl>
+                                        <p:attrNameLst>
+                                          <p:attrName>style.visibility</p:attrName>
+                                        </p:attrNameLst>
+                                      </p:cBhvr>
+                                      <p:to>
+                                        <p:strVal val="visible"/>
+                                      </p:to>
+                                    </p:set>
+                                    <p:anim calcmode="lin" valueType="num">
+                                      <p:cBhvr additive="base">
+                                        <p:cTn id="21" dur="500" fill="hold"/>
+                                        <p:tgtEl>
+                                          <p:spTgt spid="8"/>
+                                        </p:tgtEl>
+                                        <p:attrNameLst>
+                                          <p:attrName>ppt_x</p:attrName>
+                                        </p:attrNameLst>
+                                      </p:cBhvr>
+                                      <p:tavLst>
+                                        <p:tav tm="0">
+                                          <p:val>
+                                            <p:strVal val="1+#ppt_w/2"/>
+                                          </p:val>
+                                        </p:tav>
+                                        <p:tav tm="100000">
+                                          <p:val>
+                                            <p:strVal val="#ppt_x"/>
+                                          </p:val>
+                                        </p:tav>
+                                      </p:tavLst>
+                                    </p:anim>
+                                    <p:anim calcmode="lin" valueType="num">
+                                      <p:cBhvr additive="base">
+                                        <p:cTn id="22" dur="500" fill="hold"/>
+                                        <p:tgtEl>
+                                          <p:spTgt spid="8"/>
+                                        </p:tgtEl>
+                                        <p:attrNameLst>
+                                          <p:attrName>ppt_y</p:attrName>
+                                        </p:attrNameLst>
+                                      </p:cBhvr>
+                                      <p:tavLst>
+                                        <p:tav tm="0">
+                                          <p:val>
+                                            <p:strVal val="#ppt_y"/>
+                                          </p:val>
+                                        </p:tav>
+                                        <p:tav tm="100000">
+                                          <p:val>
+                                            <p:strVal val="#ppt_y"/>
+                                          </p:val>
+                                        </p:tav>
+                                      </p:tavLst>
+                                    </p:anim>
+                                  </p:childTnLst>
+                                </p:cTn>
+                              </p:par>
+                            </p:childTnLst>
+                          </p:cTn>
+                        </p:par>
+                      </p:childTnLst>
+                    </p:cTn>
+                  </p:par>
+                </p:childTnLst>
+              </p:cTn>
+              <p:prevCondLst>
+                <p:cond evt="onPrev" delay="0">
+                  <p:tgtEl>
+                    <p:sldTgt/>
+                  </p:tgtEl>
+                </p:cond>
+              </p:prevCondLst>
+              <p:nextCondLst>
+                <p:cond evt="onNext" delay="0">
+                  <p:tgtEl>
+                    <p:sldTgt/>
+                  </p:tgtEl>
+                </p:cond>
+              </p:nextCondLst>
+            </p:seq>
+          </p:childTnLst>
+        </p:cTn>
+      </p:par>
+    </p:tnLst>
+    <p:bldLst>
+      <p:bldP spid="4" grpId="0"/>
+      <p:bldP spid="5" grpId="0"/>
+      <p:bldP spid="6" grpId="0"/>
+      <p:bldP spid="8" grpId="0"/>
+    </p:bldLst>
+  </p:timing>
+</p:sld>
+</file>
+
+<file path=ppt/slides/slide3.xml><?xml version="1.0" encoding="utf-8"?>
+<p:sld xmlns:a="http://schemas.openxmlformats.org/drawingml/2006/main" xmlns:r="http://schemas.openxmlformats.org/officeDocument/2006/relationships" xmlns:p="http://schemas.openxmlformats.org/presentationml/2006/main">
+  <p:cSld>
+    <p:spTree>
+      <p:nvGrpSpPr>
+        <p:cNvPr id="1" name=""/>
+        <p:cNvGrpSpPr/>
+        <p:nvPr/>
+      </p:nvGrpSpPr>
+      <p:grpSpPr>
+        <a:xfrm>
+          <a:off x="0" y="0"/>
+          <a:ext cx="0" cy="0"/>
+          <a:chOff x="0" y="0"/>
+          <a:chExt cx="0" cy="0"/>
+        </a:xfrm>
+      </p:grpSpPr>
+      <p:sp>
+        <p:nvSpPr>
+          <p:cNvPr id="4" name="Header">
+            <a:extLst>
+              <a:ext uri="{FF2B5EF4-FFF2-40B4-BE49-F238E27FC236}">
+                <a16:creationId xmlns:a16="http://schemas.microsoft.com/office/drawing/2014/main" id="{0D305638-65E5-4687-A440-1632A689E580}"/>
+              </a:ext>
+            </a:extLst>
+          </p:cNvPr>
+          <p:cNvSpPr txBox="1"/>
+          <p:nvPr/>
+        </p:nvSpPr>
+        <p:spPr>
+          <a:xfrm>
+            <a:off x="6475412" y="2292685"/>
+            <a:ext cx="5491850" cy="1089189"/>
+          </a:xfrm>
+          <a:prstGeom prst="rect">
+            <a:avLst/>
+          </a:prstGeom>
+          <a:noFill/>
+        </p:spPr>
+        <p:txBody>
+          <a:bodyPr wrap="none" lIns="73133" tIns="36566" rIns="73133" bIns="36566" rtlCol="0">
+            <a:spAutoFit/>
+          </a:bodyPr>
+          <a:lstStyle>
+            <a:defPPr>
+              <a:defRPr lang="en-US"/>
+            </a:defPPr>
+            <a:lvl1pPr marL="0" algn="l" defTabSz="914400" rtl="0" eaLnBrk="1" latinLnBrk="0" hangingPunct="1">
+              <a:defRPr sz="1800" kern="1200">
+                <a:solidFill>
+                  <a:schemeClr val="tx1"/>
+                </a:solidFill>
+                <a:latin typeface="+mn-lt"/>
+                <a:ea typeface="+mn-ea"/>
+                <a:cs typeface="+mn-cs"/>
+              </a:defRPr>
+            </a:lvl1pPr>
+            <a:lvl2pPr marL="457200" algn="l" defTabSz="914400" rtl="0" eaLnBrk="1" latinLnBrk="0" hangingPunct="1">
+              <a:defRPr sz="1800" kern="1200">
+                <a:solidFill>
+                  <a:schemeClr val="tx1"/>
+                </a:solidFill>
+                <a:latin typeface="+mn-lt"/>
+                <a:ea typeface="+mn-ea"/>
+                <a:cs typeface="+mn-cs"/>
+              </a:defRPr>
+            </a:lvl2pPr>
+            <a:lvl3pPr marL="914400" algn="l" defTabSz="914400" rtl="0" eaLnBrk="1" latinLnBrk="0" hangingPunct="1">
+              <a:defRPr sz="1800" kern="1200">
+                <a:solidFill>
+                  <a:schemeClr val="tx1"/>
+                </a:solidFill>
+                <a:latin typeface="+mn-lt"/>
+                <a:ea typeface="+mn-ea"/>
+                <a:cs typeface="+mn-cs"/>
+              </a:defRPr>
+            </a:lvl3pPr>
+            <a:lvl4pPr marL="1371600" algn="l" defTabSz="914400" rtl="0" eaLnBrk="1" latinLnBrk="0" hangingPunct="1">
+              <a:defRPr sz="1800" kern="1200">
+                <a:solidFill>
+                  <a:schemeClr val="tx1"/>
+                </a:solidFill>
+                <a:latin typeface="+mn-lt"/>
+                <a:ea typeface="+mn-ea"/>
+                <a:cs typeface="+mn-cs"/>
+              </a:defRPr>
+            </a:lvl4pPr>
+            <a:lvl5pPr marL="1828800" algn="l" defTabSz="914400" rtl="0" eaLnBrk="1" latinLnBrk="0" hangingPunct="1">
+              <a:defRPr sz="1800" kern="1200">
+                <a:solidFill>
+                  <a:schemeClr val="tx1"/>
+                </a:solidFill>
+                <a:latin typeface="+mn-lt"/>
+                <a:ea typeface="+mn-ea"/>
+                <a:cs typeface="+mn-cs"/>
+              </a:defRPr>
+            </a:lvl5pPr>
+            <a:lvl6pPr marL="2286000" algn="l" defTabSz="914400" rtl="0" eaLnBrk="1" latinLnBrk="0" hangingPunct="1">
+              <a:defRPr sz="1800" kern="1200">
+                <a:solidFill>
+                  <a:schemeClr val="tx1"/>
+                </a:solidFill>
+                <a:latin typeface="+mn-lt"/>
+                <a:ea typeface="+mn-ea"/>
+                <a:cs typeface="+mn-cs"/>
+              </a:defRPr>
+            </a:lvl6pPr>
+            <a:lvl7pPr marL="2743200" algn="l" defTabSz="914400" rtl="0" eaLnBrk="1" latinLnBrk="0" hangingPunct="1">
+              <a:defRPr sz="1800" kern="1200">
+                <a:solidFill>
+                  <a:schemeClr val="tx1"/>
+                </a:solidFill>
+                <a:latin typeface="+mn-lt"/>
+                <a:ea typeface="+mn-ea"/>
+                <a:cs typeface="+mn-cs"/>
+              </a:defRPr>
+            </a:lvl7pPr>
+            <a:lvl8pPr marL="3200400" algn="l" defTabSz="914400" rtl="0" eaLnBrk="1" latinLnBrk="0" hangingPunct="1">
+              <a:defRPr sz="1800" kern="1200">
+                <a:solidFill>
+                  <a:schemeClr val="tx1"/>
+                </a:solidFill>
+                <a:latin typeface="+mn-lt"/>
+                <a:ea typeface="+mn-ea"/>
+                <a:cs typeface="+mn-cs"/>
+              </a:defRPr>
+            </a:lvl8pPr>
+            <a:lvl9pPr marL="3657600" algn="l" defTabSz="914400" rtl="0" eaLnBrk="1" latinLnBrk="0" hangingPunct="1">
+              <a:defRPr sz="1800" kern="1200">
+                <a:solidFill>
+                  <a:schemeClr val="tx1"/>
+                </a:solidFill>
+                <a:latin typeface="+mn-lt"/>
+                <a:ea typeface="+mn-ea"/>
+                <a:cs typeface="+mn-cs"/>
+              </a:defRPr>
+            </a:lvl9pPr>
+          </a:lstStyle>
+          <a:p>
+            <a:r>
+              <a:rPr lang="en-US" sz="6598" b="1" dirty="0">
+                <a:solidFill>
+                  <a:srgbClr val="5F5F5F"/>
+                </a:solidFill>
+                <a:latin typeface="Segoe UI" panose="020B0502040204020203" pitchFamily="34" charset="0"/>
+                <a:cs typeface="Segoe UI" panose="020B0502040204020203" pitchFamily="34" charset="0"/>
+              </a:rPr>
+              <a:t>Thiago </a:t>
+            </a:r>
+            <a:r>
+              <a:rPr lang="en-US" sz="6598" b="1" dirty="0" err="1">
+                <a:solidFill>
+                  <a:srgbClr val="5F5F5F"/>
+                </a:solidFill>
+                <a:latin typeface="Segoe UI" panose="020B0502040204020203" pitchFamily="34" charset="0"/>
+                <a:cs typeface="Segoe UI" panose="020B0502040204020203" pitchFamily="34" charset="0"/>
+              </a:rPr>
+              <a:t>Borba</a:t>
+            </a:r>
+            <a:endParaRPr lang="en-US" sz="6598" b="1" dirty="0">
+              <a:solidFill>
+                <a:srgbClr val="5F5F5F"/>
+              </a:solidFill>
+              <a:latin typeface="Segoe UI" panose="020B0502040204020203" pitchFamily="34" charset="0"/>
+              <a:cs typeface="Segoe UI" panose="020B0502040204020203" pitchFamily="34" charset="0"/>
+            </a:endParaRPr>
+          </a:p>
+        </p:txBody>
+      </p:sp>
+      <p:sp>
+        <p:nvSpPr>
+          <p:cNvPr id="5" name="Label">
+            <a:extLst>
+              <a:ext uri="{FF2B5EF4-FFF2-40B4-BE49-F238E27FC236}">
+                <a16:creationId xmlns:a16="http://schemas.microsoft.com/office/drawing/2014/main" id="{FFBC4ECB-4B40-471E-A373-EAF994492646}"/>
+              </a:ext>
+            </a:extLst>
+          </p:cNvPr>
+          <p:cNvSpPr txBox="1"/>
+          <p:nvPr/>
+        </p:nvSpPr>
+        <p:spPr>
+          <a:xfrm>
+            <a:off x="6597365" y="3403440"/>
+            <a:ext cx="4829489" cy="566160"/>
+          </a:xfrm>
+          <a:prstGeom prst="rect">
+            <a:avLst/>
+          </a:prstGeom>
+          <a:noFill/>
+        </p:spPr>
+        <p:txBody>
+          <a:bodyPr wrap="none" lIns="73133" tIns="36566" rIns="73133" bIns="36566" rtlCol="0">
+            <a:spAutoFit/>
+          </a:bodyPr>
+          <a:lstStyle>
+            <a:defPPr>
+              <a:defRPr lang="en-US"/>
+            </a:defPPr>
+            <a:lvl1pPr marL="0" algn="l" defTabSz="914400" rtl="0" eaLnBrk="1" latinLnBrk="0" hangingPunct="1">
+              <a:defRPr sz="1800" kern="1200">
+                <a:solidFill>
+                  <a:schemeClr val="tx1"/>
+                </a:solidFill>
+                <a:latin typeface="+mn-lt"/>
+                <a:ea typeface="+mn-ea"/>
+                <a:cs typeface="+mn-cs"/>
+              </a:defRPr>
+            </a:lvl1pPr>
+            <a:lvl2pPr marL="457200" algn="l" defTabSz="914400" rtl="0" eaLnBrk="1" latinLnBrk="0" hangingPunct="1">
+              <a:defRPr sz="1800" kern="1200">
+                <a:solidFill>
+                  <a:schemeClr val="tx1"/>
+                </a:solidFill>
+                <a:latin typeface="+mn-lt"/>
+                <a:ea typeface="+mn-ea"/>
+                <a:cs typeface="+mn-cs"/>
+              </a:defRPr>
+            </a:lvl2pPr>
+            <a:lvl3pPr marL="914400" algn="l" defTabSz="914400" rtl="0" eaLnBrk="1" latinLnBrk="0" hangingPunct="1">
+              <a:defRPr sz="1800" kern="1200">
+                <a:solidFill>
+                  <a:schemeClr val="tx1"/>
+                </a:solidFill>
+                <a:latin typeface="+mn-lt"/>
+                <a:ea typeface="+mn-ea"/>
+                <a:cs typeface="+mn-cs"/>
+              </a:defRPr>
+            </a:lvl3pPr>
+            <a:lvl4pPr marL="1371600" algn="l" defTabSz="914400" rtl="0" eaLnBrk="1" latinLnBrk="0" hangingPunct="1">
+              <a:defRPr sz="1800" kern="1200">
+                <a:solidFill>
+                  <a:schemeClr val="tx1"/>
+                </a:solidFill>
+                <a:latin typeface="+mn-lt"/>
+                <a:ea typeface="+mn-ea"/>
+                <a:cs typeface="+mn-cs"/>
+              </a:defRPr>
+            </a:lvl4pPr>
+            <a:lvl5pPr marL="1828800" algn="l" defTabSz="914400" rtl="0" eaLnBrk="1" latinLnBrk="0" hangingPunct="1">
+              <a:defRPr sz="1800" kern="1200">
+                <a:solidFill>
+                  <a:schemeClr val="tx1"/>
+                </a:solidFill>
+                <a:latin typeface="+mn-lt"/>
+                <a:ea typeface="+mn-ea"/>
+                <a:cs typeface="+mn-cs"/>
+              </a:defRPr>
+            </a:lvl5pPr>
+            <a:lvl6pPr marL="2286000" algn="l" defTabSz="914400" rtl="0" eaLnBrk="1" latinLnBrk="0" hangingPunct="1">
+              <a:defRPr sz="1800" kern="1200">
+                <a:solidFill>
+                  <a:schemeClr val="tx1"/>
+                </a:solidFill>
+                <a:latin typeface="+mn-lt"/>
+                <a:ea typeface="+mn-ea"/>
+                <a:cs typeface="+mn-cs"/>
+              </a:defRPr>
+            </a:lvl6pPr>
+            <a:lvl7pPr marL="2743200" algn="l" defTabSz="914400" rtl="0" eaLnBrk="1" latinLnBrk="0" hangingPunct="1">
+              <a:defRPr sz="1800" kern="1200">
+                <a:solidFill>
+                  <a:schemeClr val="tx1"/>
+                </a:solidFill>
+                <a:latin typeface="+mn-lt"/>
+                <a:ea typeface="+mn-ea"/>
+                <a:cs typeface="+mn-cs"/>
+              </a:defRPr>
+            </a:lvl7pPr>
+            <a:lvl8pPr marL="3200400" algn="l" defTabSz="914400" rtl="0" eaLnBrk="1" latinLnBrk="0" hangingPunct="1">
+              <a:defRPr sz="1800" kern="1200">
+                <a:solidFill>
+                  <a:schemeClr val="tx1"/>
+                </a:solidFill>
+                <a:latin typeface="+mn-lt"/>
+                <a:ea typeface="+mn-ea"/>
+                <a:cs typeface="+mn-cs"/>
+              </a:defRPr>
+            </a:lvl8pPr>
+            <a:lvl9pPr marL="3657600" algn="l" defTabSz="914400" rtl="0" eaLnBrk="1" latinLnBrk="0" hangingPunct="1">
+              <a:defRPr sz="1800" kern="1200">
+                <a:solidFill>
+                  <a:schemeClr val="tx1"/>
+                </a:solidFill>
+                <a:latin typeface="+mn-lt"/>
+                <a:ea typeface="+mn-ea"/>
+                <a:cs typeface="+mn-cs"/>
+              </a:defRPr>
+            </a:lvl9pPr>
+          </a:lstStyle>
+          <a:p>
+            <a:r>
+              <a:rPr lang="pt-BR" sz="3199" dirty="0">
+                <a:solidFill>
+                  <a:srgbClr val="5F5F5F"/>
+                </a:solidFill>
+                <a:latin typeface="Segoe UI" panose="020B0502040204020203" pitchFamily="34" charset="0"/>
+                <a:cs typeface="Segoe UI" panose="020B0502040204020203" pitchFamily="34" charset="0"/>
+              </a:rPr>
+              <a:t>thiago.borba@icloud.com</a:t>
+            </a:r>
+            <a:endParaRPr lang="en-US" sz="3199" dirty="0">
+              <a:solidFill>
+                <a:srgbClr val="5F5F5F"/>
+              </a:solidFill>
+              <a:latin typeface="Segoe UI" panose="020B0502040204020203" pitchFamily="34" charset="0"/>
+              <a:cs typeface="Segoe UI" panose="020B0502040204020203" pitchFamily="34" charset="0"/>
+            </a:endParaRPr>
+          </a:p>
+        </p:txBody>
+      </p:sp>
+      <p:sp>
+        <p:nvSpPr>
+          <p:cNvPr id="6" name="Retângulo 5">
+            <a:extLst>
+              <a:ext uri="{FF2B5EF4-FFF2-40B4-BE49-F238E27FC236}">
+                <a16:creationId xmlns:a16="http://schemas.microsoft.com/office/drawing/2014/main" id="{C01F25DC-F673-4D32-A0A6-4B49DEFA10EC}"/>
+              </a:ext>
+            </a:extLst>
+          </p:cNvPr>
+          <p:cNvSpPr/>
+          <p:nvPr/>
+        </p:nvSpPr>
+        <p:spPr>
+          <a:xfrm>
+            <a:off x="6598213" y="3946658"/>
+            <a:ext cx="5478513" cy="566160"/>
+          </a:xfrm>
+          <a:prstGeom prst="rect">
+            <a:avLst/>
+          </a:prstGeom>
+          <a:noFill/>
+        </p:spPr>
+        <p:txBody>
+          <a:bodyPr wrap="none" lIns="73133" tIns="36566" rIns="73133" bIns="36566" rtlCol="0">
+            <a:spAutoFit/>
+          </a:bodyPr>
+          <a:lstStyle/>
+          <a:p>
+            <a:r>
+              <a:rPr lang="pt-BR" sz="3199" dirty="0">
+                <a:solidFill>
+                  <a:srgbClr val="5F5F5F"/>
+                </a:solidFill>
+                <a:latin typeface="Segoe UI" panose="020B0502040204020203" pitchFamily="34" charset="0"/>
+                <a:cs typeface="Segoe UI" panose="020B0502040204020203" pitchFamily="34" charset="0"/>
+              </a:rPr>
+              <a:t>linkedin.com/in/</a:t>
+            </a:r>
+            <a:r>
+              <a:rPr lang="pt-BR" sz="3199" dirty="0" err="1">
+                <a:solidFill>
+                  <a:srgbClr val="5F5F5F"/>
+                </a:solidFill>
+                <a:latin typeface="Segoe UI" panose="020B0502040204020203" pitchFamily="34" charset="0"/>
+                <a:cs typeface="Segoe UI" panose="020B0502040204020203" pitchFamily="34" charset="0"/>
+              </a:rPr>
+              <a:t>thiago-borba</a:t>
+            </a:r>
+            <a:endParaRPr lang="pt-BR" sz="3199" dirty="0">
+              <a:solidFill>
+                <a:srgbClr val="5F5F5F"/>
+              </a:solidFill>
+              <a:latin typeface="Segoe UI" panose="020B0502040204020203" pitchFamily="34" charset="0"/>
+              <a:cs typeface="Segoe UI" panose="020B0502040204020203" pitchFamily="34" charset="0"/>
+            </a:endParaRPr>
+          </a:p>
+        </p:txBody>
+      </p:sp>
+      <p:sp>
+        <p:nvSpPr>
+          <p:cNvPr id="7" name="Header">
+            <a:extLst>
+              <a:ext uri="{FF2B5EF4-FFF2-40B4-BE49-F238E27FC236}">
+                <a16:creationId xmlns:a16="http://schemas.microsoft.com/office/drawing/2014/main" id="{7063E5B8-7BF4-4355-B5AE-31794C24E3AE}"/>
+              </a:ext>
+            </a:extLst>
+          </p:cNvPr>
+          <p:cNvSpPr txBox="1"/>
+          <p:nvPr/>
+        </p:nvSpPr>
+        <p:spPr>
+          <a:xfrm>
+            <a:off x="0" y="954385"/>
+            <a:ext cx="5115790" cy="683086"/>
+          </a:xfrm>
+          <a:prstGeom prst="rect">
+            <a:avLst/>
+          </a:prstGeom>
+        </p:spPr>
+        <p:txBody>
+          <a:bodyPr vert="horz" wrap="square" lIns="146266" tIns="91416" rIns="146266" bIns="91416" rtlCol="0" anchor="t">
+            <a:noAutofit/>
+          </a:bodyPr>
+          <a:lstStyle>
+            <a:defPPr>
+              <a:defRPr lang="pt-BR"/>
+            </a:defPPr>
+            <a:lvl1pPr>
+              <a:lnSpc>
+                <a:spcPct val="90000"/>
+              </a:lnSpc>
+              <a:spcBef>
+                <a:spcPct val="0"/>
+              </a:spcBef>
+              <a:buNone/>
+              <a:defRPr sz="4400" b="1">
+                <a:latin typeface="+mj-lt"/>
+                <a:ea typeface="+mj-ea"/>
+                <a:cs typeface="+mj-cs"/>
+              </a:defRPr>
+            </a:lvl1pPr>
+            <a:lvl2pPr marL="457200" algn="l" defTabSz="914400" rtl="0" eaLnBrk="1" latinLnBrk="0" hangingPunct="1">
+              <a:defRPr sz="1800" kern="1200">
+                <a:solidFill>
+                  <a:schemeClr val="tx1"/>
+                </a:solidFill>
+                <a:latin typeface="+mn-lt"/>
+                <a:ea typeface="+mn-ea"/>
+                <a:cs typeface="+mn-cs"/>
+              </a:defRPr>
+            </a:lvl2pPr>
+            <a:lvl3pPr marL="914400" algn="l" defTabSz="914400" rtl="0" eaLnBrk="1" latinLnBrk="0" hangingPunct="1">
+              <a:defRPr sz="1800" kern="1200">
+                <a:solidFill>
+                  <a:schemeClr val="tx1"/>
+                </a:solidFill>
+                <a:latin typeface="+mn-lt"/>
+                <a:ea typeface="+mn-ea"/>
+                <a:cs typeface="+mn-cs"/>
+              </a:defRPr>
+            </a:lvl3pPr>
+            <a:lvl4pPr marL="1371600" algn="l" defTabSz="914400" rtl="0" eaLnBrk="1" latinLnBrk="0" hangingPunct="1">
+              <a:defRPr sz="1800" kern="1200">
+                <a:solidFill>
+                  <a:schemeClr val="tx1"/>
+                </a:solidFill>
+                <a:latin typeface="+mn-lt"/>
+                <a:ea typeface="+mn-ea"/>
+                <a:cs typeface="+mn-cs"/>
+              </a:defRPr>
+            </a:lvl4pPr>
+            <a:lvl5pPr marL="1828800" algn="l" defTabSz="914400" rtl="0" eaLnBrk="1" latinLnBrk="0" hangingPunct="1">
+              <a:defRPr sz="1800" kern="1200">
+                <a:solidFill>
+                  <a:schemeClr val="tx1"/>
+                </a:solidFill>
+                <a:latin typeface="+mn-lt"/>
+                <a:ea typeface="+mn-ea"/>
+                <a:cs typeface="+mn-cs"/>
+              </a:defRPr>
+            </a:lvl5pPr>
+            <a:lvl6pPr marL="2286000" algn="l" defTabSz="914400" rtl="0" eaLnBrk="1" latinLnBrk="0" hangingPunct="1">
+              <a:defRPr sz="1800" kern="1200">
+                <a:solidFill>
+                  <a:schemeClr val="tx1"/>
+                </a:solidFill>
+                <a:latin typeface="+mn-lt"/>
+                <a:ea typeface="+mn-ea"/>
+                <a:cs typeface="+mn-cs"/>
+              </a:defRPr>
+            </a:lvl6pPr>
+            <a:lvl7pPr marL="2743200" algn="l" defTabSz="914400" rtl="0" eaLnBrk="1" latinLnBrk="0" hangingPunct="1">
+              <a:defRPr sz="1800" kern="1200">
+                <a:solidFill>
+                  <a:schemeClr val="tx1"/>
+                </a:solidFill>
+                <a:latin typeface="+mn-lt"/>
+                <a:ea typeface="+mn-ea"/>
+                <a:cs typeface="+mn-cs"/>
+              </a:defRPr>
+            </a:lvl7pPr>
+            <a:lvl8pPr marL="3200400" algn="l" defTabSz="914400" rtl="0" eaLnBrk="1" latinLnBrk="0" hangingPunct="1">
+              <a:defRPr sz="1800" kern="1200">
+                <a:solidFill>
+                  <a:schemeClr val="tx1"/>
+                </a:solidFill>
+                <a:latin typeface="+mn-lt"/>
+                <a:ea typeface="+mn-ea"/>
+                <a:cs typeface="+mn-cs"/>
+              </a:defRPr>
+            </a:lvl8pPr>
+            <a:lvl9pPr marL="3657600" algn="l" defTabSz="914400" rtl="0" eaLnBrk="1" latinLnBrk="0" hangingPunct="1">
+              <a:defRPr sz="1800" kern="1200">
+                <a:solidFill>
+                  <a:schemeClr val="tx1"/>
+                </a:solidFill>
+                <a:latin typeface="+mn-lt"/>
+                <a:ea typeface="+mn-ea"/>
+                <a:cs typeface="+mn-cs"/>
+              </a:defRPr>
+            </a:lvl9pPr>
+          </a:lstStyle>
+          <a:p>
+            <a:r>
+              <a:rPr lang="en-US" sz="6598" dirty="0"/>
+              <a:t>E </a:t>
+            </a:r>
+            <a:r>
+              <a:rPr lang="en-US" sz="6598" dirty="0" err="1"/>
+              <a:t>eu</a:t>
+            </a:r>
+            <a:r>
+              <a:rPr lang="en-US" sz="6598" dirty="0"/>
+              <a:t> </a:t>
+            </a:r>
+            <a:r>
+              <a:rPr lang="en-US" sz="6598" dirty="0" err="1"/>
+              <a:t>sou</a:t>
+            </a:r>
+            <a:endParaRPr lang="en-US" sz="6598" dirty="0"/>
+          </a:p>
+        </p:txBody>
+      </p:sp>
+      <p:sp>
+        <p:nvSpPr>
+          <p:cNvPr id="8" name="Retângulo 7">
+            <a:extLst>
+              <a:ext uri="{FF2B5EF4-FFF2-40B4-BE49-F238E27FC236}">
+                <a16:creationId xmlns:a16="http://schemas.microsoft.com/office/drawing/2014/main" id="{462AAB4B-E3C4-413C-B5DE-42808C32132F}"/>
+              </a:ext>
+            </a:extLst>
+          </p:cNvPr>
+          <p:cNvSpPr/>
+          <p:nvPr/>
+        </p:nvSpPr>
+        <p:spPr>
+          <a:xfrm>
+            <a:off x="6598213" y="4512818"/>
+            <a:ext cx="3602166" cy="566160"/>
+          </a:xfrm>
+          <a:prstGeom prst="rect">
+            <a:avLst/>
+          </a:prstGeom>
+          <a:noFill/>
+        </p:spPr>
+        <p:txBody>
+          <a:bodyPr wrap="none" lIns="73133" tIns="36566" rIns="73133" bIns="36566" rtlCol="0">
+            <a:spAutoFit/>
+          </a:bodyPr>
+          <a:lstStyle/>
+          <a:p>
+            <a:r>
+              <a:rPr lang="pt-BR" sz="3199" dirty="0">
+                <a:solidFill>
+                  <a:srgbClr val="5F5F5F"/>
+                </a:solidFill>
+                <a:latin typeface="Segoe UI" panose="020B0502040204020203" pitchFamily="34" charset="0"/>
+                <a:cs typeface="Segoe UI" panose="020B0502040204020203" pitchFamily="34" charset="0"/>
+              </a:rPr>
+              <a:t>github.com/</a:t>
+            </a:r>
+            <a:r>
+              <a:rPr lang="pt-BR" sz="3199" dirty="0" err="1">
+                <a:solidFill>
+                  <a:srgbClr val="5F5F5F"/>
+                </a:solidFill>
+                <a:latin typeface="Segoe UI" panose="020B0502040204020203" pitchFamily="34" charset="0"/>
+                <a:cs typeface="Segoe UI" panose="020B0502040204020203" pitchFamily="34" charset="0"/>
+              </a:rPr>
+              <a:t>thgbrb</a:t>
+            </a:r>
+            <a:endParaRPr lang="pt-BR" sz="3199" dirty="0">
+              <a:solidFill>
+                <a:srgbClr val="5F5F5F"/>
+              </a:solidFill>
+              <a:latin typeface="Segoe UI" panose="020B0502040204020203" pitchFamily="34" charset="0"/>
+              <a:cs typeface="Segoe UI" panose="020B0502040204020203" pitchFamily="34" charset="0"/>
+            </a:endParaRPr>
+          </a:p>
+        </p:txBody>
+      </p:sp>
+    </p:spTree>
+    <p:extLst>
+      <p:ext uri="{BB962C8B-B14F-4D97-AF65-F5344CB8AC3E}">
+        <p14:creationId xmlns:p14="http://schemas.microsoft.com/office/powerpoint/2010/main" val="1917419612"/>
+      </p:ext>
+    </p:extLst>
+  </p:cSld>
+  <p:clrMapOvr>
+    <a:masterClrMapping/>
+  </p:clrMapOvr>
+  <p:transition spd="slow">
+    <p:push dir="u"/>
+  </p:transition>
+  <p:timing>
+    <p:tnLst>
+      <p:par>
+        <p:cTn id="1" dur="indefinite" restart="never" nodeType="tmRoot">
+          <p:childTnLst>
+            <p:seq concurrent="1" nextAc="seek">
+              <p:cTn id="2" dur="indefinite" nodeType="mainSeq">
+                <p:childTnLst>
+                  <p:par>
+                    <p:cTn id="3" fill="hold">
+                      <p:stCondLst>
+                        <p:cond delay="indefinite"/>
+                        <p:cond evt="onBegin" delay="0">
+                          <p:tn val="2"/>
+                        </p:cond>
+                      </p:stCondLst>
+                      <p:childTnLst>
+                        <p:par>
+                          <p:cTn id="4" fill="hold">
+                            <p:stCondLst>
+                              <p:cond delay="0"/>
+                            </p:stCondLst>
+                            <p:childTnLst>
+                              <p:par>
+                                <p:cTn id="5" presetID="2" presetClass="entr" presetSubtype="8" fill="hold" grpId="0" nodeType="afterEffect">
+                                  <p:stCondLst>
+                                    <p:cond delay="750"/>
+                                  </p:stCondLst>
+                                  <p:childTnLst>
+                                    <p:set>
+                                      <p:cBhvr>
+                                        <p:cTn id="6" dur="1" fill="hold">
+                                          <p:stCondLst>
+                                            <p:cond delay="0"/>
+                                          </p:stCondLst>
+                                        </p:cTn>
+                                        <p:tgtEl>
+                                          <p:spTgt spid="4"/>
+                                        </p:tgtEl>
+                                        <p:attrNameLst>
+                                          <p:attrName>style.visibility</p:attrName>
+                                        </p:attrNameLst>
+                                      </p:cBhvr>
+                                      <p:to>
+                                        <p:strVal val="visible"/>
+                                      </p:to>
+                                    </p:set>
+                                    <p:anim calcmode="lin" valueType="num">
+                                      <p:cBhvr additive="base">
+                                        <p:cTn id="7" dur="500" fill="hold"/>
+                                        <p:tgtEl>
+                                          <p:spTgt spid="4"/>
+                                        </p:tgtEl>
+                                        <p:attrNameLst>
+                                          <p:attrName>ppt_x</p:attrName>
+                                        </p:attrNameLst>
+                                      </p:cBhvr>
+                                      <p:tavLst>
+                                        <p:tav tm="0">
+                                          <p:val>
+                                            <p:strVal val="0-#ppt_w/2"/>
+                                          </p:val>
+                                        </p:tav>
+                                        <p:tav tm="100000">
+                                          <p:val>
+                                            <p:strVal val="#ppt_x"/>
+                                          </p:val>
+                                        </p:tav>
+                                      </p:tavLst>
+                                    </p:anim>
+                                    <p:anim calcmode="lin" valueType="num">
+                                      <p:cBhvr additive="base">
+                                        <p:cTn id="8" dur="500" fill="hold"/>
+                                        <p:tgtEl>
+                                          <p:spTgt spid="4"/>
+                                        </p:tgtEl>
+                                        <p:attrNameLst>
+                                          <p:attrName>ppt_y</p:attrName>
+                                        </p:attrNameLst>
+                                      </p:cBhvr>
+                                      <p:tavLst>
+                                        <p:tav tm="0">
+                                          <p:val>
+                                            <p:strVal val="#ppt_y"/>
+                                          </p:val>
+                                        </p:tav>
+                                        <p:tav tm="100000">
+                                          <p:val>
+                                            <p:strVal val="#ppt_y"/>
+                                          </p:val>
+                                        </p:tav>
+                                      </p:tavLst>
+                                    </p:anim>
+                                  </p:childTnLst>
+                                </p:cTn>
+                              </p:par>
+                            </p:childTnLst>
+                          </p:cTn>
+                        </p:par>
+                        <p:par>
+                          <p:cTn id="9" fill="hold">
+                            <p:stCondLst>
+                              <p:cond delay="1250"/>
+                            </p:stCondLst>
+                            <p:childTnLst>
+                              <p:par>
+                                <p:cTn id="10" presetID="2" presetClass="entr" presetSubtype="2" fill="hold" grpId="0" nodeType="afterEffect">
+                                  <p:stCondLst>
+                                    <p:cond delay="750"/>
+                                  </p:stCondLst>
+                                  <p:childTnLst>
+                                    <p:set>
+                                      <p:cBhvr>
+                                        <p:cTn id="11" dur="1" fill="hold">
+                                          <p:stCondLst>
+                                            <p:cond delay="0"/>
+                                          </p:stCondLst>
+                                        </p:cTn>
+                                        <p:tgtEl>
+                                          <p:spTgt spid="5"/>
+                                        </p:tgtEl>
+                                        <p:attrNameLst>
+                                          <p:attrName>style.visibility</p:attrName>
+                                        </p:attrNameLst>
+                                      </p:cBhvr>
+                                      <p:to>
+                                        <p:strVal val="visible"/>
+                                      </p:to>
+                                    </p:set>
+                                    <p:anim calcmode="lin" valueType="num">
+                                      <p:cBhvr additive="base">
+                                        <p:cTn id="12" dur="500" fill="hold"/>
+                                        <p:tgtEl>
+                                          <p:spTgt spid="5"/>
+                                        </p:tgtEl>
+                                        <p:attrNameLst>
+                                          <p:attrName>ppt_x</p:attrName>
+                                        </p:attrNameLst>
+                                      </p:cBhvr>
+                                      <p:tavLst>
+                                        <p:tav tm="0">
+                                          <p:val>
+                                            <p:strVal val="1+#ppt_w/2"/>
+                                          </p:val>
+                                        </p:tav>
+                                        <p:tav tm="100000">
+                                          <p:val>
+                                            <p:strVal val="#ppt_x"/>
+                                          </p:val>
+                                        </p:tav>
+                                      </p:tavLst>
+                                    </p:anim>
+                                    <p:anim calcmode="lin" valueType="num">
+                                      <p:cBhvr additive="base">
+                                        <p:cTn id="13" dur="500" fill="hold"/>
+                                        <p:tgtEl>
+                                          <p:spTgt spid="5"/>
+                                        </p:tgtEl>
+                                        <p:attrNameLst>
+                                          <p:attrName>ppt_y</p:attrName>
+                                        </p:attrNameLst>
+                                      </p:cBhvr>
+                                      <p:tavLst>
+                                        <p:tav tm="0">
+                                          <p:val>
+                                            <p:strVal val="#ppt_y"/>
+                                          </p:val>
+                                        </p:tav>
+                                        <p:tav tm="100000">
+                                          <p:val>
+                                            <p:strVal val="#ppt_y"/>
+                                          </p:val>
+                                        </p:tav>
+                                      </p:tavLst>
+                                    </p:anim>
+                                  </p:childTnLst>
+                                </p:cTn>
+                              </p:par>
+                            </p:childTnLst>
+                          </p:cTn>
+                        </p:par>
+                        <p:par>
+                          <p:cTn id="14" fill="hold">
+                            <p:stCondLst>
+                              <p:cond delay="2500"/>
+                            </p:stCondLst>
+                            <p:childTnLst>
+                              <p:par>
+                                <p:cTn id="15" presetID="2" presetClass="entr" presetSubtype="2" fill="hold" grpId="0" nodeType="afterEffect">
+                                  <p:stCondLst>
+                                    <p:cond delay="500"/>
+                                  </p:stCondLst>
+                                  <p:childTnLst>
+                                    <p:set>
+                                      <p:cBhvr>
+                                        <p:cTn id="16" dur="1" fill="hold">
+                                          <p:stCondLst>
+                                            <p:cond delay="0"/>
+                                          </p:stCondLst>
+                                        </p:cTn>
+                                        <p:tgtEl>
+                                          <p:spTgt spid="6"/>
+                                        </p:tgtEl>
+                                        <p:attrNameLst>
+                                          <p:attrName>style.visibility</p:attrName>
+                                        </p:attrNameLst>
+                                      </p:cBhvr>
+                                      <p:to>
+                                        <p:strVal val="visible"/>
+                                      </p:to>
+                                    </p:set>
+                                    <p:anim calcmode="lin" valueType="num">
+                                      <p:cBhvr additive="base">
+                                        <p:cTn id="17" dur="500" fill="hold"/>
+                                        <p:tgtEl>
+                                          <p:spTgt spid="6"/>
+                                        </p:tgtEl>
+                                        <p:attrNameLst>
+                                          <p:attrName>ppt_x</p:attrName>
+                                        </p:attrNameLst>
+                                      </p:cBhvr>
+                                      <p:tavLst>
+                                        <p:tav tm="0">
+                                          <p:val>
+                                            <p:strVal val="1+#ppt_w/2"/>
+                                          </p:val>
+                                        </p:tav>
+                                        <p:tav tm="100000">
+                                          <p:val>
+                                            <p:strVal val="#ppt_x"/>
+                                          </p:val>
+                                        </p:tav>
+                                      </p:tavLst>
+                                    </p:anim>
+                                    <p:anim calcmode="lin" valueType="num">
+                                      <p:cBhvr additive="base">
+                                        <p:cTn id="18" dur="500" fill="hold"/>
+                                        <p:tgtEl>
+                                          <p:spTgt spid="6"/>
+                                        </p:tgtEl>
+                                        <p:attrNameLst>
+                                          <p:attrName>ppt_y</p:attrName>
+                                        </p:attrNameLst>
+                                      </p:cBhvr>
+                                      <p:tavLst>
+                                        <p:tav tm="0">
+                                          <p:val>
+                                            <p:strVal val="#ppt_y"/>
+                                          </p:val>
+                                        </p:tav>
+                                        <p:tav tm="100000">
+                                          <p:val>
+                                            <p:strVal val="#ppt_y"/>
+                                          </p:val>
+                                        </p:tav>
+                                      </p:tavLst>
+                                    </p:anim>
+                                  </p:childTnLst>
+                                </p:cTn>
+                              </p:par>
+                              <p:par>
+                                <p:cTn id="19" presetID="2" presetClass="entr" presetSubtype="2" fill="hold" grpId="0" nodeType="withEffect">
+                                  <p:stCondLst>
+                                    <p:cond delay="500"/>
+                                  </p:stCondLst>
+                                  <p:childTnLst>
+                                    <p:set>
+                                      <p:cBhvr>
+                                        <p:cTn id="20" dur="1" fill="hold">
+                                          <p:stCondLst>
+                                            <p:cond delay="0"/>
+                                          </p:stCondLst>
+                                        </p:cTn>
+                                        <p:tgtEl>
+                                          <p:spTgt spid="8"/>
+                                        </p:tgtEl>
+                                        <p:attrNameLst>
+                                          <p:attrName>style.visibility</p:attrName>
+                                        </p:attrNameLst>
+                                      </p:cBhvr>
+                                      <p:to>
+                                        <p:strVal val="visible"/>
+                                      </p:to>
+                                    </p:set>
+                                    <p:anim calcmode="lin" valueType="num">
+                                      <p:cBhvr additive="base">
+                                        <p:cTn id="21" dur="500" fill="hold"/>
+                                        <p:tgtEl>
+                                          <p:spTgt spid="8"/>
+                                        </p:tgtEl>
+                                        <p:attrNameLst>
+                                          <p:attrName>ppt_x</p:attrName>
+                                        </p:attrNameLst>
+                                      </p:cBhvr>
+                                      <p:tavLst>
+                                        <p:tav tm="0">
+                                          <p:val>
+                                            <p:strVal val="1+#ppt_w/2"/>
+                                          </p:val>
+                                        </p:tav>
+                                        <p:tav tm="100000">
+                                          <p:val>
+                                            <p:strVal val="#ppt_x"/>
+                                          </p:val>
+                                        </p:tav>
+                                      </p:tavLst>
+                                    </p:anim>
+                                    <p:anim calcmode="lin" valueType="num">
+                                      <p:cBhvr additive="base">
+                                        <p:cTn id="22" dur="500" fill="hold"/>
+                                        <p:tgtEl>
+                                          <p:spTgt spid="8"/>
+                                        </p:tgtEl>
+                                        <p:attrNameLst>
+                                          <p:attrName>ppt_y</p:attrName>
+                                        </p:attrNameLst>
+                                      </p:cBhvr>
+                                      <p:tavLst>
+                                        <p:tav tm="0">
+                                          <p:val>
+                                            <p:strVal val="#ppt_y"/>
+                                          </p:val>
+                                        </p:tav>
+                                        <p:tav tm="100000">
+                                          <p:val>
+                                            <p:strVal val="#ppt_y"/>
+                                          </p:val>
+                                        </p:tav>
+                                      </p:tavLst>
+                                    </p:anim>
+                                  </p:childTnLst>
+                                </p:cTn>
+                              </p:par>
+                            </p:childTnLst>
+                          </p:cTn>
+                        </p:par>
+                      </p:childTnLst>
+                    </p:cTn>
+                  </p:par>
+                </p:childTnLst>
+              </p:cTn>
+              <p:prevCondLst>
+                <p:cond evt="onPrev" delay="0">
+                  <p:tgtEl>
+                    <p:sldTgt/>
+                  </p:tgtEl>
+                </p:cond>
+              </p:prevCondLst>
+              <p:nextCondLst>
+                <p:cond evt="onNext" delay="0">
+                  <p:tgtEl>
+                    <p:sldTgt/>
+                  </p:tgtEl>
+                </p:cond>
+              </p:nextCondLst>
+            </p:seq>
+          </p:childTnLst>
+        </p:cTn>
+      </p:par>
+    </p:tnLst>
+    <p:bldLst>
+      <p:bldP spid="4" grpId="0"/>
+      <p:bldP spid="5" grpId="0"/>
+      <p:bldP spid="6" grpId="0"/>
+      <p:bldP spid="8" grpId="0"/>
+    </p:bldLst>
+  </p:timing>
+</p:sld>
+</file>
+
+<file path=ppt/slides/slide4.xml><?xml version="1.0" encoding="utf-8"?>
+<p:sld xmlns:a="http://schemas.openxmlformats.org/drawingml/2006/main" xmlns:r="http://schemas.openxmlformats.org/officeDocument/2006/relationships" xmlns:p="http://schemas.openxmlformats.org/presentationml/2006/main">
+  <p:cSld>
+    <p:bg>
+      <p:bgPr>
+        <a:solidFill>
+          <a:schemeClr val="bg1"/>
+        </a:solidFill>
+        <a:effectLst/>
+      </p:bgPr>
+    </p:bg>
+    <p:spTree>
+      <p:nvGrpSpPr>
+        <p:cNvPr id="1" name=""/>
+        <p:cNvGrpSpPr/>
+        <p:nvPr/>
+      </p:nvGrpSpPr>
+      <p:grpSpPr>
+        <a:xfrm>
+          <a:off x="0" y="0"/>
+          <a:ext cx="0" cy="0"/>
+          <a:chOff x="0" y="0"/>
+          <a:chExt cx="0" cy="0"/>
+        </a:xfrm>
+      </p:grpSpPr>
+      <p:cxnSp>
+        <p:nvCxnSpPr>
+          <p:cNvPr id="18" name="Straight Connector 17">
+            <a:extLst>
+              <a:ext uri="{FF2B5EF4-FFF2-40B4-BE49-F238E27FC236}">
+                <a16:creationId xmlns:a16="http://schemas.microsoft.com/office/drawing/2014/main" id="{DFDA47BC-3069-47F5-8257-24B3B1F76A08}"/>
+              </a:ext>
+              <a:ext uri="{C183D7F6-B498-43B3-948B-1728B52AA6E4}">
+                <adec:decorative xmlns:adec="http://schemas.microsoft.com/office/drawing/2017/decorative" val="1"/>
+              </a:ext>
+            </a:extLst>
+          </p:cNvPr>
+          <p:cNvCxnSpPr>
+            <a:cxnSpLocks noGrp="1" noRot="1" noChangeAspect="1" noMove="1" noResize="1" noEditPoints="1" noAdjustHandles="1" noChangeArrowheads="1" noChangeShapeType="1"/>
+          </p:cNvCxnSpPr>
+          <p:nvPr>
+            <p:extLst>
+              <p:ext uri="{386F3935-93C4-4BCD-93E2-E3B085C9AB24}">
+                <p16:designElem xmlns:p16="http://schemas.microsoft.com/office/powerpoint/2015/main" val="1"/>
+              </p:ext>
+            </p:extLst>
+          </p:nvPr>
+        </p:nvCxnSpPr>
+        <p:spPr>
+          <a:xfrm>
+            <a:off x="3128461" y="477749"/>
+            <a:ext cx="0" cy="3657600"/>
+          </a:xfrm>
+          <a:prstGeom prst="line">
+            <a:avLst/>
+          </a:prstGeom>
+          <a:ln w="101600" cmpd="dbl">
+            <a:solidFill>
+              <a:srgbClr val="595959"/>
+            </a:solidFill>
+          </a:ln>
+        </p:spPr>
+        <p:style>
+          <a:lnRef idx="1">
+            <a:schemeClr val="accent1"/>
+          </a:lnRef>
+          <a:fillRef idx="0">
+            <a:schemeClr val="accent1"/>
+          </a:fillRef>
+          <a:effectRef idx="0">
+            <a:schemeClr val="accent1"/>
+          </a:effectRef>
+          <a:fontRef idx="minor">
+            <a:schemeClr val="tx1"/>
+          </a:fontRef>
+        </p:style>
+      </p:cxnSp>
+      <p:pic>
+        <p:nvPicPr>
+          <p:cNvPr id="5" name="Imagem 4">
+            <a:extLst>
+              <a:ext uri="{FF2B5EF4-FFF2-40B4-BE49-F238E27FC236}">
+                <a16:creationId xmlns:a16="http://schemas.microsoft.com/office/drawing/2014/main" id="{901E8D99-BA2E-4137-951E-37FD632DAE84}"/>
+              </a:ext>
+            </a:extLst>
+          </p:cNvPr>
+          <p:cNvPicPr>
+            <a:picLocks noChangeAspect="1"/>
+          </p:cNvPicPr>
+          <p:nvPr/>
+        </p:nvPicPr>
+        <p:blipFill>
+          <a:blip r:embed="rId2">
+            <a:extLst>
+              <a:ext uri="{28A0092B-C50C-407E-A947-70E740481C1C}">
+                <a14:useLocalDpi xmlns:a14="http://schemas.microsoft.com/office/drawing/2010/main" val="0"/>
+              </a:ext>
+            </a:extLst>
+          </a:blip>
+          <a:stretch>
+            <a:fillRect/>
+          </a:stretch>
+        </p:blipFill>
+        <p:spPr>
+          <a:xfrm>
+            <a:off x="251489" y="593801"/>
+            <a:ext cx="2647681" cy="3506862"/>
+          </a:xfrm>
+          <a:prstGeom prst="rect">
+            <a:avLst/>
+          </a:prstGeom>
+        </p:spPr>
+      </p:pic>
+      <p:sp>
+        <p:nvSpPr>
+          <p:cNvPr id="20" name="Rectangle 19">
+            <a:extLst>
+              <a:ext uri="{FF2B5EF4-FFF2-40B4-BE49-F238E27FC236}">
+                <a16:creationId xmlns:a16="http://schemas.microsoft.com/office/drawing/2014/main" id="{7AE95D8F-9825-4222-8846-E3461598CC62}"/>
+              </a:ext>
+              <a:ext uri="{C183D7F6-B498-43B3-948B-1728B52AA6E4}">
+                <adec:decorative xmlns:adec="http://schemas.microsoft.com/office/drawing/2017/decorative" val="1"/>
+              </a:ext>
+            </a:extLst>
+          </p:cNvPr>
+          <p:cNvSpPr>
+            <a:spLocks noGrp="1" noRot="1" noChangeAspect="1" noMove="1" noResize="1" noEditPoints="1" noAdjustHandles="1" noChangeArrowheads="1" noChangeShapeType="1" noTextEdit="1"/>
+          </p:cNvSpPr>
+          <p:nvPr>
+            <p:extLst>
+              <p:ext uri="{386F3935-93C4-4BCD-93E2-E3B085C9AB24}">
+                <p16:designElem xmlns:p16="http://schemas.microsoft.com/office/powerpoint/2015/main" val="1"/>
+              </p:ext>
+            </p:extLst>
+          </p:nvPr>
+        </p:nvSpPr>
+        <p:spPr bwMode="ltGray">
+          <a:xfrm>
+            <a:off x="377969" y="4633546"/>
+            <a:ext cx="11435814" cy="1844256"/>
+          </a:xfrm>
+          <a:prstGeom prst="rect">
+            <a:avLst/>
+          </a:prstGeom>
+          <a:solidFill>
+            <a:srgbClr val="404040"/>
+          </a:solidFill>
+          <a:ln w="127000" cap="sq" cmpd="thinThick">
+            <a:solidFill>
+              <a:srgbClr val="404040"/>
+            </a:solidFill>
+          </a:ln>
+        </p:spPr>
+        <p:style>
+          <a:lnRef idx="2">
+            <a:schemeClr val="accent1">
+              <a:shade val="50000"/>
+            </a:schemeClr>
+          </a:lnRef>
+          <a:fillRef idx="1">
+            <a:schemeClr val="accent1"/>
+          </a:fillRef>
+          <a:effectRef idx="0">
+            <a:schemeClr val="accent1"/>
+          </a:effectRef>
+          <a:fontRef idx="minor">
+            <a:schemeClr val="lt1"/>
+          </a:fontRef>
+        </p:style>
+        <p:txBody>
+          <a:bodyPr rtlCol="0" anchor="ctr"/>
+          <a:lstStyle/>
+          <a:p>
+            <a:pPr algn="ctr"/>
+            <a:endParaRPr lang="en-US"/>
+          </a:p>
+        </p:txBody>
+      </p:sp>
+      <p:sp>
+        <p:nvSpPr>
+          <p:cNvPr id="13" name="Título 12"/>
+          <p:cNvSpPr>
+            <a:spLocks noGrp="1"/>
+          </p:cNvSpPr>
+          <p:nvPr>
+            <p:ph type="title"/>
+          </p:nvPr>
+        </p:nvSpPr>
+        <p:spPr>
+          <a:xfrm>
+            <a:off x="527400" y="4756638"/>
+            <a:ext cx="11136953" cy="930447"/>
+          </a:xfrm>
+        </p:spPr>
+        <p:txBody>
+          <a:bodyPr vert="horz" lIns="91440" tIns="45720" rIns="91440" bIns="45720" rtlCol="0" anchor="b">
+            <a:normAutofit/>
+          </a:bodyPr>
+          <a:lstStyle/>
+          <a:p>
+            <a:pPr algn="ctr" defTabSz="914400"/>
+            <a:r>
+              <a:rPr lang="en-US" sz="5300">
+                <a:solidFill>
+                  <a:srgbClr val="FFFFFF"/>
+                </a:solidFill>
+              </a:rPr>
+              <a:t>A long time ago in a galaxy far, far away</a:t>
+            </a:r>
+          </a:p>
+        </p:txBody>
+      </p:sp>
+      <p:pic>
+        <p:nvPicPr>
+          <p:cNvPr id="11" name="Imagem 10">
+            <a:extLst>
+              <a:ext uri="{FF2B5EF4-FFF2-40B4-BE49-F238E27FC236}">
+                <a16:creationId xmlns:a16="http://schemas.microsoft.com/office/drawing/2014/main" id="{8D56D902-9737-4412-9CD5-86F206CCCC54}"/>
+              </a:ext>
+            </a:extLst>
+          </p:cNvPr>
+          <p:cNvPicPr>
+            <a:picLocks noChangeAspect="1"/>
+          </p:cNvPicPr>
+          <p:nvPr/>
+        </p:nvPicPr>
+        <p:blipFill rotWithShape="1">
+          <a:blip r:embed="rId3">
+            <a:extLst>
+              <a:ext uri="{28A0092B-C50C-407E-A947-70E740481C1C}">
+                <a14:useLocalDpi xmlns:a14="http://schemas.microsoft.com/office/drawing/2010/main" val="0"/>
+              </a:ext>
+            </a:extLst>
+          </a:blip>
+          <a:srcRect l="14357" t="8239" r="19357" b="8095"/>
+          <a:stretch/>
+        </p:blipFill>
+        <p:spPr>
+          <a:xfrm>
+            <a:off x="6250527" y="749198"/>
+            <a:ext cx="2658780" cy="3355904"/>
+          </a:xfrm>
+          <a:prstGeom prst="rect">
+            <a:avLst/>
+          </a:prstGeom>
+        </p:spPr>
+      </p:pic>
+      <p:pic>
+        <p:nvPicPr>
+          <p:cNvPr id="9" name="Imagem 8">
+            <a:extLst>
+              <a:ext uri="{FF2B5EF4-FFF2-40B4-BE49-F238E27FC236}">
+                <a16:creationId xmlns:a16="http://schemas.microsoft.com/office/drawing/2014/main" id="{DF2F2B9E-2D1F-4C5A-A0DD-2F6F6BCAFF4B}"/>
+              </a:ext>
+            </a:extLst>
+          </p:cNvPr>
+          <p:cNvPicPr>
+            <a:picLocks noChangeAspect="1"/>
+          </p:cNvPicPr>
+          <p:nvPr/>
+        </p:nvPicPr>
+        <p:blipFill>
+          <a:blip r:embed="rId4">
+            <a:extLst>
+              <a:ext uri="{28A0092B-C50C-407E-A947-70E740481C1C}">
+                <a14:useLocalDpi xmlns:a14="http://schemas.microsoft.com/office/drawing/2010/main" val="0"/>
+              </a:ext>
+            </a:extLst>
+          </a:blip>
+          <a:stretch>
+            <a:fillRect/>
+          </a:stretch>
+        </p:blipFill>
+        <p:spPr>
+          <a:xfrm>
+            <a:off x="9291349" y="443383"/>
+            <a:ext cx="2645987" cy="3657280"/>
+          </a:xfrm>
+          <a:prstGeom prst="rect">
+            <a:avLst/>
+          </a:prstGeom>
+        </p:spPr>
+      </p:pic>
+      <p:cxnSp>
+        <p:nvCxnSpPr>
+          <p:cNvPr id="22" name="Straight Connector 21">
+            <a:extLst>
+              <a:ext uri="{FF2B5EF4-FFF2-40B4-BE49-F238E27FC236}">
+                <a16:creationId xmlns:a16="http://schemas.microsoft.com/office/drawing/2014/main" id="{942B920A-73AD-402A-8EEF-B88E1A9398B8}"/>
+              </a:ext>
+              <a:ext uri="{C183D7F6-B498-43B3-948B-1728B52AA6E4}">
+                <adec:decorative xmlns:adec="http://schemas.microsoft.com/office/drawing/2017/decorative" val="1"/>
+              </a:ext>
+            </a:extLst>
+          </p:cNvPr>
+          <p:cNvCxnSpPr>
+            <a:cxnSpLocks noGrp="1" noRot="1" noChangeAspect="1" noMove="1" noResize="1" noEditPoints="1" noAdjustHandles="1" noChangeArrowheads="1" noChangeShapeType="1"/>
+          </p:cNvCxnSpPr>
+          <p:nvPr>
+            <p:extLst>
+              <p:ext uri="{386F3935-93C4-4BCD-93E2-E3B085C9AB24}">
+                <p16:designElem xmlns:p16="http://schemas.microsoft.com/office/powerpoint/2015/main" val="1"/>
+              </p:ext>
+            </p:extLst>
+          </p:nvPr>
+        </p:nvCxnSpPr>
+        <p:spPr>
+          <a:xfrm>
+            <a:off x="6096098" y="477749"/>
+            <a:ext cx="0" cy="3657600"/>
+          </a:xfrm>
+          <a:prstGeom prst="line">
+            <a:avLst/>
+          </a:prstGeom>
+          <a:ln w="101600" cmpd="dbl">
+            <a:solidFill>
+              <a:srgbClr val="595959"/>
+            </a:solidFill>
+          </a:ln>
+        </p:spPr>
+        <p:style>
+          <a:lnRef idx="1">
+            <a:schemeClr val="accent1"/>
+          </a:lnRef>
+          <a:fillRef idx="0">
+            <a:schemeClr val="accent1"/>
+          </a:fillRef>
+          <a:effectRef idx="0">
+            <a:schemeClr val="accent1"/>
+          </a:effectRef>
+          <a:fontRef idx="minor">
+            <a:schemeClr val="tx1"/>
+          </a:fontRef>
+        </p:style>
+      </p:cxnSp>
+      <p:cxnSp>
+        <p:nvCxnSpPr>
+          <p:cNvPr id="24" name="Straight Connector 23">
+            <a:extLst>
+              <a:ext uri="{FF2B5EF4-FFF2-40B4-BE49-F238E27FC236}">
+                <a16:creationId xmlns:a16="http://schemas.microsoft.com/office/drawing/2014/main" id="{00C9EB70-BC82-414A-BF8D-AD7FC6727616}"/>
+              </a:ext>
+              <a:ext uri="{C183D7F6-B498-43B3-948B-1728B52AA6E4}">
+                <adec:decorative xmlns:adec="http://schemas.microsoft.com/office/drawing/2017/decorative" val="1"/>
+              </a:ext>
+            </a:extLst>
+          </p:cNvPr>
+          <p:cNvCxnSpPr>
+            <a:cxnSpLocks noGrp="1" noRot="1" noChangeAspect="1" noMove="1" noResize="1" noEditPoints="1" noAdjustHandles="1" noChangeArrowheads="1" noChangeShapeType="1"/>
+          </p:cNvCxnSpPr>
+          <p:nvPr>
+            <p:extLst>
+              <p:ext uri="{386F3935-93C4-4BCD-93E2-E3B085C9AB24}">
+                <p16:designElem xmlns:p16="http://schemas.microsoft.com/office/powerpoint/2015/main" val="1"/>
+              </p:ext>
+            </p:extLst>
+          </p:nvPr>
+        </p:nvCxnSpPr>
+        <p:spPr>
+          <a:xfrm>
+            <a:off x="9063735" y="477749"/>
+            <a:ext cx="0" cy="3657600"/>
+          </a:xfrm>
+          <a:prstGeom prst="line">
+            <a:avLst/>
+          </a:prstGeom>
+          <a:ln w="101600" cmpd="dbl">
+            <a:solidFill>
+              <a:srgbClr val="595959"/>
+            </a:solidFill>
+          </a:ln>
+        </p:spPr>
+        <p:style>
+          <a:lnRef idx="1">
+            <a:schemeClr val="accent1"/>
+          </a:lnRef>
+          <a:fillRef idx="0">
+            <a:schemeClr val="accent1"/>
+          </a:fillRef>
+          <a:effectRef idx="0">
+            <a:schemeClr val="accent1"/>
+          </a:effectRef>
+          <a:fontRef idx="minor">
+            <a:schemeClr val="tx1"/>
+          </a:fontRef>
+        </p:style>
+      </p:cxnSp>
+      <p:pic>
+        <p:nvPicPr>
+          <p:cNvPr id="7" name="Imagem 6">
+            <a:extLst>
+              <a:ext uri="{FF2B5EF4-FFF2-40B4-BE49-F238E27FC236}">
+                <a16:creationId xmlns:a16="http://schemas.microsoft.com/office/drawing/2014/main" id="{10746524-6D75-438E-8613-EB20EF5E1127}"/>
+              </a:ext>
+            </a:extLst>
+          </p:cNvPr>
+          <p:cNvPicPr>
+            <a:picLocks noChangeAspect="1"/>
+          </p:cNvPicPr>
+          <p:nvPr/>
+        </p:nvPicPr>
+        <p:blipFill rotWithShape="1">
+          <a:blip r:embed="rId5">
+            <a:extLst>
+              <a:ext uri="{28A0092B-C50C-407E-A947-70E740481C1C}">
+                <a14:useLocalDpi xmlns:a14="http://schemas.microsoft.com/office/drawing/2010/main" val="0"/>
+              </a:ext>
+            </a:extLst>
+          </a:blip>
+          <a:srcRect l="20321" t="12108" r="21393" b="12250"/>
+          <a:stretch/>
+        </p:blipFill>
+        <p:spPr>
+          <a:xfrm>
+            <a:off x="3337671" y="664571"/>
+            <a:ext cx="2647682" cy="3436092"/>
+          </a:xfrm>
+          <a:prstGeom prst="rect">
+            <a:avLst/>
+          </a:prstGeom>
+        </p:spPr>
+      </p:pic>
+      <p:cxnSp>
+        <p:nvCxnSpPr>
+          <p:cNvPr id="30" name="Straight Connector 25">
+            <a:extLst>
+              <a:ext uri="{FF2B5EF4-FFF2-40B4-BE49-F238E27FC236}">
+                <a16:creationId xmlns:a16="http://schemas.microsoft.com/office/drawing/2014/main" id="{3217665F-0036-444A-8D4A-33AF36A36A42}"/>
+              </a:ext>
+              <a:ext uri="{C183D7F6-B498-43B3-948B-1728B52AA6E4}">
+                <adec:decorative xmlns:adec="http://schemas.microsoft.com/office/drawing/2017/decorative" val="1"/>
+              </a:ext>
+            </a:extLst>
+          </p:cNvPr>
+          <p:cNvCxnSpPr>
+            <a:cxnSpLocks noGrp="1" noRot="1" noChangeAspect="1" noMove="1" noResize="1" noEditPoints="1" noAdjustHandles="1" noChangeArrowheads="1" noChangeShapeType="1"/>
+          </p:cNvCxnSpPr>
+          <p:nvPr>
+            <p:extLst>
+              <p:ext uri="{386F3935-93C4-4BCD-93E2-E3B085C9AB24}">
+                <p16:designElem xmlns:p16="http://schemas.microsoft.com/office/powerpoint/2015/main" val="1"/>
+              </p:ext>
+            </p:extLst>
+          </p:nvPr>
+        </p:nvCxnSpPr>
+        <p:spPr>
+          <a:xfrm>
+            <a:off x="2209224" y="5738691"/>
+            <a:ext cx="7770376" cy="0"/>
+          </a:xfrm>
+          <a:prstGeom prst="line">
+            <a:avLst/>
+          </a:prstGeom>
+          <a:ln w="22225">
+            <a:solidFill>
+              <a:srgbClr val="D9D9D9"/>
+            </a:solidFill>
+          </a:ln>
+        </p:spPr>
+        <p:style>
+          <a:lnRef idx="1">
+            <a:schemeClr val="accent1"/>
+          </a:lnRef>
+          <a:fillRef idx="0">
+            <a:schemeClr val="accent1"/>
+          </a:fillRef>
+          <a:effectRef idx="0">
+            <a:schemeClr val="accent1"/>
+          </a:effectRef>
+          <a:fontRef idx="minor">
+            <a:schemeClr val="tx1"/>
+          </a:fontRef>
+        </p:style>
+      </p:cxnSp>
+    </p:spTree>
+    <p:extLst>
+      <p:ext uri="{BB962C8B-B14F-4D97-AF65-F5344CB8AC3E}">
+        <p14:creationId xmlns:p14="http://schemas.microsoft.com/office/powerpoint/2010/main" val="2139132589"/>
+      </p:ext>
+    </p:extLst>
+  </p:cSld>
+  <p:clrMapOvr>
+    <a:masterClrMapping/>
+  </p:clrMapOvr>
+  <p:transition spd="slow">
+    <p:push dir="u"/>
+  </p:transition>
+  <p:timing>
+    <p:tnLst>
+      <p:par>
+        <p:cTn id="1" dur="indefinite" restart="never" nodeType="tmRoot">
+          <p:childTnLst>
+            <p:seq concurrent="1" nextAc="seek">
+              <p:cTn id="2" dur="indefinite" nodeType="mainSeq">
+                <p:childTnLst>
+                  <p:par>
+                    <p:cTn id="3" fill="hold">
+                      <p:stCondLst>
+                        <p:cond delay="indefinite"/>
+                      </p:stCondLst>
+                      <p:childTnLst>
+                        <p:par>
+                          <p:cTn id="4" fill="hold">
+                            <p:stCondLst>
+                              <p:cond delay="0"/>
+                            </p:stCondLst>
+                            <p:childTnLst>
+                              <p:par>
+                                <p:cTn id="5" presetID="10" presetClass="entr" presetSubtype="0" fill="hold" nodeType="clickEffect">
+                                  <p:stCondLst>
+                                    <p:cond delay="0"/>
+                                  </p:stCondLst>
+                                  <p:childTnLst>
+                                    <p:set>
+                                      <p:cBhvr>
+                                        <p:cTn id="6" dur="1" fill="hold">
+                                          <p:stCondLst>
+                                            <p:cond delay="0"/>
+                                          </p:stCondLst>
+                                        </p:cTn>
+                                        <p:tgtEl>
+                                          <p:spTgt spid="5"/>
+                                        </p:tgtEl>
+                                        <p:attrNameLst>
+                                          <p:attrName>style.visibility</p:attrName>
+                                        </p:attrNameLst>
+                                      </p:cBhvr>
+                                      <p:to>
+                                        <p:strVal val="visible"/>
+                                      </p:to>
+                                    </p:set>
+                                    <p:animEffect transition="in" filter="fade">
+                                      <p:cBhvr>
+                                        <p:cTn id="7" dur="500"/>
+                                        <p:tgtEl>
+                                          <p:spTgt spid="5"/>
+                                        </p:tgtEl>
+                                      </p:cBhvr>
+                                    </p:animEffect>
+                                  </p:childTnLst>
+                                </p:cTn>
+                              </p:par>
+                            </p:childTnLst>
+                          </p:cTn>
+                        </p:par>
+                      </p:childTnLst>
+                    </p:cTn>
+                  </p:par>
+                  <p:par>
+                    <p:cTn id="8" fill="hold">
+                      <p:stCondLst>
+                        <p:cond delay="indefinite"/>
+                      </p:stCondLst>
+                      <p:childTnLst>
+                        <p:par>
+                          <p:cTn id="9" fill="hold">
+                            <p:stCondLst>
+                              <p:cond delay="0"/>
+                            </p:stCondLst>
+                            <p:childTnLst>
+                              <p:par>
+                                <p:cTn id="10" presetID="10" presetClass="entr" presetSubtype="0" fill="hold" nodeType="clickEffect">
+                                  <p:stCondLst>
+                                    <p:cond delay="0"/>
+                                  </p:stCondLst>
+                                  <p:childTnLst>
+                                    <p:set>
+                                      <p:cBhvr>
+                                        <p:cTn id="11" dur="1" fill="hold">
+                                          <p:stCondLst>
+                                            <p:cond delay="0"/>
+                                          </p:stCondLst>
+                                        </p:cTn>
+                                        <p:tgtEl>
+                                          <p:spTgt spid="7"/>
+                                        </p:tgtEl>
+                                        <p:attrNameLst>
+                                          <p:attrName>style.visibility</p:attrName>
+                                        </p:attrNameLst>
+                                      </p:cBhvr>
+                                      <p:to>
+                                        <p:strVal val="visible"/>
+                                      </p:to>
+                                    </p:set>
+                                    <p:animEffect transition="in" filter="fade">
+                                      <p:cBhvr>
+                                        <p:cTn id="12" dur="500"/>
+                                        <p:tgtEl>
+                                          <p:spTgt spid="7"/>
+                                        </p:tgtEl>
+                                      </p:cBhvr>
+                                    </p:animEffect>
+                                  </p:childTnLst>
+                                </p:cTn>
+                              </p:par>
+                            </p:childTnLst>
+                          </p:cTn>
+                        </p:par>
+                      </p:childTnLst>
+                    </p:cTn>
+                  </p:par>
+                  <p:par>
+                    <p:cTn id="13" fill="hold">
+                      <p:stCondLst>
+                        <p:cond delay="indefinite"/>
+                      </p:stCondLst>
+                      <p:childTnLst>
+                        <p:par>
+                          <p:cTn id="14" fill="hold">
+                            <p:stCondLst>
+                              <p:cond delay="0"/>
+                            </p:stCondLst>
+                            <p:childTnLst>
+                              <p:par>
+                                <p:cTn id="15" presetID="10" presetClass="entr" presetSubtype="0" fill="hold" nodeType="clickEffect">
+                                  <p:stCondLst>
+                                    <p:cond delay="0"/>
+                                  </p:stCondLst>
+                                  <p:childTnLst>
+                                    <p:set>
+                                      <p:cBhvr>
+                                        <p:cTn id="16" dur="1" fill="hold">
+                                          <p:stCondLst>
+                                            <p:cond delay="0"/>
+                                          </p:stCondLst>
+                                        </p:cTn>
+                                        <p:tgtEl>
+                                          <p:spTgt spid="11"/>
+                                        </p:tgtEl>
+                                        <p:attrNameLst>
+                                          <p:attrName>style.visibility</p:attrName>
+                                        </p:attrNameLst>
+                                      </p:cBhvr>
+                                      <p:to>
+                                        <p:strVal val="visible"/>
+                                      </p:to>
+                                    </p:set>
+                                    <p:animEffect transition="in" filter="fade">
+                                      <p:cBhvr>
+                                        <p:cTn id="17" dur="500"/>
+                                        <p:tgtEl>
+                                          <p:spTgt spid="11"/>
+                                        </p:tgtEl>
+                                      </p:cBhvr>
+                                    </p:animEffect>
+                                  </p:childTnLst>
+                                </p:cTn>
+                              </p:par>
+                            </p:childTnLst>
+                          </p:cTn>
+                        </p:par>
+                      </p:childTnLst>
+                    </p:cTn>
+                  </p:par>
+                  <p:par>
+                    <p:cTn id="18" fill="hold">
+                      <p:stCondLst>
+                        <p:cond delay="indefinite"/>
+                      </p:stCondLst>
+                      <p:childTnLst>
+                        <p:par>
+                          <p:cTn id="19" fill="hold">
+                            <p:stCondLst>
+                              <p:cond delay="0"/>
+                            </p:stCondLst>
+                            <p:childTnLst>
+                              <p:par>
+                                <p:cTn id="20" presetID="10" presetClass="entr" presetSubtype="0" fill="hold" nodeType="clickEffect">
+                                  <p:stCondLst>
+                                    <p:cond delay="0"/>
+                                  </p:stCondLst>
+                                  <p:childTnLst>
+                                    <p:set>
+                                      <p:cBhvr>
+                                        <p:cTn id="21" dur="1" fill="hold">
+                                          <p:stCondLst>
+                                            <p:cond delay="0"/>
+                                          </p:stCondLst>
+                                        </p:cTn>
+                                        <p:tgtEl>
+                                          <p:spTgt spid="9"/>
+                                        </p:tgtEl>
+                                        <p:attrNameLst>
+                                          <p:attrName>style.visibility</p:attrName>
+                                        </p:attrNameLst>
+                                      </p:cBhvr>
+                                      <p:to>
+                                        <p:strVal val="visible"/>
+                                      </p:to>
+                                    </p:set>
+                                    <p:animEffect transition="in" filter="fade">
+                                      <p:cBhvr>
+                                        <p:cTn id="22" dur="500"/>
+                                        <p:tgtEl>
+                                          <p:spTgt spid="9"/>
+                                        </p:tgtEl>
+                                      </p:cBhvr>
+                                    </p:animEffect>
+                                  </p:childTnLst>
+                                </p:cTn>
+                              </p:par>
+                            </p:childTnLst>
+                          </p:cTn>
+                        </p:par>
+                      </p:childTnLst>
+                    </p:cTn>
+                  </p:par>
+                </p:childTnLst>
+              </p:cTn>
+              <p:prevCondLst>
+                <p:cond evt="onPrev" delay="0">
+                  <p:tgtEl>
+                    <p:sldTgt/>
+                  </p:tgtEl>
+                </p:cond>
+              </p:prevCondLst>
+              <p:nextCondLst>
+                <p:cond evt="onNext" delay="0">
+                  <p:tgtEl>
+                    <p:sldTgt/>
+                  </p:tgtEl>
+                </p:cond>
+              </p:nextCondLst>
+            </p:seq>
+          </p:childTnLst>
+        </p:cTn>
+      </p:par>
+    </p:tnLst>
+  </p:timing>
+</p:sld>
+</file>
+
+<file path=ppt/slides/slide5.xml><?xml version="1.0" encoding="utf-8"?>
+<p:sld xmlns:a="http://schemas.openxmlformats.org/drawingml/2006/main" xmlns:r="http://schemas.openxmlformats.org/officeDocument/2006/relationships" xmlns:p="http://schemas.openxmlformats.org/presentationml/2006/main">
+  <p:cSld>
+    <p:bg>
+      <p:bgPr>
+        <a:solidFill>
+          <a:schemeClr val="bg1"/>
+        </a:solidFill>
+        <a:effectLst/>
+      </p:bgPr>
+    </p:bg>
+    <p:spTree>
+      <p:nvGrpSpPr>
+        <p:cNvPr id="1" name=""/>
+        <p:cNvGrpSpPr/>
+        <p:nvPr/>
+      </p:nvGrpSpPr>
+      <p:grpSpPr>
+        <a:xfrm>
+          <a:off x="0" y="0"/>
+          <a:ext cx="0" cy="0"/>
+          <a:chOff x="0" y="0"/>
+          <a:chExt cx="0" cy="0"/>
+        </a:xfrm>
+      </p:grpSpPr>
+      <p:sp>
+        <p:nvSpPr>
+          <p:cNvPr id="19" name="Down Arrow 7">
+            <a:extLst>
+              <a:ext uri="{FF2B5EF4-FFF2-40B4-BE49-F238E27FC236}">
+                <a16:creationId xmlns:a16="http://schemas.microsoft.com/office/drawing/2014/main" id="{D4771268-CB57-404A-9271-370EB28F6090}"/>
+              </a:ext>
+              <a:ext uri="{C183D7F6-B498-43B3-948B-1728B52AA6E4}">
+                <adec:decorative xmlns:adec="http://schemas.microsoft.com/office/drawing/2017/decorative" val="1"/>
+              </a:ext>
+            </a:extLst>
+          </p:cNvPr>
+          <p:cNvSpPr>
+            <a:spLocks noGrp="1" noRot="1" noChangeAspect="1" noMove="1" noResize="1" noEditPoints="1" noAdjustHandles="1" noChangeArrowheads="1" noChangeShapeType="1" noTextEdit="1"/>
+          </p:cNvSpPr>
+          <p:nvPr>
+            <p:extLst>
+              <p:ext uri="{386F3935-93C4-4BCD-93E2-E3B085C9AB24}">
+                <p16:designElem xmlns:p16="http://schemas.microsoft.com/office/powerpoint/2015/main" val="1"/>
+              </p:ext>
+            </p:extLst>
+          </p:nvPr>
+        </p:nvSpPr>
+        <p:spPr>
+          <a:xfrm rot="16200000">
+            <a:off x="799458" y="1491799"/>
+            <a:ext cx="3333749" cy="3498192"/>
+          </a:xfrm>
+          <a:prstGeom prst="downArrow">
+            <a:avLst>
+              <a:gd name="adj1" fmla="val 100000"/>
+              <a:gd name="adj2" fmla="val 15788"/>
+            </a:avLst>
+          </a:prstGeom>
+          <a:solidFill>
+            <a:srgbClr val="404040"/>
+          </a:solidFill>
+          <a:ln w="53975">
+            <a:noFill/>
+          </a:ln>
+        </p:spPr>
+        <p:style>
+          <a:lnRef idx="2">
+            <a:schemeClr val="accent1">
+              <a:shade val="50000"/>
+            </a:schemeClr>
+          </a:lnRef>
+          <a:fillRef idx="1">
+            <a:schemeClr val="accent1"/>
+          </a:fillRef>
+          <a:effectRef idx="0">
+            <a:schemeClr val="accent1"/>
+          </a:effectRef>
+          <a:fontRef idx="minor">
+            <a:schemeClr val="lt1"/>
+          </a:fontRef>
+        </p:style>
+        <p:txBody>
+          <a:bodyPr rtlCol="0" anchor="ctr"/>
+          <a:lstStyle/>
+          <a:p>
+            <a:pPr algn="ctr"/>
+            <a:endParaRPr lang="en-US"/>
+          </a:p>
+        </p:txBody>
+      </p:sp>
+      <p:sp>
+        <p:nvSpPr>
+          <p:cNvPr id="2" name="Título 1">
+            <a:extLst>
+              <a:ext uri="{FF2B5EF4-FFF2-40B4-BE49-F238E27FC236}">
+                <a16:creationId xmlns:a16="http://schemas.microsoft.com/office/drawing/2014/main" id="{BA54FC8F-2315-450E-8899-1C5F35A9EBD4}"/>
+              </a:ext>
+            </a:extLst>
+          </p:cNvPr>
+          <p:cNvSpPr>
+            <a:spLocks noGrp="1"/>
+          </p:cNvSpPr>
+          <p:nvPr>
+            <p:ph type="title"/>
+          </p:nvPr>
+        </p:nvSpPr>
+        <p:spPr>
+          <a:xfrm>
+            <a:off x="1028432" y="1967266"/>
+            <a:ext cx="2628215" cy="2547257"/>
+          </a:xfrm>
+          <a:noFill/>
+        </p:spPr>
+        <p:txBody>
+          <a:bodyPr anchor="ctr">
+            <a:normAutofit/>
+          </a:bodyPr>
+          <a:lstStyle/>
+          <a:p>
+            <a:pPr algn="ctr"/>
+            <a:r>
+              <a:rPr lang="pt-BR" sz="3600">
+                <a:solidFill>
+                  <a:srgbClr val="FFFFFF"/>
+                </a:solidFill>
+              </a:rPr>
+              <a:t>O que é?</a:t>
+            </a:r>
+            <a:endParaRPr lang="en-US" sz="3600">
+              <a:solidFill>
+                <a:srgbClr val="FFFFFF"/>
+              </a:solidFill>
+            </a:endParaRPr>
+          </a:p>
+        </p:txBody>
+      </p:sp>
+      <p:pic>
+        <p:nvPicPr>
+          <p:cNvPr id="10" name="Espaço Reservado para Conteúdo 4">
+            <a:extLst>
+              <a:ext uri="{FF2B5EF4-FFF2-40B4-BE49-F238E27FC236}">
+                <a16:creationId xmlns:a16="http://schemas.microsoft.com/office/drawing/2014/main" id="{AF36B840-41F0-452D-B2DE-D47B5588AF19}"/>
+              </a:ext>
+            </a:extLst>
+          </p:cNvPr>
+          <p:cNvPicPr>
+            <a:picLocks noChangeAspect="1"/>
+          </p:cNvPicPr>
+          <p:nvPr/>
+        </p:nvPicPr>
+        <p:blipFill>
+          <a:blip r:embed="rId2">
+            <a:extLst>
+              <a:ext uri="{28A0092B-C50C-407E-A947-70E740481C1C}">
+                <a14:useLocalDpi xmlns:a14="http://schemas.microsoft.com/office/drawing/2010/main" val="0"/>
+              </a:ext>
+            </a:extLst>
+          </a:blip>
+          <a:stretch>
+            <a:fillRect/>
+          </a:stretch>
+        </p:blipFill>
+        <p:spPr>
+          <a:xfrm>
+            <a:off x="4776071" y="1038261"/>
+            <a:ext cx="6778935" cy="4779149"/>
+          </a:xfrm>
+          <a:prstGeom prst="rect">
+            <a:avLst/>
+          </a:prstGeom>
+        </p:spPr>
+      </p:pic>
+    </p:spTree>
+    <p:extLst>
+      <p:ext uri="{BB962C8B-B14F-4D97-AF65-F5344CB8AC3E}">
+        <p14:creationId xmlns:p14="http://schemas.microsoft.com/office/powerpoint/2010/main" val="2041623420"/>
+      </p:ext>
+    </p:extLst>
+  </p:cSld>
+  <p:clrMapOvr>
+    <a:masterClrMapping/>
+  </p:clrMapOvr>
+  <mc:AlternateContent xmlns:mc="http://schemas.openxmlformats.org/markup-compatibility/2006" xmlns:p159="http://schemas.microsoft.com/office/powerpoint/2015/09/main">
+    <mc:Choice Requires="p159">
+      <p:transition xmlns:p14="http://schemas.microsoft.com/office/powerpoint/2010/main" spd="slow" p14:dur="2000">
+        <p159:morph option="byObject"/>
+      </p:transition>
+    </mc:Choice>
+    <mc:Fallback xmlns="">
+      <p:transition spd="slow">
+        <p:fade/>
+      </p:transition>
+    </mc:Fallback>
+  </mc:AlternateContent>
+</p:sld>
+</file>
+
+<file path=ppt/slides/slide6.xml><?xml version="1.0" encoding="utf-8"?>
+<p:sld xmlns:a="http://schemas.openxmlformats.org/drawingml/2006/main" xmlns:r="http://schemas.openxmlformats.org/officeDocument/2006/relationships" xmlns:p="http://schemas.openxmlformats.org/presentationml/2006/main">
+  <p:cSld>
+    <p:bg>
+      <p:bgPr>
+        <a:solidFill>
+          <a:schemeClr val="bg1"/>
+        </a:solidFill>
+        <a:effectLst/>
+      </p:bgPr>
+    </p:bg>
+    <p:spTree>
+      <p:nvGrpSpPr>
+        <p:cNvPr id="1" name=""/>
+        <p:cNvGrpSpPr/>
+        <p:nvPr/>
+      </p:nvGrpSpPr>
+      <p:grpSpPr>
+        <a:xfrm>
+          <a:off x="0" y="0"/>
+          <a:ext cx="0" cy="0"/>
+          <a:chOff x="0" y="0"/>
+          <a:chExt cx="0" cy="0"/>
+        </a:xfrm>
+      </p:grpSpPr>
+      <p:sp>
+        <p:nvSpPr>
+          <p:cNvPr id="12" name="Rectangle 8">
+            <a:extLst>
+              <a:ext uri="{FF2B5EF4-FFF2-40B4-BE49-F238E27FC236}">
+                <a16:creationId xmlns:a16="http://schemas.microsoft.com/office/drawing/2014/main" id="{6753252F-4873-4F63-801D-CC719279A7D5}"/>
+              </a:ext>
+              <a:ext uri="{C183D7F6-B498-43B3-948B-1728B52AA6E4}">
+                <adec:decorative xmlns:adec="http://schemas.microsoft.com/office/drawing/2017/decorative" val="1"/>
+              </a:ext>
+            </a:extLst>
+          </p:cNvPr>
+          <p:cNvSpPr>
+            <a:spLocks noGrp="1" noRot="1" noChangeAspect="1" noMove="1" noResize="1" noEditPoints="1" noAdjustHandles="1" noChangeArrowheads="1" noChangeShapeType="1" noTextEdit="1"/>
+          </p:cNvSpPr>
+          <p:nvPr>
+            <p:extLst>
+              <p:ext uri="{386F3935-93C4-4BCD-93E2-E3B085C9AB24}">
+                <p16:designElem xmlns:p16="http://schemas.microsoft.com/office/powerpoint/2015/main" val="1"/>
+              </p:ext>
+            </p:extLst>
+          </p:nvPr>
+        </p:nvSpPr>
+        <p:spPr>
+          <a:xfrm>
+            <a:off x="0" y="0"/>
+            <a:ext cx="12188825" cy="6858000"/>
+          </a:xfrm>
+          <a:prstGeom prst="rect">
+            <a:avLst/>
+          </a:prstGeom>
+          <a:solidFill>
+            <a:srgbClr val="FFFFFF"/>
+          </a:solidFill>
+          <a:ln>
+            <a:noFill/>
+          </a:ln>
+        </p:spPr>
+        <p:style>
+          <a:lnRef idx="2">
+            <a:schemeClr val="accent1">
+              <a:shade val="50000"/>
+            </a:schemeClr>
+          </a:lnRef>
+          <a:fillRef idx="1">
+            <a:schemeClr val="accent1"/>
+          </a:fillRef>
+          <a:effectRef idx="0">
+            <a:schemeClr val="accent1"/>
+          </a:effectRef>
+          <a:fontRef idx="minor">
+            <a:schemeClr val="lt1"/>
+          </a:fontRef>
+        </p:style>
+        <p:txBody>
+          <a:bodyPr rtlCol="0" anchor="ctr"/>
+          <a:lstStyle/>
+          <a:p>
+            <a:pPr algn="ctr"/>
+            <a:endParaRPr lang="en-US"/>
+          </a:p>
+        </p:txBody>
+      </p:sp>
+      <p:sp>
+        <p:nvSpPr>
+          <p:cNvPr id="11" name="Rectangle 10">
+            <a:extLst>
+              <a:ext uri="{FF2B5EF4-FFF2-40B4-BE49-F238E27FC236}">
+                <a16:creationId xmlns:a16="http://schemas.microsoft.com/office/drawing/2014/main" id="{047C8CCB-F95D-4249-92DD-651249D3535A}"/>
+              </a:ext>
+              <a:ext uri="{C183D7F6-B498-43B3-948B-1728B52AA6E4}">
+                <adec:decorative xmlns:adec="http://schemas.microsoft.com/office/drawing/2017/decorative" val="1"/>
+              </a:ext>
+            </a:extLst>
+          </p:cNvPr>
+          <p:cNvSpPr>
+            <a:spLocks noGrp="1" noRot="1" noChangeAspect="1" noMove="1" noResize="1" noEditPoints="1" noAdjustHandles="1" noChangeArrowheads="1" noChangeShapeType="1" noTextEdit="1"/>
+          </p:cNvSpPr>
+          <p:nvPr>
+            <p:extLst>
+              <p:ext uri="{386F3935-93C4-4BCD-93E2-E3B085C9AB24}">
+                <p16:designElem xmlns:p16="http://schemas.microsoft.com/office/powerpoint/2015/main" val="1"/>
+              </p:ext>
+            </p:extLst>
+          </p:nvPr>
+        </p:nvSpPr>
+        <p:spPr>
+          <a:xfrm>
+            <a:off x="0" y="0"/>
+            <a:ext cx="2013032" cy="6858000"/>
+          </a:xfrm>
+          <a:prstGeom prst="rect">
+            <a:avLst/>
+          </a:prstGeom>
+          <a:solidFill>
+            <a:srgbClr val="7F7F7F"/>
+          </a:solidFill>
+          <a:ln>
+            <a:noFill/>
+          </a:ln>
+        </p:spPr>
+        <p:style>
+          <a:lnRef idx="2">
+            <a:schemeClr val="accent1">
+              <a:shade val="50000"/>
+            </a:schemeClr>
+          </a:lnRef>
+          <a:fillRef idx="1">
+            <a:schemeClr val="accent1"/>
+          </a:fillRef>
+          <a:effectRef idx="0">
+            <a:schemeClr val="accent1"/>
+          </a:effectRef>
+          <a:fontRef idx="minor">
+            <a:schemeClr val="lt1"/>
+          </a:fontRef>
+        </p:style>
+        <p:txBody>
+          <a:bodyPr rtlCol="0" anchor="ctr"/>
+          <a:lstStyle/>
+          <a:p>
+            <a:pPr algn="ctr"/>
+            <a:endParaRPr lang="en-US"/>
+          </a:p>
+        </p:txBody>
+      </p:sp>
+      <p:sp>
+        <p:nvSpPr>
+          <p:cNvPr id="2" name="Título 1">
+            <a:extLst>
+              <a:ext uri="{FF2B5EF4-FFF2-40B4-BE49-F238E27FC236}">
+                <a16:creationId xmlns:a16="http://schemas.microsoft.com/office/drawing/2014/main" id="{9FB174D3-558B-476E-B948-03E9ABF30834}"/>
+              </a:ext>
+            </a:extLst>
+          </p:cNvPr>
+          <p:cNvSpPr>
+            <a:spLocks noGrp="1"/>
+          </p:cNvSpPr>
+          <p:nvPr>
+            <p:ph type="title"/>
+          </p:nvPr>
+        </p:nvSpPr>
+        <p:spPr>
+          <a:xfrm>
+            <a:off x="639913" y="2074363"/>
+            <a:ext cx="2751637" cy="2709275"/>
+          </a:xfrm>
+          <a:prstGeom prst="ellipse">
+            <a:avLst/>
+          </a:prstGeom>
+          <a:solidFill>
+            <a:srgbClr val="262626"/>
+          </a:solidFill>
+          <a:ln w="174625" cmpd="thinThick">
+            <a:solidFill>
+              <a:srgbClr val="262626"/>
+            </a:solidFill>
+          </a:ln>
+        </p:spPr>
+        <p:txBody>
+          <a:bodyPr anchor="ctr">
+            <a:normAutofit/>
+          </a:bodyPr>
+          <a:lstStyle/>
+          <a:p>
+            <a:pPr algn="ctr"/>
+            <a:r>
+              <a:rPr lang="pt-BR" sz="2600">
+                <a:solidFill>
+                  <a:srgbClr val="FFFFFF"/>
+                </a:solidFill>
+              </a:rPr>
+              <a:t>Na verdade</a:t>
+            </a:r>
+            <a:endParaRPr lang="en-US" sz="2600">
+              <a:solidFill>
+                <a:srgbClr val="FFFFFF"/>
+              </a:solidFill>
+            </a:endParaRPr>
+          </a:p>
+        </p:txBody>
+      </p:sp>
+      <p:pic>
+        <p:nvPicPr>
+          <p:cNvPr id="4" name="Imagem 3">
+            <a:extLst>
+              <a:ext uri="{FF2B5EF4-FFF2-40B4-BE49-F238E27FC236}">
+                <a16:creationId xmlns:a16="http://schemas.microsoft.com/office/drawing/2014/main" id="{BDF49B89-1273-43F1-939E-23B72C0D22B8}"/>
+              </a:ext>
+            </a:extLst>
+          </p:cNvPr>
+          <p:cNvPicPr>
+            <a:picLocks noChangeAspect="1"/>
+          </p:cNvPicPr>
+          <p:nvPr/>
+        </p:nvPicPr>
+        <p:blipFill>
+          <a:blip r:embed="rId2">
+            <a:extLst>
+              <a:ext uri="{28A0092B-C50C-407E-A947-70E740481C1C}">
+                <a14:useLocalDpi xmlns:a14="http://schemas.microsoft.com/office/drawing/2010/main" val="0"/>
+              </a:ext>
+            </a:extLst>
+          </a:blip>
+          <a:stretch>
+            <a:fillRect/>
+          </a:stretch>
+        </p:blipFill>
+        <p:spPr>
+          <a:xfrm>
+            <a:off x="3656012" y="0"/>
+            <a:ext cx="8077200" cy="6603112"/>
+          </a:xfrm>
+          <a:prstGeom prst="rect">
+            <a:avLst/>
+          </a:prstGeom>
+        </p:spPr>
+      </p:pic>
+    </p:spTree>
+    <p:extLst>
+      <p:ext uri="{BB962C8B-B14F-4D97-AF65-F5344CB8AC3E}">
+        <p14:creationId xmlns:p14="http://schemas.microsoft.com/office/powerpoint/2010/main" val="2805857929"/>
+      </p:ext>
+    </p:extLst>
+  </p:cSld>
+  <p:clrMapOvr>
+    <a:masterClrMapping/>
+  </p:clrMapOvr>
+  <p:transition spd="slow">
+    <p:push dir="u"/>
+  </p:transition>
+</p:sld>
+</file>
+
+<file path=ppt/slides/slide7.xml><?xml version="1.0" encoding="utf-8"?>
+<p:sld xmlns:a="http://schemas.openxmlformats.org/drawingml/2006/main" xmlns:r="http://schemas.openxmlformats.org/officeDocument/2006/relationships" xmlns:p="http://schemas.openxmlformats.org/presentationml/2006/main">
+  <p:cSld>
+    <p:bg>
+      <p:bgPr>
+        <a:solidFill>
+          <a:schemeClr val="bg1"/>
+        </a:solidFill>
+        <a:effectLst/>
+      </p:bgPr>
+    </p:bg>
+    <p:spTree>
+      <p:nvGrpSpPr>
+        <p:cNvPr id="1" name=""/>
+        <p:cNvGrpSpPr/>
+        <p:nvPr/>
+      </p:nvGrpSpPr>
+      <p:grpSpPr>
+        <a:xfrm>
+          <a:off x="0" y="0"/>
+          <a:ext cx="0" cy="0"/>
+          <a:chOff x="0" y="0"/>
+          <a:chExt cx="0" cy="0"/>
+        </a:xfrm>
+      </p:grpSpPr>
+      <p:sp>
+        <p:nvSpPr>
+          <p:cNvPr id="9" name="Rectangle 8">
+            <a:extLst>
+              <a:ext uri="{FF2B5EF4-FFF2-40B4-BE49-F238E27FC236}">
+                <a16:creationId xmlns:a16="http://schemas.microsoft.com/office/drawing/2014/main" id="{AB45A142-4255-493C-8284-5D566C121B10}"/>
+              </a:ext>
+              <a:ext uri="{C183D7F6-B498-43B3-948B-1728B52AA6E4}">
+                <adec:decorative xmlns:adec="http://schemas.microsoft.com/office/drawing/2017/decorative" val="1"/>
+              </a:ext>
+            </a:extLst>
+          </p:cNvPr>
+          <p:cNvSpPr>
+            <a:spLocks noGrp="1" noRot="1" noChangeAspect="1" noMove="1" noResize="1" noEditPoints="1" noAdjustHandles="1" noChangeArrowheads="1" noChangeShapeType="1" noTextEdit="1"/>
+          </p:cNvSpPr>
+          <p:nvPr>
+            <p:extLst>
+              <p:ext uri="{386F3935-93C4-4BCD-93E2-E3B085C9AB24}">
+                <p16:designElem xmlns:p16="http://schemas.microsoft.com/office/powerpoint/2015/main" val="1"/>
+              </p:ext>
+            </p:extLst>
+          </p:nvPr>
+        </p:nvSpPr>
+        <p:spPr bwMode="ltGray">
+          <a:xfrm>
+            <a:off x="336796" y="321177"/>
+            <a:ext cx="4331179" cy="6179552"/>
+          </a:xfrm>
+          <a:prstGeom prst="rect">
+            <a:avLst/>
+          </a:prstGeom>
+          <a:solidFill>
+            <a:srgbClr val="404040">
+              <a:alpha val="89804"/>
+            </a:srgbClr>
+          </a:solidFill>
+          <a:ln w="127000" cap="sq" cmpd="thinThick">
+            <a:solidFill>
+              <a:srgbClr val="595959">
+                <a:alpha val="80000"/>
+              </a:srgbClr>
+            </a:solidFill>
+          </a:ln>
+        </p:spPr>
+        <p:style>
+          <a:lnRef idx="2">
+            <a:schemeClr val="accent1">
+              <a:shade val="50000"/>
+            </a:schemeClr>
+          </a:lnRef>
+          <a:fillRef idx="1">
+            <a:schemeClr val="accent1"/>
+          </a:fillRef>
+          <a:effectRef idx="0">
+            <a:schemeClr val="accent1"/>
+          </a:effectRef>
+          <a:fontRef idx="minor">
+            <a:schemeClr val="lt1"/>
+          </a:fontRef>
+        </p:style>
+        <p:txBody>
+          <a:bodyPr rtlCol="0" anchor="ctr"/>
+          <a:lstStyle/>
+          <a:p>
+            <a:pPr algn="ctr"/>
+            <a:endParaRPr lang="en-US"/>
+          </a:p>
+        </p:txBody>
+      </p:sp>
+      <p:sp>
+        <p:nvSpPr>
+          <p:cNvPr id="2" name="Título 1">
+            <a:extLst>
+              <a:ext uri="{FF2B5EF4-FFF2-40B4-BE49-F238E27FC236}">
+                <a16:creationId xmlns:a16="http://schemas.microsoft.com/office/drawing/2014/main" id="{8F179B9B-9A74-45F3-BD51-D5934C374715}"/>
+              </a:ext>
+            </a:extLst>
+          </p:cNvPr>
+          <p:cNvSpPr>
+            <a:spLocks noGrp="1"/>
+          </p:cNvSpPr>
+          <p:nvPr>
+            <p:ph type="title"/>
+          </p:nvPr>
+        </p:nvSpPr>
+        <p:spPr>
+          <a:xfrm>
+            <a:off x="674061" y="914400"/>
+            <a:ext cx="3656647" cy="2887579"/>
+          </a:xfrm>
+        </p:spPr>
+        <p:txBody>
+          <a:bodyPr vert="horz" lIns="91440" tIns="45720" rIns="91440" bIns="45720" rtlCol="0" anchor="b">
+            <a:normAutofit/>
+          </a:bodyPr>
+          <a:lstStyle/>
+          <a:p>
+            <a:pPr algn="ctr" defTabSz="914400"/>
+            <a:r>
+              <a:rPr lang="en-US" sz="4800" kern="1200" dirty="0">
+                <a:solidFill>
+                  <a:srgbClr val="FFFFFF"/>
+                </a:solidFill>
+                <a:latin typeface="+mj-lt"/>
+                <a:ea typeface="+mj-ea"/>
+                <a:cs typeface="+mj-cs"/>
+              </a:rPr>
+              <a:t>No final</a:t>
+            </a:r>
+          </a:p>
+        </p:txBody>
+      </p:sp>
+      <p:cxnSp>
+        <p:nvCxnSpPr>
+          <p:cNvPr id="11" name="Straight Connector 10">
+            <a:extLst>
+              <a:ext uri="{FF2B5EF4-FFF2-40B4-BE49-F238E27FC236}">
+                <a16:creationId xmlns:a16="http://schemas.microsoft.com/office/drawing/2014/main" id="{38FB9660-F42F-4313-BBC4-47C007FE484C}"/>
+              </a:ext>
+              <a:ext uri="{C183D7F6-B498-43B3-948B-1728B52AA6E4}">
+                <adec:decorative xmlns:adec="http://schemas.microsoft.com/office/drawing/2017/decorative" val="1"/>
+              </a:ext>
+            </a:extLst>
+          </p:cNvPr>
+          <p:cNvCxnSpPr>
+            <a:cxnSpLocks noGrp="1" noRot="1" noChangeAspect="1" noMove="1" noResize="1" noEditPoints="1" noAdjustHandles="1" noChangeArrowheads="1" noChangeShapeType="1"/>
+          </p:cNvCxnSpPr>
+          <p:nvPr>
+            <p:extLst>
+              <p:ext uri="{386F3935-93C4-4BCD-93E2-E3B085C9AB24}">
+                <p16:designElem xmlns:p16="http://schemas.microsoft.com/office/powerpoint/2015/main" val="1"/>
+              </p:ext>
+            </p:extLst>
+          </p:nvPr>
+        </p:nvCxnSpPr>
+        <p:spPr>
+          <a:xfrm>
+            <a:off x="1190815" y="3910267"/>
+            <a:ext cx="2586117" cy="0"/>
+          </a:xfrm>
+          <a:prstGeom prst="line">
+            <a:avLst/>
+          </a:prstGeom>
+          <a:ln w="22225">
+            <a:solidFill>
+              <a:srgbClr val="D9D9D9"/>
+            </a:solidFill>
+          </a:ln>
+        </p:spPr>
+        <p:style>
+          <a:lnRef idx="1">
+            <a:schemeClr val="accent1"/>
+          </a:lnRef>
+          <a:fillRef idx="0">
+            <a:schemeClr val="accent1"/>
+          </a:fillRef>
+          <a:effectRef idx="0">
+            <a:schemeClr val="accent1"/>
+          </a:effectRef>
+          <a:fontRef idx="minor">
+            <a:schemeClr val="tx1"/>
+          </a:fontRef>
+        </p:style>
+      </p:cxnSp>
+      <p:pic>
+        <p:nvPicPr>
+          <p:cNvPr id="4" name="Imagem 3">
+            <a:extLst>
+              <a:ext uri="{FF2B5EF4-FFF2-40B4-BE49-F238E27FC236}">
+                <a16:creationId xmlns:a16="http://schemas.microsoft.com/office/drawing/2014/main" id="{B34FBD8D-83BC-489B-B3D8-1703464B8466}"/>
+              </a:ext>
+            </a:extLst>
+          </p:cNvPr>
+          <p:cNvPicPr>
+            <a:picLocks noChangeAspect="1"/>
+          </p:cNvPicPr>
+          <p:nvPr/>
+        </p:nvPicPr>
+        <p:blipFill>
+          <a:blip r:embed="rId2">
+            <a:extLst>
+              <a:ext uri="{28A0092B-C50C-407E-A947-70E740481C1C}">
+                <a14:useLocalDpi xmlns:a14="http://schemas.microsoft.com/office/drawing/2010/main" val="0"/>
+              </a:ext>
+            </a:extLst>
+          </a:blip>
+          <a:stretch>
+            <a:fillRect/>
+          </a:stretch>
+        </p:blipFill>
+        <p:spPr>
+          <a:xfrm>
+            <a:off x="5152479" y="926893"/>
+            <a:ext cx="6551839" cy="5012156"/>
+          </a:xfrm>
+          <a:prstGeom prst="rect">
+            <a:avLst/>
+          </a:prstGeom>
+        </p:spPr>
+      </p:pic>
+    </p:spTree>
+    <p:extLst>
+      <p:ext uri="{BB962C8B-B14F-4D97-AF65-F5344CB8AC3E}">
+        <p14:creationId xmlns:p14="http://schemas.microsoft.com/office/powerpoint/2010/main" val="3067007045"/>
+      </p:ext>
+    </p:extLst>
+  </p:cSld>
+  <p:clrMapOvr>
+    <a:masterClrMapping/>
+  </p:clrMapOvr>
+  <p:transition spd="med">
+    <p:pull/>
+  </p:transition>
+</p:sld>
+</file>
+
+<file path=ppt/slides/slide8.xml><?xml version="1.0" encoding="utf-8"?>
+<p:sld xmlns:a="http://schemas.openxmlformats.org/drawingml/2006/main" xmlns:r="http://schemas.openxmlformats.org/officeDocument/2006/relationships" xmlns:p="http://schemas.openxmlformats.org/presentationml/2006/main">
+  <p:cSld>
+    <p:bg>
+      <p:bgPr>
+        <a:solidFill>
+          <a:schemeClr val="bg1"/>
+        </a:solidFill>
+        <a:effectLst/>
+      </p:bgPr>
+    </p:bg>
+    <p:spTree>
+      <p:nvGrpSpPr>
+        <p:cNvPr id="1" name=""/>
+        <p:cNvGrpSpPr/>
+        <p:nvPr/>
+      </p:nvGrpSpPr>
+      <p:grpSpPr>
+        <a:xfrm>
+          <a:off x="0" y="0"/>
+          <a:ext cx="0" cy="0"/>
+          <a:chOff x="0" y="0"/>
+          <a:chExt cx="0" cy="0"/>
+        </a:xfrm>
+      </p:grpSpPr>
+      <p:sp>
+        <p:nvSpPr>
+          <p:cNvPr id="9" name="Rectangle 8">
+            <a:extLst>
+              <a:ext uri="{FF2B5EF4-FFF2-40B4-BE49-F238E27FC236}">
+                <a16:creationId xmlns:a16="http://schemas.microsoft.com/office/drawing/2014/main" id="{1707FC24-6981-43D9-B525-C7832BA22463}"/>
+              </a:ext>
+              <a:ext uri="{C183D7F6-B498-43B3-948B-1728B52AA6E4}">
+                <adec:decorative xmlns:adec="http://schemas.microsoft.com/office/drawing/2017/decorative" val="1"/>
+              </a:ext>
+            </a:extLst>
+          </p:cNvPr>
+          <p:cNvSpPr>
+            <a:spLocks noGrp="1" noRot="1" noChangeAspect="1" noMove="1" noResize="1" noEditPoints="1" noAdjustHandles="1" noChangeArrowheads="1" noChangeShapeType="1" noTextEdit="1"/>
+          </p:cNvSpPr>
+          <p:nvPr>
+            <p:extLst>
+              <p:ext uri="{386F3935-93C4-4BCD-93E2-E3B085C9AB24}">
+                <p16:designElem xmlns:p16="http://schemas.microsoft.com/office/powerpoint/2015/main" val="1"/>
+              </p:ext>
+            </p:extLst>
+          </p:nvPr>
+        </p:nvSpPr>
+        <p:spPr bwMode="ltGray">
+          <a:xfrm>
+            <a:off x="336796" y="311449"/>
+            <a:ext cx="4331179" cy="6179552"/>
+          </a:xfrm>
+          <a:prstGeom prst="rect">
+            <a:avLst/>
+          </a:prstGeom>
+          <a:solidFill>
+            <a:srgbClr val="404040"/>
+          </a:solidFill>
+          <a:ln w="127000" cap="sq" cmpd="thinThick">
+            <a:solidFill>
+              <a:srgbClr val="404040"/>
+            </a:solidFill>
+          </a:ln>
+        </p:spPr>
+        <p:style>
+          <a:lnRef idx="2">
+            <a:schemeClr val="accent1">
+              <a:shade val="50000"/>
+            </a:schemeClr>
+          </a:lnRef>
+          <a:fillRef idx="1">
+            <a:schemeClr val="accent1"/>
+          </a:fillRef>
+          <a:effectRef idx="0">
+            <a:schemeClr val="accent1"/>
+          </a:effectRef>
+          <a:fontRef idx="minor">
+            <a:schemeClr val="lt1"/>
+          </a:fontRef>
+        </p:style>
+        <p:txBody>
+          <a:bodyPr rtlCol="0" anchor="ctr"/>
+          <a:lstStyle/>
+          <a:p>
+            <a:pPr algn="ctr"/>
+            <a:endParaRPr lang="en-US"/>
+          </a:p>
+        </p:txBody>
+      </p:sp>
+      <p:sp>
+        <p:nvSpPr>
+          <p:cNvPr id="2" name="Título 1">
+            <a:extLst>
+              <a:ext uri="{FF2B5EF4-FFF2-40B4-BE49-F238E27FC236}">
+                <a16:creationId xmlns:a16="http://schemas.microsoft.com/office/drawing/2014/main" id="{C0EB4AAA-3FC4-4961-A39E-029BB85BB548}"/>
+              </a:ext>
+            </a:extLst>
+          </p:cNvPr>
+          <p:cNvSpPr>
+            <a:spLocks noGrp="1"/>
+          </p:cNvSpPr>
+          <p:nvPr>
+            <p:ph type="title"/>
+          </p:nvPr>
+        </p:nvSpPr>
+        <p:spPr>
+          <a:xfrm>
+            <a:off x="742756" y="742951"/>
+            <a:ext cx="3475720" cy="4962524"/>
+          </a:xfrm>
+        </p:spPr>
+        <p:txBody>
+          <a:bodyPr>
+            <a:normAutofit/>
+          </a:bodyPr>
+          <a:lstStyle/>
+          <a:p>
+            <a:pPr algn="ctr"/>
+            <a:r>
+              <a:rPr lang="pt-BR" sz="4800">
+                <a:solidFill>
+                  <a:srgbClr val="FFFFFF"/>
+                </a:solidFill>
+              </a:rPr>
+              <a:t>My precious</a:t>
+            </a:r>
+            <a:endParaRPr lang="en-US" sz="4800">
+              <a:solidFill>
+                <a:srgbClr val="FFFFFF"/>
+              </a:solidFill>
+            </a:endParaRPr>
+          </a:p>
+        </p:txBody>
+      </p:sp>
+      <p:pic>
+        <p:nvPicPr>
+          <p:cNvPr id="4" name="Imagem 3">
+            <a:extLst>
+              <a:ext uri="{FF2B5EF4-FFF2-40B4-BE49-F238E27FC236}">
+                <a16:creationId xmlns:a16="http://schemas.microsoft.com/office/drawing/2014/main" id="{985D5ED2-6191-4A00-9F99-5E7E378B54F6}"/>
+              </a:ext>
+            </a:extLst>
+          </p:cNvPr>
+          <p:cNvPicPr>
+            <a:picLocks noChangeAspect="1"/>
+          </p:cNvPicPr>
+          <p:nvPr/>
+        </p:nvPicPr>
+        <p:blipFill>
+          <a:blip r:embed="rId2">
+            <a:extLst>
+              <a:ext uri="{28A0092B-C50C-407E-A947-70E740481C1C}">
+                <a14:useLocalDpi xmlns:a14="http://schemas.microsoft.com/office/drawing/2010/main" val="0"/>
+              </a:ext>
+            </a:extLst>
+          </a:blip>
+          <a:stretch>
+            <a:fillRect/>
+          </a:stretch>
+        </p:blipFill>
+        <p:spPr>
+          <a:xfrm>
+            <a:off x="5458300" y="492573"/>
+            <a:ext cx="5940197" cy="5880796"/>
+          </a:xfrm>
+          <a:prstGeom prst="rect">
+            <a:avLst/>
+          </a:prstGeom>
+        </p:spPr>
+      </p:pic>
+    </p:spTree>
+    <p:extLst>
+      <p:ext uri="{BB962C8B-B14F-4D97-AF65-F5344CB8AC3E}">
+        <p14:creationId xmlns:p14="http://schemas.microsoft.com/office/powerpoint/2010/main" val="702504588"/>
+      </p:ext>
+    </p:extLst>
+  </p:cSld>
+  <p:clrMapOvr>
+    <a:masterClrMapping/>
+  </p:clrMapOvr>
+  <p:transition spd="slow">
+    <p:push dir="u"/>
+  </p:transition>
+</p:sld>
+</file>
+
+<file path=ppt/slides/slide9.xml><?xml version="1.0" encoding="utf-8"?>
+<p:sld xmlns:a="http://schemas.openxmlformats.org/drawingml/2006/main" xmlns:r="http://schemas.openxmlformats.org/officeDocument/2006/relationships" xmlns:p="http://schemas.openxmlformats.org/presentationml/2006/main">
+  <p:cSld>
+    <p:bg>
+      <p:bgPr>
+        <a:solidFill>
+          <a:schemeClr val="bg1">
+            <a:tint val="95000"/>
+            <a:satMod val="170000"/>
+          </a:schemeClr>
+        </a:solidFill>
+        <a:effectLst/>
+      </p:bgPr>
+    </p:bg>
+    <p:spTree>
+      <p:nvGrpSpPr>
+        <p:cNvPr id="1" name=""/>
+        <p:cNvGrpSpPr/>
+        <p:nvPr/>
+      </p:nvGrpSpPr>
+      <p:grpSpPr>
+        <a:xfrm>
+          <a:off x="0" y="0"/>
+          <a:ext cx="0" cy="0"/>
+          <a:chOff x="0" y="0"/>
+          <a:chExt cx="0" cy="0"/>
+        </a:xfrm>
+      </p:grpSpPr>
+      <p:sp>
+        <p:nvSpPr>
+          <p:cNvPr id="2" name="Título 1">
+            <a:extLst>
+              <a:ext uri="{FF2B5EF4-FFF2-40B4-BE49-F238E27FC236}">
+                <a16:creationId xmlns:a16="http://schemas.microsoft.com/office/drawing/2014/main" id="{E3096E9C-9C80-4372-9E37-139EB817E49C}"/>
+              </a:ext>
+            </a:extLst>
+          </p:cNvPr>
+          <p:cNvSpPr>
+            <a:spLocks noGrp="1"/>
+          </p:cNvSpPr>
+          <p:nvPr>
+            <p:ph type="title"/>
+          </p:nvPr>
+        </p:nvSpPr>
+        <p:spPr>
+          <a:xfrm>
+            <a:off x="6070863" y="3640254"/>
+            <a:ext cx="5318048" cy="2076333"/>
+          </a:xfrm>
+        </p:spPr>
+        <p:txBody>
+          <a:bodyPr vert="horz" lIns="91440" tIns="45720" rIns="91440" bIns="45720" rtlCol="0" anchor="t">
+            <a:normAutofit/>
+          </a:bodyPr>
+          <a:lstStyle/>
+          <a:p>
+            <a:pPr defTabSz="914400"/>
+            <a:r>
+              <a:rPr lang="en-US" sz="4800" b="1"/>
+              <a:t>E no dia-a-dia</a:t>
+            </a:r>
+          </a:p>
+        </p:txBody>
+      </p:sp>
+      <p:sp>
+        <p:nvSpPr>
+          <p:cNvPr id="21" name="Freeform: Shape 20">
+            <a:extLst>
+              <a:ext uri="{FF2B5EF4-FFF2-40B4-BE49-F238E27FC236}">
+                <a16:creationId xmlns:a16="http://schemas.microsoft.com/office/drawing/2014/main" id="{2C6334C2-F73F-4B3B-A626-DD5F69DF6ED0}"/>
+              </a:ext>
+              <a:ext uri="{C183D7F6-B498-43B3-948B-1728B52AA6E4}">
+                <adec:decorative xmlns:adec="http://schemas.microsoft.com/office/drawing/2017/decorative" val="1"/>
+              </a:ext>
+            </a:extLst>
+          </p:cNvPr>
+          <p:cNvSpPr>
+            <a:spLocks noGrp="1" noRot="1" noChangeAspect="1" noMove="1" noResize="1" noEditPoints="1" noAdjustHandles="1" noChangeArrowheads="1" noChangeShapeType="1" noTextEdit="1"/>
+          </p:cNvSpPr>
+          <p:nvPr>
+            <p:extLst>
+              <p:ext uri="{386F3935-93C4-4BCD-93E2-E3B085C9AB24}">
+                <p16:designElem xmlns:p16="http://schemas.microsoft.com/office/powerpoint/2015/main" val="1"/>
+              </p:ext>
+            </p:extLst>
+          </p:nvPr>
+        </p:nvSpPr>
+        <p:spPr>
+          <a:xfrm flipV="1">
+            <a:off x="0" y="0"/>
+            <a:ext cx="5388464" cy="6374535"/>
+          </a:xfrm>
+          <a:custGeom>
+            <a:avLst/>
+            <a:gdLst>
+              <a:gd name="connsiteX0" fmla="*/ 620377 w 5389868"/>
+              <a:gd name="connsiteY0" fmla="*/ 6374535 h 6374535"/>
+              <a:gd name="connsiteX1" fmla="*/ 3459520 w 5389868"/>
+              <a:gd name="connsiteY1" fmla="*/ 6374535 h 6374535"/>
+              <a:gd name="connsiteX2" fmla="*/ 3638761 w 5389868"/>
+              <a:gd name="connsiteY2" fmla="*/ 6288190 h 6374535"/>
+              <a:gd name="connsiteX3" fmla="*/ 5389868 w 5389868"/>
+              <a:gd name="connsiteY3" fmla="*/ 3346018 h 6374535"/>
+              <a:gd name="connsiteX4" fmla="*/ 2043850 w 5389868"/>
+              <a:gd name="connsiteY4" fmla="*/ 0 h 6374535"/>
+              <a:gd name="connsiteX5" fmla="*/ 139826 w 5389868"/>
+              <a:gd name="connsiteY5" fmla="*/ 594192 h 6374535"/>
+              <a:gd name="connsiteX6" fmla="*/ 0 w 5389868"/>
+              <a:gd name="connsiteY6" fmla="*/ 700065 h 6374535"/>
+              <a:gd name="connsiteX7" fmla="*/ 0 w 5389868"/>
+              <a:gd name="connsiteY7" fmla="*/ 5991971 h 6374535"/>
+              <a:gd name="connsiteX8" fmla="*/ 139827 w 5389868"/>
+              <a:gd name="connsiteY8" fmla="*/ 6097845 h 6374535"/>
+              <a:gd name="connsiteX9" fmla="*/ 378347 w 5389868"/>
+              <a:gd name="connsiteY9" fmla="*/ 6248727 h 6374535"/>
+            </a:gdLst>
+            <a:ahLst/>
+            <a:cxnLst>
+              <a:cxn ang="0">
+                <a:pos x="connsiteX0" y="connsiteY0"/>
+              </a:cxn>
+              <a:cxn ang="0">
+                <a:pos x="connsiteX1" y="connsiteY1"/>
+              </a:cxn>
+              <a:cxn ang="0">
+                <a:pos x="connsiteX2" y="connsiteY2"/>
+              </a:cxn>
+              <a:cxn ang="0">
+                <a:pos x="connsiteX3" y="connsiteY3"/>
+              </a:cxn>
+              <a:cxn ang="0">
+                <a:pos x="connsiteX4" y="connsiteY4"/>
+              </a:cxn>
+              <a:cxn ang="0">
+                <a:pos x="connsiteX5" y="connsiteY5"/>
+              </a:cxn>
+              <a:cxn ang="0">
+                <a:pos x="connsiteX6" y="connsiteY6"/>
+              </a:cxn>
+              <a:cxn ang="0">
+                <a:pos x="connsiteX7" y="connsiteY7"/>
+              </a:cxn>
+              <a:cxn ang="0">
+                <a:pos x="connsiteX8" y="connsiteY8"/>
+              </a:cxn>
+              <a:cxn ang="0">
+                <a:pos x="connsiteX9" y="connsiteY9"/>
+              </a:cxn>
+            </a:cxnLst>
+            <a:rect l="l" t="t" r="r" b="b"/>
+            <a:pathLst>
+              <a:path w="5389868" h="6374535">
+                <a:moveTo>
+                  <a:pt x="620377" y="6374535"/>
+                </a:moveTo>
+                <a:lnTo>
+                  <a:pt x="3459520" y="6374535"/>
+                </a:lnTo>
+                <a:lnTo>
+                  <a:pt x="3638761" y="6288190"/>
+                </a:lnTo>
+                <a:cubicBezTo>
+                  <a:pt x="4681799" y="5721578"/>
+                  <a:pt x="5389868" y="4616487"/>
+                  <a:pt x="5389868" y="3346018"/>
+                </a:cubicBezTo>
+                <a:cubicBezTo>
+                  <a:pt x="5389868" y="1498063"/>
+                  <a:pt x="3891805" y="0"/>
+                  <a:pt x="2043850" y="0"/>
+                </a:cubicBezTo>
+                <a:cubicBezTo>
+                  <a:pt x="1336430" y="0"/>
+                  <a:pt x="680285" y="219535"/>
+                  <a:pt x="139826" y="594192"/>
+                </a:cubicBezTo>
+                <a:lnTo>
+                  <a:pt x="0" y="700065"/>
+                </a:lnTo>
+                <a:lnTo>
+                  <a:pt x="0" y="5991971"/>
+                </a:lnTo>
+                <a:lnTo>
+                  <a:pt x="139827" y="6097845"/>
+                </a:lnTo>
+                <a:cubicBezTo>
+                  <a:pt x="217035" y="6151367"/>
+                  <a:pt x="296605" y="6201724"/>
+                  <a:pt x="378347" y="6248727"/>
+                </a:cubicBezTo>
+                <a:close/>
+              </a:path>
+            </a:pathLst>
+          </a:custGeom>
+          <a:solidFill>
+            <a:srgbClr val="FFFFFF">
+              <a:alpha val="80000"/>
+            </a:srgbClr>
+          </a:solidFill>
+          <a:ln>
+            <a:noFill/>
+          </a:ln>
+        </p:spPr>
+        <p:style>
+          <a:lnRef idx="2">
+            <a:schemeClr val="accent1">
+              <a:shade val="50000"/>
+            </a:schemeClr>
+          </a:lnRef>
+          <a:fillRef idx="1">
+            <a:schemeClr val="accent1"/>
+          </a:fillRef>
+          <a:effectRef idx="0">
+            <a:schemeClr val="accent1"/>
+          </a:effectRef>
+          <a:fontRef idx="minor">
+            <a:schemeClr val="lt1"/>
+          </a:fontRef>
+        </p:style>
+        <p:txBody>
+          <a:bodyPr wrap="square" rtlCol="0" anchor="ctr">
+            <a:noAutofit/>
+          </a:bodyPr>
+          <a:lstStyle/>
+          <a:p>
+            <a:pPr marL="0" marR="0" lvl="0" indent="0" algn="ctr" defTabSz="914400" rtl="0" eaLnBrk="1" fontAlgn="auto" latinLnBrk="0" hangingPunct="1">
+              <a:lnSpc>
+                <a:spcPct val="100000"/>
+              </a:lnSpc>
+              <a:spcBef>
+                <a:spcPts val="0"/>
+              </a:spcBef>
+              <a:spcAft>
+                <a:spcPts val="0"/>
+              </a:spcAft>
+              <a:buClrTx/>
+              <a:buSzTx/>
+              <a:buFontTx/>
+              <a:buNone/>
+              <a:tabLst/>
+              <a:defRPr/>
+            </a:pPr>
+            <a:endParaRPr kumimoji="0" lang="en-US" sz="1800" b="0" i="0" u="none" strike="noStrike" kern="1200" cap="none" spc="0" normalizeH="0" baseline="0" noProof="0">
+              <a:ln>
+                <a:noFill/>
+              </a:ln>
+              <a:solidFill>
+                <a:prstClr val="white"/>
+              </a:solidFill>
+              <a:effectLst/>
+              <a:uLnTx/>
+              <a:uFillTx/>
+              <a:latin typeface="Calibri" panose="020F0502020204030204"/>
+              <a:ea typeface="+mn-ea"/>
+              <a:cs typeface="+mn-cs"/>
+            </a:endParaRPr>
+          </a:p>
+        </p:txBody>
+      </p:sp>
+      <p:pic>
+        <p:nvPicPr>
+          <p:cNvPr id="5" name="Imagem 4">
+            <a:extLst>
+              <a:ext uri="{FF2B5EF4-FFF2-40B4-BE49-F238E27FC236}">
+                <a16:creationId xmlns:a16="http://schemas.microsoft.com/office/drawing/2014/main" id="{1118D8E9-6FF5-4D90-A271-928E3F532F5D}"/>
+              </a:ext>
+            </a:extLst>
+          </p:cNvPr>
+          <p:cNvPicPr>
+            <a:picLocks noChangeAspect="1"/>
+          </p:cNvPicPr>
+          <p:nvPr/>
+        </p:nvPicPr>
+        <p:blipFill rotWithShape="1">
+          <a:blip r:embed="rId2">
+            <a:extLst>
+              <a:ext uri="{28A0092B-C50C-407E-A947-70E740481C1C}">
+                <a14:useLocalDpi xmlns:a14="http://schemas.microsoft.com/office/drawing/2010/main" val="0"/>
+              </a:ext>
+            </a:extLst>
+          </a:blip>
+          <a:srcRect l="22304" r="12854"/>
+          <a:stretch/>
+        </p:blipFill>
+        <p:spPr>
+          <a:xfrm>
+            <a:off x="20" y="10"/>
+            <a:ext cx="5233135" cy="6210619"/>
+          </a:xfrm>
+          <a:custGeom>
+            <a:avLst/>
+            <a:gdLst>
+              <a:gd name="connsiteX0" fmla="*/ 1082595 w 5234519"/>
+              <a:gd name="connsiteY0" fmla="*/ 0 h 6210629"/>
+              <a:gd name="connsiteX1" fmla="*/ 3027450 w 5234519"/>
+              <a:gd name="connsiteY1" fmla="*/ 0 h 6210629"/>
+              <a:gd name="connsiteX2" fmla="*/ 3291029 w 5234519"/>
+              <a:gd name="connsiteY2" fmla="*/ 96471 h 6210629"/>
+              <a:gd name="connsiteX3" fmla="*/ 5234519 w 5234519"/>
+              <a:gd name="connsiteY3" fmla="*/ 3028517 h 6210629"/>
+              <a:gd name="connsiteX4" fmla="*/ 2052407 w 5234519"/>
+              <a:gd name="connsiteY4" fmla="*/ 6210629 h 6210629"/>
+              <a:gd name="connsiteX5" fmla="*/ 28288 w 5234519"/>
+              <a:gd name="connsiteY5" fmla="*/ 5483989 h 6210629"/>
+              <a:gd name="connsiteX6" fmla="*/ 0 w 5234519"/>
+              <a:gd name="connsiteY6" fmla="*/ 5458279 h 6210629"/>
+              <a:gd name="connsiteX7" fmla="*/ 0 w 5234519"/>
+              <a:gd name="connsiteY7" fmla="*/ 598754 h 6210629"/>
+              <a:gd name="connsiteX8" fmla="*/ 28288 w 5234519"/>
+              <a:gd name="connsiteY8" fmla="*/ 573044 h 6210629"/>
+              <a:gd name="connsiteX9" fmla="*/ 958290 w 5234519"/>
+              <a:gd name="connsiteY9" fmla="*/ 39494 h 6210629"/>
+            </a:gdLst>
+            <a:ahLst/>
+            <a:cxnLst>
+              <a:cxn ang="0">
+                <a:pos x="connsiteX0" y="connsiteY0"/>
+              </a:cxn>
+              <a:cxn ang="0">
+                <a:pos x="connsiteX1" y="connsiteY1"/>
+              </a:cxn>
+              <a:cxn ang="0">
+                <a:pos x="connsiteX2" y="connsiteY2"/>
+              </a:cxn>
+              <a:cxn ang="0">
+                <a:pos x="connsiteX3" y="connsiteY3"/>
+              </a:cxn>
+              <a:cxn ang="0">
+                <a:pos x="connsiteX4" y="connsiteY4"/>
+              </a:cxn>
+              <a:cxn ang="0">
+                <a:pos x="connsiteX5" y="connsiteY5"/>
+              </a:cxn>
+              <a:cxn ang="0">
+                <a:pos x="connsiteX6" y="connsiteY6"/>
+              </a:cxn>
+              <a:cxn ang="0">
+                <a:pos x="connsiteX7" y="connsiteY7"/>
+              </a:cxn>
+              <a:cxn ang="0">
+                <a:pos x="connsiteX8" y="connsiteY8"/>
+              </a:cxn>
+              <a:cxn ang="0">
+                <a:pos x="connsiteX9" y="connsiteY9"/>
+              </a:cxn>
+            </a:cxnLst>
+            <a:rect l="l" t="t" r="r" b="b"/>
+            <a:pathLst>
+              <a:path w="5234519" h="6210629">
+                <a:moveTo>
+                  <a:pt x="1082595" y="0"/>
+                </a:moveTo>
+                <a:lnTo>
+                  <a:pt x="3027450" y="0"/>
+                </a:lnTo>
+                <a:lnTo>
+                  <a:pt x="3291029" y="96471"/>
+                </a:lnTo>
+                <a:cubicBezTo>
+                  <a:pt x="4433137" y="579542"/>
+                  <a:pt x="5234519" y="1710443"/>
+                  <a:pt x="5234519" y="3028517"/>
+                </a:cubicBezTo>
+                <a:cubicBezTo>
+                  <a:pt x="5234519" y="4785949"/>
+                  <a:pt x="3809839" y="6210629"/>
+                  <a:pt x="2052407" y="6210629"/>
+                </a:cubicBezTo>
+                <a:cubicBezTo>
+                  <a:pt x="1283531" y="6210629"/>
+                  <a:pt x="578345" y="5937936"/>
+                  <a:pt x="28288" y="5483989"/>
+                </a:cubicBezTo>
+                <a:lnTo>
+                  <a:pt x="0" y="5458279"/>
+                </a:lnTo>
+                <a:lnTo>
+                  <a:pt x="0" y="598754"/>
+                </a:lnTo>
+                <a:lnTo>
+                  <a:pt x="28288" y="573044"/>
+                </a:lnTo>
+                <a:cubicBezTo>
+                  <a:pt x="303317" y="346070"/>
+                  <a:pt x="617127" y="164410"/>
+                  <a:pt x="958290" y="39494"/>
+                </a:cubicBezTo>
+                <a:close/>
+              </a:path>
+            </a:pathLst>
+          </a:custGeom>
+        </p:spPr>
+      </p:pic>
+    </p:spTree>
+    <p:extLst>
+      <p:ext uri="{BB962C8B-B14F-4D97-AF65-F5344CB8AC3E}">
+        <p14:creationId xmlns:p14="http://schemas.microsoft.com/office/powerpoint/2010/main" val="1346241569"/>
+      </p:ext>
+    </p:extLst>
+  </p:cSld>
+  <p:clrMapOvr>
+    <a:overrideClrMapping bg1="dk1" tx1="lt1" bg2="dk2" tx2="lt2" accent1="accent1" accent2="accent2" accent3="accent3" accent4="accent4" accent5="accent5" accent6="accent6" hlink="hlink" folHlink="folHlink"/>
+  </p:clrMapOvr>
+  <mc:AlternateContent xmlns:mc="http://schemas.openxmlformats.org/markup-compatibility/2006" xmlns:p15="http://schemas.microsoft.com/office/powerpoint/2012/main">
+    <mc:Choice Requires="p15">
+      <p:transition xmlns:p14="http://schemas.microsoft.com/office/powerpoint/2010/main" spd="slow" p14:dur="6000">
+        <p15:prstTrans prst="curtains"/>
+      </p:transition>
+    </mc:Choice>
+    <mc:Fallback xmlns="">
+      <p:transition spd="slow">
         <p:fade/>
       </p:transition>
     </mc:Fallback>
@@ -14427,6 +18311,15 @@
 </file>
 
 <file path=customXml/item2.xml><?xml version="1.0" encoding="utf-8"?>
+<?mso-contentType ?>
+<FormTemplates xmlns="http://schemas.microsoft.com/sharepoint/v3/contenttype/forms">
+  <Display>DocumentLibraryForm</Display>
+  <Edit>AssetEditForm</Edit>
+  <New>DocumentLibraryForm</New>
+</FormTemplates>
+</file>
+
+<file path=customXml/item3.xml><?xml version="1.0" encoding="utf-8"?>
 <p:properties xmlns:p="http://schemas.microsoft.com/office/2006/metadata/properties" xmlns:xsi="http://www.w3.org/2001/XMLSchema-instance" xmlns:pc="http://schemas.microsoft.com/office/infopath/2007/PartnerControls">
   <documentManagement>
     <DirectSourceMarket xmlns="4873beb7-5857-4685-be1f-d57550cc96cc" xsi:nil="true"/>
@@ -14553,15 +18446,6 @@
 </p:properties>
 </file>
 
-<file path=customXml/item3.xml><?xml version="1.0" encoding="utf-8"?>
-<?mso-contentType ?>
-<FormTemplates xmlns="http://schemas.microsoft.com/sharepoint/v3/contenttype/forms">
-  <Display>DocumentLibraryForm</Display>
-  <Edit>AssetEditForm</Edit>
-  <New>DocumentLibraryForm</New>
-</FormTemplates>
-</file>
-
 <file path=customXml/itemProps1.xml><?xml version="1.0" encoding="utf-8"?>
 <ds:datastoreItem xmlns:ds="http://schemas.openxmlformats.org/officeDocument/2006/customXml" ds:itemID="{22CCB507-0646-4A50-A4F7-7F385079D589}">
   <ds:schemaRefs>
@@ -14581,6 +18465,14 @@
 </file>
 
 <file path=customXml/itemProps2.xml><?xml version="1.0" encoding="utf-8"?>
+<ds:datastoreItem xmlns:ds="http://schemas.openxmlformats.org/officeDocument/2006/customXml" ds:itemID="{74228E6B-D70C-44BB-A81F-A245495F612B}">
+  <ds:schemaRefs>
+    <ds:schemaRef ds:uri="http://schemas.microsoft.com/sharepoint/v3/contenttype/forms"/>
+  </ds:schemaRefs>
+</ds:datastoreItem>
+</file>
+
+<file path=customXml/itemProps3.xml><?xml version="1.0" encoding="utf-8"?>
 <ds:datastoreItem xmlns:ds="http://schemas.openxmlformats.org/officeDocument/2006/customXml" ds:itemID="{00E41224-0370-4595-877C-23316CD80004}">
   <ds:schemaRefs>
     <ds:schemaRef ds:uri="http://schemas.microsoft.com/office/2006/metadata/properties"/>
@@ -14588,12 +18480,4 @@
     <ds:schemaRef ds:uri="4873beb7-5857-4685-be1f-d57550cc96cc"/>
   </ds:schemaRefs>
 </ds:datastoreItem>
-</file>
-
-<file path=customXml/itemProps3.xml><?xml version="1.0" encoding="utf-8"?>
-<ds:datastoreItem xmlns:ds="http://schemas.openxmlformats.org/officeDocument/2006/customXml" ds:itemID="{74228E6B-D70C-44BB-A81F-A245495F612B}">
-  <ds:schemaRefs>
-    <ds:schemaRef ds:uri="http://schemas.microsoft.com/sharepoint/v3/contenttype/forms"/>
-  </ds:schemaRefs>
-</ds:datastoreItem>
 </file>